--- a/Lab4/task3.pptx
+++ b/Lab4/task3.pptx
@@ -8,6 +8,10 @@
     <p:sldId id="256" r:id="rId2"/>
     <p:sldId id="257" r:id="rId3"/>
     <p:sldId id="258" r:id="rId4"/>
+    <p:sldId id="260" r:id="rId5"/>
+    <p:sldId id="261" r:id="rId6"/>
+    <p:sldId id="262" r:id="rId7"/>
+    <p:sldId id="263" r:id="rId8"/>
   </p:sldIdLst>
   <p:sldSz cx="9144000" cy="6858000" type="screen4x3"/>
   <p:notesSz cx="6858000" cy="9144000"/>
@@ -290,7 +294,7 @@
           <a:p>
             <a:fld id="{F657648D-664B-409C-BD4E-9054D46BD507}" type="datetimeFigureOut">
               <a:rPr lang="de-DE" smtClean="0"/>
-              <a:t>20.01.2021</a:t>
+              <a:t>21.01.2021</a:t>
             </a:fld>
             <a:endParaRPr lang="de-DE"/>
           </a:p>
@@ -460,7 +464,7 @@
           <a:p>
             <a:fld id="{F657648D-664B-409C-BD4E-9054D46BD507}" type="datetimeFigureOut">
               <a:rPr lang="de-DE" smtClean="0"/>
-              <a:t>20.01.2021</a:t>
+              <a:t>21.01.2021</a:t>
             </a:fld>
             <a:endParaRPr lang="de-DE"/>
           </a:p>
@@ -640,7 +644,7 @@
           <a:p>
             <a:fld id="{F657648D-664B-409C-BD4E-9054D46BD507}" type="datetimeFigureOut">
               <a:rPr lang="de-DE" smtClean="0"/>
-              <a:t>20.01.2021</a:t>
+              <a:t>21.01.2021</a:t>
             </a:fld>
             <a:endParaRPr lang="de-DE"/>
           </a:p>
@@ -810,7 +814,7 @@
           <a:p>
             <a:fld id="{F657648D-664B-409C-BD4E-9054D46BD507}" type="datetimeFigureOut">
               <a:rPr lang="de-DE" smtClean="0"/>
-              <a:t>20.01.2021</a:t>
+              <a:t>21.01.2021</a:t>
             </a:fld>
             <a:endParaRPr lang="de-DE"/>
           </a:p>
@@ -1056,7 +1060,7 @@
           <a:p>
             <a:fld id="{F657648D-664B-409C-BD4E-9054D46BD507}" type="datetimeFigureOut">
               <a:rPr lang="de-DE" smtClean="0"/>
-              <a:t>20.01.2021</a:t>
+              <a:t>21.01.2021</a:t>
             </a:fld>
             <a:endParaRPr lang="de-DE"/>
           </a:p>
@@ -1344,7 +1348,7 @@
           <a:p>
             <a:fld id="{F657648D-664B-409C-BD4E-9054D46BD507}" type="datetimeFigureOut">
               <a:rPr lang="de-DE" smtClean="0"/>
-              <a:t>20.01.2021</a:t>
+              <a:t>21.01.2021</a:t>
             </a:fld>
             <a:endParaRPr lang="de-DE"/>
           </a:p>
@@ -1766,7 +1770,7 @@
           <a:p>
             <a:fld id="{F657648D-664B-409C-BD4E-9054D46BD507}" type="datetimeFigureOut">
               <a:rPr lang="de-DE" smtClean="0"/>
-              <a:t>20.01.2021</a:t>
+              <a:t>21.01.2021</a:t>
             </a:fld>
             <a:endParaRPr lang="de-DE"/>
           </a:p>
@@ -1884,7 +1888,7 @@
           <a:p>
             <a:fld id="{F657648D-664B-409C-BD4E-9054D46BD507}" type="datetimeFigureOut">
               <a:rPr lang="de-DE" smtClean="0"/>
-              <a:t>20.01.2021</a:t>
+              <a:t>21.01.2021</a:t>
             </a:fld>
             <a:endParaRPr lang="de-DE"/>
           </a:p>
@@ -1979,7 +1983,7 @@
           <a:p>
             <a:fld id="{F657648D-664B-409C-BD4E-9054D46BD507}" type="datetimeFigureOut">
               <a:rPr lang="de-DE" smtClean="0"/>
-              <a:t>20.01.2021</a:t>
+              <a:t>21.01.2021</a:t>
             </a:fld>
             <a:endParaRPr lang="de-DE"/>
           </a:p>
@@ -2256,7 +2260,7 @@
           <a:p>
             <a:fld id="{F657648D-664B-409C-BD4E-9054D46BD507}" type="datetimeFigureOut">
               <a:rPr lang="de-DE" smtClean="0"/>
-              <a:t>20.01.2021</a:t>
+              <a:t>21.01.2021</a:t>
             </a:fld>
             <a:endParaRPr lang="de-DE"/>
           </a:p>
@@ -2509,7 +2513,7 @@
           <a:p>
             <a:fld id="{F657648D-664B-409C-BD4E-9054D46BD507}" type="datetimeFigureOut">
               <a:rPr lang="de-DE" smtClean="0"/>
-              <a:t>20.01.2021</a:t>
+              <a:t>21.01.2021</a:t>
             </a:fld>
             <a:endParaRPr lang="de-DE"/>
           </a:p>
@@ -2722,7 +2726,7 @@
           <a:p>
             <a:fld id="{F657648D-664B-409C-BD4E-9054D46BD507}" type="datetimeFigureOut">
               <a:rPr lang="de-DE" smtClean="0"/>
-              <a:t>20.01.2021</a:t>
+              <a:t>21.01.2021</a:t>
             </a:fld>
             <a:endParaRPr lang="de-DE"/>
           </a:p>
@@ -3106,13 +3110,13 @@
           <p:nvPr>
             <p:extLst>
               <p:ext uri="{D42A27DB-BD31-4B8C-83A1-F6EECF244321}">
-                <p14:modId xmlns:p14="http://schemas.microsoft.com/office/powerpoint/2010/main" val="212991771"/>
+                <p14:modId xmlns:p14="http://schemas.microsoft.com/office/powerpoint/2010/main" val="165712946"/>
               </p:ext>
             </p:extLst>
           </p:nvPr>
         </p:nvGraphicFramePr>
         <p:xfrm>
-          <a:off x="1010435" y="2701081"/>
+          <a:off x="1394199" y="3139317"/>
           <a:ext cx="4536000" cy="741680"/>
         </p:xfrm>
         <a:graphic>
@@ -3350,8 +3354,8 @@
         </p:nvSpPr>
         <p:spPr>
           <a:xfrm>
-            <a:off x="530103" y="1096868"/>
-            <a:ext cx="3528392" cy="1477328"/>
+            <a:off x="902423" y="1408419"/>
+            <a:ext cx="3528392" cy="1631216"/>
           </a:xfrm>
           <a:prstGeom prst="rect">
             <a:avLst/>
@@ -3365,34 +3369,34 @@
           <a:lstStyle/>
           <a:p>
             <a:r>
-              <a:rPr lang="de-DE" smtClean="0"/>
+              <a:rPr lang="de-DE" sz="2000" smtClean="0"/>
               <a:t>A: Attack</a:t>
             </a:r>
           </a:p>
           <a:p>
             <a:r>
-              <a:rPr lang="de-DE" smtClean="0"/>
+              <a:rPr lang="de-DE" sz="2000" smtClean="0"/>
               <a:t>B: Attack</a:t>
             </a:r>
           </a:p>
           <a:p>
             <a:r>
-              <a:rPr lang="de-DE" smtClean="0"/>
+              <a:rPr lang="de-DE" sz="2000" smtClean="0"/>
               <a:t>C: Retreat</a:t>
             </a:r>
           </a:p>
           <a:p>
             <a:r>
-              <a:rPr lang="de-DE" smtClean="0"/>
+              <a:rPr lang="de-DE" sz="2000" smtClean="0"/>
               <a:t>D: Retreat</a:t>
             </a:r>
           </a:p>
           <a:p>
             <a:r>
-              <a:rPr lang="de-DE" smtClean="0"/>
+              <a:rPr lang="de-DE" sz="2000" smtClean="0"/>
               <a:t>E: Retreat</a:t>
             </a:r>
-            <a:endParaRPr lang="de-DE"/>
+            <a:endParaRPr lang="de-DE" sz="2000"/>
           </a:p>
         </p:txBody>
       </p:sp>
@@ -3405,13 +3409,13 @@
           <p:nvPr>
             <p:extLst>
               <p:ext uri="{D42A27DB-BD31-4B8C-83A1-F6EECF244321}">
-                <p14:modId xmlns:p14="http://schemas.microsoft.com/office/powerpoint/2010/main" val="3738626377"/>
+                <p14:modId xmlns:p14="http://schemas.microsoft.com/office/powerpoint/2010/main" val="3803062307"/>
               </p:ext>
             </p:extLst>
           </p:nvPr>
         </p:nvGraphicFramePr>
         <p:xfrm>
-          <a:off x="1019884" y="3665061"/>
+          <a:off x="1403648" y="4103297"/>
           <a:ext cx="4536000" cy="741680"/>
         </p:xfrm>
         <a:graphic>
@@ -3649,7 +3653,7 @@
         </p:nvSpPr>
         <p:spPr>
           <a:xfrm>
-            <a:off x="542383" y="2701081"/>
+            <a:off x="926147" y="3139317"/>
             <a:ext cx="360040" cy="369332"/>
           </a:xfrm>
           <a:prstGeom prst="rect">
@@ -3664,8 +3668,16 @@
           <a:lstStyle/>
           <a:p>
             <a:r>
+              <a:rPr lang="de-DE" smtClean="0">
+                <a:solidFill>
+                  <a:srgbClr val="FF0000"/>
+                </a:solidFill>
+              </a:rPr>
+              <a:t>F</a:t>
+            </a:r>
+            <a:r>
               <a:rPr lang="de-DE" smtClean="0"/>
-              <a:t>F:</a:t>
+              <a:t>:</a:t>
             </a:r>
             <a:endParaRPr lang="de-DE"/>
           </a:p>
@@ -3679,7 +3691,7 @@
         </p:nvSpPr>
         <p:spPr>
           <a:xfrm>
-            <a:off x="515828" y="3665061"/>
+            <a:off x="899592" y="4103297"/>
             <a:ext cx="432048" cy="369332"/>
           </a:xfrm>
           <a:prstGeom prst="rect">
@@ -3694,8 +3706,16 @@
           <a:lstStyle/>
           <a:p>
             <a:r>
+              <a:rPr lang="de-DE" smtClean="0">
+                <a:solidFill>
+                  <a:srgbClr val="FF0000"/>
+                </a:solidFill>
+              </a:rPr>
+              <a:t>G</a:t>
+            </a:r>
+            <a:r>
               <a:rPr lang="de-DE" smtClean="0"/>
-              <a:t>G:</a:t>
+              <a:t>:</a:t>
             </a:r>
             <a:endParaRPr lang="de-DE"/>
           </a:p>
@@ -3726,14 +3746,14 @@
             <a:pPr algn="ctr"/>
             <a:r>
               <a:rPr lang="de-DE" sz="2400" smtClean="0"/>
-              <a:t>k = 2:</a:t>
+              <a:t>Round 1</a:t>
             </a:r>
           </a:p>
           <a:p>
             <a:pPr algn="ctr"/>
             <a:r>
               <a:rPr lang="de-DE" sz="2400" smtClean="0"/>
-              <a:t>5 honest, 2 byzantine generals</a:t>
+              <a:t>k = 2: 5 honest, 2 byzantine generals</a:t>
             </a:r>
             <a:endParaRPr lang="de-DE" sz="2400"/>
           </a:p>
@@ -3778,13 +3798,13 @@
           <p:nvPr>
             <p:extLst>
               <p:ext uri="{D42A27DB-BD31-4B8C-83A1-F6EECF244321}">
-                <p14:modId xmlns:p14="http://schemas.microsoft.com/office/powerpoint/2010/main" val="3692838126"/>
+                <p14:modId xmlns:p14="http://schemas.microsoft.com/office/powerpoint/2010/main" val="4258602173"/>
               </p:ext>
             </p:extLst>
           </p:nvPr>
         </p:nvGraphicFramePr>
         <p:xfrm>
-          <a:off x="1" y="0"/>
+          <a:off x="576064" y="798746"/>
           <a:ext cx="4503979" cy="2926080"/>
         </p:xfrm>
         <a:graphic>
@@ -3936,7 +3956,7 @@
                     </a:p>
                   </a:txBody>
                   <a:tcPr>
-                    <a:lnR w="38100" cap="flat" cmpd="sng" algn="ctr">
+                    <a:lnR w="76200" cap="flat" cmpd="sng" algn="ctr">
                       <a:solidFill>
                         <a:schemeClr val="bg1"/>
                       </a:solidFill>
@@ -3968,7 +3988,7 @@
                     </a:p>
                   </a:txBody>
                   <a:tcPr>
-                    <a:lnL w="38100" cap="flat" cmpd="sng" algn="ctr">
+                    <a:lnL w="76200" cap="flat" cmpd="sng" algn="ctr">
                       <a:solidFill>
                         <a:schemeClr val="bg1"/>
                       </a:solidFill>
@@ -3987,10 +4007,18 @@
                     <a:lstStyle/>
                     <a:p>
                       <a:r>
-                        <a:rPr lang="de-DE" smtClean="0"/>
-                        <a:t>A</a:t>
-                      </a:r>
-                      <a:endParaRPr lang="de-DE"/>
+                        <a:rPr lang="de-DE" b="1" smtClean="0">
+                          <a:solidFill>
+                            <a:schemeClr val="bg1"/>
+                          </a:solidFill>
+                        </a:rPr>
+                        <a:t>A</a:t>
+                      </a:r>
+                      <a:endParaRPr lang="de-DE" b="1">
+                        <a:solidFill>
+                          <a:schemeClr val="bg1"/>
+                        </a:solidFill>
+                      </a:endParaRPr>
                     </a:p>
                   </a:txBody>
                   <a:tcPr>
@@ -4089,14 +4117,28 @@
                     <a:lstStyle/>
                     <a:p>
                       <a:r>
-                        <a:rPr lang="de-DE" smtClean="0"/>
-                        <a:t>A</a:t>
-                      </a:r>
-                      <a:endParaRPr lang="de-DE"/>
+                        <a:rPr lang="de-DE" smtClean="0">
+                          <a:ln>
+                            <a:noFill/>
+                          </a:ln>
+                          <a:solidFill>
+                            <a:sysClr val="windowText" lastClr="000000"/>
+                          </a:solidFill>
+                        </a:rPr>
+                        <a:t>A</a:t>
+                      </a:r>
+                      <a:endParaRPr lang="de-DE">
+                        <a:ln>
+                          <a:noFill/>
+                        </a:ln>
+                        <a:solidFill>
+                          <a:sysClr val="windowText" lastClr="000000"/>
+                        </a:solidFill>
+                      </a:endParaRPr>
                     </a:p>
                   </a:txBody>
                   <a:tcPr>
-                    <a:lnR w="38100" cap="flat" cmpd="sng" algn="ctr">
+                    <a:lnR w="76200" cap="flat" cmpd="sng" algn="ctr">
                       <a:solidFill>
                         <a:schemeClr val="bg1"/>
                       </a:solidFill>
@@ -4120,7 +4162,7 @@
                     </a:p>
                   </a:txBody>
                   <a:tcPr>
-                    <a:lnL w="38100" cap="flat" cmpd="sng" algn="ctr">
+                    <a:lnL w="76200" cap="flat" cmpd="sng" algn="ctr">
                       <a:solidFill>
                         <a:schemeClr val="bg1"/>
                       </a:solidFill>
@@ -4139,10 +4181,18 @@
                     <a:lstStyle/>
                     <a:p>
                       <a:r>
-                        <a:rPr lang="de-DE" smtClean="0"/>
+                        <a:rPr lang="de-DE" b="1" smtClean="0">
+                          <a:solidFill>
+                            <a:schemeClr val="bg1"/>
+                          </a:solidFill>
+                        </a:rPr>
                         <a:t>B</a:t>
                       </a:r>
-                      <a:endParaRPr lang="de-DE"/>
+                      <a:endParaRPr lang="de-DE" b="1">
+                        <a:solidFill>
+                          <a:schemeClr val="bg1"/>
+                        </a:solidFill>
+                      </a:endParaRPr>
                     </a:p>
                   </a:txBody>
                   <a:tcPr>
@@ -4248,7 +4298,7 @@
                     </a:p>
                   </a:txBody>
                   <a:tcPr>
-                    <a:lnR w="38100" cap="flat" cmpd="sng" algn="ctr">
+                    <a:lnR w="76200" cap="flat" cmpd="sng" algn="ctr">
                       <a:solidFill>
                         <a:schemeClr val="bg1"/>
                       </a:solidFill>
@@ -4272,7 +4322,7 @@
                     </a:p>
                   </a:txBody>
                   <a:tcPr>
-                    <a:lnL w="38100" cap="flat" cmpd="sng" algn="ctr">
+                    <a:lnL w="76200" cap="flat" cmpd="sng" algn="ctr">
                       <a:solidFill>
                         <a:schemeClr val="bg1"/>
                       </a:solidFill>
@@ -4291,10 +4341,18 @@
                     <a:lstStyle/>
                     <a:p>
                       <a:r>
-                        <a:rPr lang="de-DE" smtClean="0"/>
+                        <a:rPr lang="de-DE" b="1" smtClean="0">
+                          <a:solidFill>
+                            <a:schemeClr val="bg1"/>
+                          </a:solidFill>
+                        </a:rPr>
                         <a:t>C</a:t>
                       </a:r>
-                      <a:endParaRPr lang="de-DE"/>
+                      <a:endParaRPr lang="de-DE" b="1">
+                        <a:solidFill>
+                          <a:schemeClr val="bg1"/>
+                        </a:solidFill>
+                      </a:endParaRPr>
                     </a:p>
                   </a:txBody>
                   <a:tcPr>
@@ -4400,7 +4458,7 @@
                     </a:p>
                   </a:txBody>
                   <a:tcPr>
-                    <a:lnR w="38100" cap="flat" cmpd="sng" algn="ctr">
+                    <a:lnR w="76200" cap="flat" cmpd="sng" algn="ctr">
                       <a:solidFill>
                         <a:schemeClr val="bg1"/>
                       </a:solidFill>
@@ -4424,7 +4482,7 @@
                     </a:p>
                   </a:txBody>
                   <a:tcPr>
-                    <a:lnL w="38100" cap="flat" cmpd="sng" algn="ctr">
+                    <a:lnL w="76200" cap="flat" cmpd="sng" algn="ctr">
                       <a:solidFill>
                         <a:schemeClr val="bg1"/>
                       </a:solidFill>
@@ -4443,10 +4501,18 @@
                     <a:lstStyle/>
                     <a:p>
                       <a:r>
-                        <a:rPr lang="de-DE" smtClean="0"/>
+                        <a:rPr lang="de-DE" b="1" smtClean="0">
+                          <a:solidFill>
+                            <a:schemeClr val="bg1"/>
+                          </a:solidFill>
+                        </a:rPr>
                         <a:t>D</a:t>
                       </a:r>
-                      <a:endParaRPr lang="de-DE"/>
+                      <a:endParaRPr lang="de-DE" b="1">
+                        <a:solidFill>
+                          <a:schemeClr val="bg1"/>
+                        </a:solidFill>
+                      </a:endParaRPr>
                     </a:p>
                   </a:txBody>
                   <a:tcPr>
@@ -4552,7 +4618,7 @@
                     </a:p>
                   </a:txBody>
                   <a:tcPr>
-                    <a:lnR w="38100" cap="flat" cmpd="sng" algn="ctr">
+                    <a:lnR w="76200" cap="flat" cmpd="sng" algn="ctr">
                       <a:solidFill>
                         <a:schemeClr val="bg1"/>
                       </a:solidFill>
@@ -4576,7 +4642,7 @@
                     </a:p>
                   </a:txBody>
                   <a:tcPr>
-                    <a:lnL w="38100" cap="flat" cmpd="sng" algn="ctr">
+                    <a:lnL w="76200" cap="flat" cmpd="sng" algn="ctr">
                       <a:solidFill>
                         <a:schemeClr val="bg1"/>
                       </a:solidFill>
@@ -4595,10 +4661,18 @@
                     <a:lstStyle/>
                     <a:p>
                       <a:r>
-                        <a:rPr lang="de-DE" smtClean="0"/>
+                        <a:rPr lang="de-DE" b="1" smtClean="0">
+                          <a:solidFill>
+                            <a:schemeClr val="bg1"/>
+                          </a:solidFill>
+                        </a:rPr>
                         <a:t>E</a:t>
                       </a:r>
-                      <a:endParaRPr lang="de-DE"/>
+                      <a:endParaRPr lang="de-DE" b="1">
+                        <a:solidFill>
+                          <a:schemeClr val="bg1"/>
+                        </a:solidFill>
+                      </a:endParaRPr>
                     </a:p>
                   </a:txBody>
                   <a:tcPr>
@@ -4704,7 +4778,7 @@
                     </a:p>
                   </a:txBody>
                   <a:tcPr>
-                    <a:lnR w="38100" cap="flat" cmpd="sng" algn="ctr">
+                    <a:lnR w="76200" cap="flat" cmpd="sng" algn="ctr">
                       <a:solidFill>
                         <a:schemeClr val="bg1"/>
                       </a:solidFill>
@@ -4728,7 +4802,7 @@
                     </a:p>
                   </a:txBody>
                   <a:tcPr>
-                    <a:lnL w="38100" cap="flat" cmpd="sng" algn="ctr">
+                    <a:lnL w="76200" cap="flat" cmpd="sng" algn="ctr">
                       <a:solidFill>
                         <a:schemeClr val="bg1"/>
                       </a:solidFill>
@@ -4747,14 +4821,14 @@
                     <a:lstStyle/>
                     <a:p>
                       <a:r>
-                        <a:rPr lang="de-DE" smtClean="0">
+                        <a:rPr lang="de-DE" b="1" smtClean="0">
                           <a:solidFill>
                             <a:srgbClr val="FF0000"/>
                           </a:solidFill>
                         </a:rPr>
                         <a:t>F</a:t>
                       </a:r>
-                      <a:endParaRPr lang="de-DE">
+                      <a:endParaRPr lang="de-DE" b="1">
                         <a:solidFill>
                           <a:srgbClr val="FF0000"/>
                         </a:solidFill>
@@ -4864,7 +4938,7 @@
                     </a:p>
                   </a:txBody>
                   <a:tcPr>
-                    <a:lnR w="38100" cap="flat" cmpd="sng" algn="ctr">
+                    <a:lnR w="76200" cap="flat" cmpd="sng" algn="ctr">
                       <a:solidFill>
                         <a:schemeClr val="bg1"/>
                       </a:solidFill>
@@ -4888,7 +4962,7 @@
                     </a:p>
                   </a:txBody>
                   <a:tcPr>
-                    <a:lnL w="38100" cap="flat" cmpd="sng" algn="ctr">
+                    <a:lnL w="76200" cap="flat" cmpd="sng" algn="ctr">
                       <a:solidFill>
                         <a:schemeClr val="bg1"/>
                       </a:solidFill>
@@ -4907,14 +4981,14 @@
                     <a:lstStyle/>
                     <a:p>
                       <a:r>
-                        <a:rPr lang="de-DE" smtClean="0">
+                        <a:rPr lang="de-DE" b="1" smtClean="0">
                           <a:solidFill>
                             <a:srgbClr val="FF0000"/>
                           </a:solidFill>
                         </a:rPr>
                         <a:t>G</a:t>
                       </a:r>
-                      <a:endParaRPr lang="de-DE">
+                      <a:endParaRPr lang="de-DE" b="1">
                         <a:solidFill>
                           <a:srgbClr val="FF0000"/>
                         </a:solidFill>
@@ -5024,7 +5098,7 @@
                     </a:p>
                   </a:txBody>
                   <a:tcPr>
-                    <a:lnR w="38100" cap="flat" cmpd="sng" algn="ctr">
+                    <a:lnR w="76200" cap="flat" cmpd="sng" algn="ctr">
                       <a:solidFill>
                         <a:schemeClr val="bg1"/>
                       </a:solidFill>
@@ -5048,7 +5122,7 @@
                     </a:p>
                   </a:txBody>
                   <a:tcPr>
-                    <a:lnL w="38100" cap="flat" cmpd="sng" algn="ctr">
+                    <a:lnL w="76200" cap="flat" cmpd="sng" algn="ctr">
                       <a:solidFill>
                         <a:schemeClr val="bg1"/>
                       </a:solidFill>
@@ -5073,13 +5147,13 @@
           <p:nvPr>
             <p:extLst>
               <p:ext uri="{D42A27DB-BD31-4B8C-83A1-F6EECF244321}">
-                <p14:modId xmlns:p14="http://schemas.microsoft.com/office/powerpoint/2010/main" val="2189100724"/>
+                <p14:modId xmlns:p14="http://schemas.microsoft.com/office/powerpoint/2010/main" val="1036336033"/>
               </p:ext>
             </p:extLst>
           </p:nvPr>
         </p:nvGraphicFramePr>
         <p:xfrm>
-          <a:off x="0" y="3925262"/>
+          <a:off x="576064" y="3815288"/>
           <a:ext cx="4647979" cy="2926080"/>
         </p:xfrm>
         <a:graphic>
@@ -5231,7 +5305,7 @@
                     </a:p>
                   </a:txBody>
                   <a:tcPr>
-                    <a:lnR w="38100" cap="flat" cmpd="sng" algn="ctr">
+                    <a:lnR w="76200" cap="flat" cmpd="sng" algn="ctr">
                       <a:solidFill>
                         <a:schemeClr val="bg1"/>
                       </a:solidFill>
@@ -5263,7 +5337,7 @@
                     </a:p>
                   </a:txBody>
                   <a:tcPr>
-                    <a:lnL w="38100" cap="flat" cmpd="sng" algn="ctr">
+                    <a:lnL w="76200" cap="flat" cmpd="sng" algn="ctr">
                       <a:solidFill>
                         <a:schemeClr val="bg1"/>
                       </a:solidFill>
@@ -5282,10 +5356,18 @@
                     <a:lstStyle/>
                     <a:p>
                       <a:r>
-                        <a:rPr lang="de-DE" smtClean="0"/>
-                        <a:t>A</a:t>
-                      </a:r>
-                      <a:endParaRPr lang="de-DE"/>
+                        <a:rPr lang="de-DE" b="1" smtClean="0">
+                          <a:solidFill>
+                            <a:schemeClr val="bg1"/>
+                          </a:solidFill>
+                        </a:rPr>
+                        <a:t>A</a:t>
+                      </a:r>
+                      <a:endParaRPr lang="de-DE" b="1">
+                        <a:solidFill>
+                          <a:schemeClr val="bg1"/>
+                        </a:solidFill>
+                      </a:endParaRPr>
                     </a:p>
                   </a:txBody>
                   <a:tcPr>
@@ -5391,7 +5473,7 @@
                     </a:p>
                   </a:txBody>
                   <a:tcPr>
-                    <a:lnR w="38100" cap="flat" cmpd="sng" algn="ctr">
+                    <a:lnR w="76200" cap="flat" cmpd="sng" algn="ctr">
                       <a:solidFill>
                         <a:schemeClr val="bg1"/>
                       </a:solidFill>
@@ -5415,7 +5497,7 @@
                     </a:p>
                   </a:txBody>
                   <a:tcPr>
-                    <a:lnL w="38100" cap="flat" cmpd="sng" algn="ctr">
+                    <a:lnL w="76200" cap="flat" cmpd="sng" algn="ctr">
                       <a:solidFill>
                         <a:schemeClr val="bg1"/>
                       </a:solidFill>
@@ -5434,10 +5516,18 @@
                     <a:lstStyle/>
                     <a:p>
                       <a:r>
-                        <a:rPr lang="de-DE" smtClean="0"/>
+                        <a:rPr lang="de-DE" b="1" smtClean="0">
+                          <a:solidFill>
+                            <a:schemeClr val="bg1"/>
+                          </a:solidFill>
+                        </a:rPr>
                         <a:t>B</a:t>
                       </a:r>
-                      <a:endParaRPr lang="de-DE"/>
+                      <a:endParaRPr lang="de-DE" b="1">
+                        <a:solidFill>
+                          <a:schemeClr val="bg1"/>
+                        </a:solidFill>
+                      </a:endParaRPr>
                     </a:p>
                   </a:txBody>
                   <a:tcPr>
@@ -5543,7 +5633,7 @@
                     </a:p>
                   </a:txBody>
                   <a:tcPr>
-                    <a:lnR w="38100" cap="flat" cmpd="sng" algn="ctr">
+                    <a:lnR w="76200" cap="flat" cmpd="sng" algn="ctr">
                       <a:solidFill>
                         <a:schemeClr val="bg1"/>
                       </a:solidFill>
@@ -5567,7 +5657,7 @@
                     </a:p>
                   </a:txBody>
                   <a:tcPr>
-                    <a:lnL w="38100" cap="flat" cmpd="sng" algn="ctr">
+                    <a:lnL w="76200" cap="flat" cmpd="sng" algn="ctr">
                       <a:solidFill>
                         <a:schemeClr val="bg1"/>
                       </a:solidFill>
@@ -5586,10 +5676,18 @@
                     <a:lstStyle/>
                     <a:p>
                       <a:r>
-                        <a:rPr lang="de-DE" smtClean="0"/>
+                        <a:rPr lang="de-DE" b="1" smtClean="0">
+                          <a:solidFill>
+                            <a:schemeClr val="bg1"/>
+                          </a:solidFill>
+                        </a:rPr>
                         <a:t>C</a:t>
                       </a:r>
-                      <a:endParaRPr lang="de-DE"/>
+                      <a:endParaRPr lang="de-DE" b="1">
+                        <a:solidFill>
+                          <a:schemeClr val="bg1"/>
+                        </a:solidFill>
+                      </a:endParaRPr>
                     </a:p>
                   </a:txBody>
                   <a:tcPr>
@@ -5695,7 +5793,7 @@
                     </a:p>
                   </a:txBody>
                   <a:tcPr>
-                    <a:lnR w="38100" cap="flat" cmpd="sng" algn="ctr">
+                    <a:lnR w="76200" cap="flat" cmpd="sng" algn="ctr">
                       <a:solidFill>
                         <a:schemeClr val="bg1"/>
                       </a:solidFill>
@@ -5719,7 +5817,7 @@
                     </a:p>
                   </a:txBody>
                   <a:tcPr>
-                    <a:lnL w="38100" cap="flat" cmpd="sng" algn="ctr">
+                    <a:lnL w="76200" cap="flat" cmpd="sng" algn="ctr">
                       <a:solidFill>
                         <a:schemeClr val="bg1"/>
                       </a:solidFill>
@@ -5738,10 +5836,18 @@
                     <a:lstStyle/>
                     <a:p>
                       <a:r>
-                        <a:rPr lang="de-DE" smtClean="0"/>
+                        <a:rPr lang="de-DE" b="1" smtClean="0">
+                          <a:solidFill>
+                            <a:schemeClr val="bg1"/>
+                          </a:solidFill>
+                        </a:rPr>
                         <a:t>D</a:t>
                       </a:r>
-                      <a:endParaRPr lang="de-DE"/>
+                      <a:endParaRPr lang="de-DE" b="1">
+                        <a:solidFill>
+                          <a:schemeClr val="bg1"/>
+                        </a:solidFill>
+                      </a:endParaRPr>
                     </a:p>
                   </a:txBody>
                   <a:tcPr>
@@ -5847,7 +5953,7 @@
                     </a:p>
                   </a:txBody>
                   <a:tcPr>
-                    <a:lnR w="38100" cap="flat" cmpd="sng" algn="ctr">
+                    <a:lnR w="76200" cap="flat" cmpd="sng" algn="ctr">
                       <a:solidFill>
                         <a:schemeClr val="bg1"/>
                       </a:solidFill>
@@ -5871,7 +5977,7 @@
                     </a:p>
                   </a:txBody>
                   <a:tcPr>
-                    <a:lnL w="38100" cap="flat" cmpd="sng" algn="ctr">
+                    <a:lnL w="76200" cap="flat" cmpd="sng" algn="ctr">
                       <a:solidFill>
                         <a:schemeClr val="bg1"/>
                       </a:solidFill>
@@ -5890,10 +5996,18 @@
                     <a:lstStyle/>
                     <a:p>
                       <a:r>
-                        <a:rPr lang="de-DE" smtClean="0"/>
+                        <a:rPr lang="de-DE" b="1" smtClean="0">
+                          <a:solidFill>
+                            <a:schemeClr val="bg1"/>
+                          </a:solidFill>
+                        </a:rPr>
                         <a:t>E</a:t>
                       </a:r>
-                      <a:endParaRPr lang="de-DE"/>
+                      <a:endParaRPr lang="de-DE" b="1">
+                        <a:solidFill>
+                          <a:schemeClr val="bg1"/>
+                        </a:solidFill>
+                      </a:endParaRPr>
                     </a:p>
                   </a:txBody>
                   <a:tcPr>
@@ -5999,7 +6113,7 @@
                     </a:p>
                   </a:txBody>
                   <a:tcPr>
-                    <a:lnR w="38100" cap="flat" cmpd="sng" algn="ctr">
+                    <a:lnR w="76200" cap="flat" cmpd="sng" algn="ctr">
                       <a:solidFill>
                         <a:schemeClr val="bg1"/>
                       </a:solidFill>
@@ -6023,7 +6137,7 @@
                     </a:p>
                   </a:txBody>
                   <a:tcPr>
-                    <a:lnL w="38100" cap="flat" cmpd="sng" algn="ctr">
+                    <a:lnL w="76200" cap="flat" cmpd="sng" algn="ctr">
                       <a:solidFill>
                         <a:schemeClr val="bg1"/>
                       </a:solidFill>
@@ -6042,14 +6156,14 @@
                     <a:lstStyle/>
                     <a:p>
                       <a:r>
-                        <a:rPr lang="de-DE" smtClean="0">
+                        <a:rPr lang="de-DE" b="1" smtClean="0">
                           <a:solidFill>
                             <a:srgbClr val="FF0000"/>
                           </a:solidFill>
                         </a:rPr>
                         <a:t>F</a:t>
                       </a:r>
-                      <a:endParaRPr lang="de-DE">
+                      <a:endParaRPr lang="de-DE" b="1">
                         <a:solidFill>
                           <a:srgbClr val="FF0000"/>
                         </a:solidFill>
@@ -6159,7 +6273,7 @@
                     </a:p>
                   </a:txBody>
                   <a:tcPr>
-                    <a:lnR w="38100" cap="flat" cmpd="sng" algn="ctr">
+                    <a:lnR w="76200" cap="flat" cmpd="sng" algn="ctr">
                       <a:solidFill>
                         <a:schemeClr val="bg1"/>
                       </a:solidFill>
@@ -6183,7 +6297,7 @@
                     </a:p>
                   </a:txBody>
                   <a:tcPr>
-                    <a:lnL w="38100" cap="flat" cmpd="sng" algn="ctr">
+                    <a:lnL w="76200" cap="flat" cmpd="sng" algn="ctr">
                       <a:solidFill>
                         <a:schemeClr val="bg1"/>
                       </a:solidFill>
@@ -6202,14 +6316,14 @@
                     <a:lstStyle/>
                     <a:p>
                       <a:r>
-                        <a:rPr lang="de-DE" smtClean="0">
+                        <a:rPr lang="de-DE" b="1" smtClean="0">
                           <a:solidFill>
                             <a:srgbClr val="FF0000"/>
                           </a:solidFill>
                         </a:rPr>
                         <a:t>G</a:t>
                       </a:r>
-                      <a:endParaRPr lang="de-DE">
+                      <a:endParaRPr lang="de-DE" b="1">
                         <a:solidFill>
                           <a:srgbClr val="FF0000"/>
                         </a:solidFill>
@@ -6319,7 +6433,7 @@
                     </a:p>
                   </a:txBody>
                   <a:tcPr>
-                    <a:lnR w="38100" cap="flat" cmpd="sng" algn="ctr">
+                    <a:lnR w="76200" cap="flat" cmpd="sng" algn="ctr">
                       <a:solidFill>
                         <a:schemeClr val="bg1"/>
                       </a:solidFill>
@@ -6343,7 +6457,7 @@
                     </a:p>
                   </a:txBody>
                   <a:tcPr>
-                    <a:lnL w="38100" cap="flat" cmpd="sng" algn="ctr">
+                    <a:lnL w="76200" cap="flat" cmpd="sng" algn="ctr">
                       <a:solidFill>
                         <a:schemeClr val="bg1"/>
                       </a:solidFill>
@@ -6367,7 +6481,7 @@
         </p:nvSpPr>
         <p:spPr>
           <a:xfrm>
-            <a:off x="4716016" y="980728"/>
+            <a:off x="5292079" y="1779474"/>
             <a:ext cx="1872208" cy="369332"/>
           </a:xfrm>
           <a:prstGeom prst="rect">
@@ -6397,7 +6511,7 @@
         </p:nvSpPr>
         <p:spPr>
           <a:xfrm>
-            <a:off x="4716016" y="5157192"/>
+            <a:off x="5292080" y="5047218"/>
             <a:ext cx="1872208" cy="369332"/>
           </a:xfrm>
           <a:prstGeom prst="rect">
@@ -6416,6 +6530,37 @@
               <a:t>-&gt; Retreat</a:t>
             </a:r>
             <a:endParaRPr lang="de-DE"/>
+          </a:p>
+        </p:txBody>
+      </p:sp>
+      <p:sp>
+        <p:nvSpPr>
+          <p:cNvPr id="2" name="Textfeld 1"/>
+          <p:cNvSpPr txBox="1"/>
+          <p:nvPr/>
+        </p:nvSpPr>
+        <p:spPr>
+          <a:xfrm>
+            <a:off x="1763688" y="44624"/>
+            <a:ext cx="5616624" cy="461665"/>
+          </a:xfrm>
+          <a:prstGeom prst="rect">
+            <a:avLst/>
+          </a:prstGeom>
+          <a:noFill/>
+        </p:spPr>
+        <p:txBody>
+          <a:bodyPr wrap="square" rtlCol="0">
+            <a:spAutoFit/>
+          </a:bodyPr>
+          <a:lstStyle/>
+          <a:p>
+            <a:pPr algn="ctr"/>
+            <a:r>
+              <a:rPr lang="de-DE" sz="2400" smtClean="0"/>
+              <a:t>Round 2</a:t>
+            </a:r>
+            <a:endParaRPr lang="de-DE" sz="2400"/>
           </a:p>
         </p:txBody>
       </p:sp>
@@ -6504,7 +6649,7 @@
             <a:pPr lvl="1"/>
             <a:r>
               <a:rPr lang="de-DE" sz="2000" smtClean="0"/>
-              <a:t>Byzantine generals don‘t need to coordinate</a:t>
+              <a:t>Byzantine generals don‘t need to coordinate but need to know the number of byzantine generals</a:t>
             </a:r>
           </a:p>
         </p:txBody>
@@ -6513,6 +6658,7780 @@
     <p:extLst>
       <p:ext uri="{BB962C8B-B14F-4D97-AF65-F5344CB8AC3E}">
         <p14:creationId xmlns:p14="http://schemas.microsoft.com/office/powerpoint/2010/main" val="1756431838"/>
+      </p:ext>
+    </p:extLst>
+  </p:cSld>
+  <p:clrMapOvr>
+    <a:masterClrMapping/>
+  </p:clrMapOvr>
+</p:sld>
+</file>
+
+<file path=ppt/slides/slide4.xml><?xml version="1.0" encoding="utf-8"?>
+<p:sld xmlns:a="http://schemas.openxmlformats.org/drawingml/2006/main" xmlns:r="http://schemas.openxmlformats.org/officeDocument/2006/relationships" xmlns:p="http://schemas.openxmlformats.org/presentationml/2006/main">
+  <p:cSld>
+    <p:spTree>
+      <p:nvGrpSpPr>
+        <p:cNvPr id="1" name=""/>
+        <p:cNvGrpSpPr/>
+        <p:nvPr/>
+      </p:nvGrpSpPr>
+      <p:grpSpPr>
+        <a:xfrm>
+          <a:off x="0" y="0"/>
+          <a:ext cx="0" cy="0"/>
+          <a:chOff x="0" y="0"/>
+          <a:chExt cx="0" cy="0"/>
+        </a:xfrm>
+      </p:grpSpPr>
+      <p:graphicFrame>
+        <p:nvGraphicFramePr>
+          <p:cNvPr id="6" name="Tabelle 5"/>
+          <p:cNvGraphicFramePr>
+            <a:graphicFrameLocks noGrp="1"/>
+          </p:cNvGraphicFramePr>
+          <p:nvPr>
+            <p:extLst>
+              <p:ext uri="{D42A27DB-BD31-4B8C-83A1-F6EECF244321}">
+                <p14:modId xmlns:p14="http://schemas.microsoft.com/office/powerpoint/2010/main" val="105582779"/>
+              </p:ext>
+            </p:extLst>
+          </p:nvPr>
+        </p:nvGraphicFramePr>
+        <p:xfrm>
+          <a:off x="1394199" y="3139317"/>
+          <a:ext cx="4536000" cy="741680"/>
+        </p:xfrm>
+        <a:graphic>
+          <a:graphicData uri="http://schemas.openxmlformats.org/drawingml/2006/table">
+            <a:tbl>
+              <a:tblPr firstRow="1" bandRow="1">
+                <a:tableStyleId>{5C22544A-7EE6-4342-B048-85BDC9FD1C3A}</a:tableStyleId>
+              </a:tblPr>
+              <a:tblGrid>
+                <a:gridCol w="648000"/>
+                <a:gridCol w="648000"/>
+                <a:gridCol w="648000"/>
+                <a:gridCol w="648000"/>
+                <a:gridCol w="648000"/>
+                <a:gridCol w="648000"/>
+                <a:gridCol w="648000"/>
+              </a:tblGrid>
+              <a:tr h="370840">
+                <a:tc>
+                  <a:txBody>
+                    <a:bodyPr/>
+                    <a:lstStyle/>
+                    <a:p>
+                      <a:r>
+                        <a:rPr lang="de-DE" smtClean="0"/>
+                        <a:t>A</a:t>
+                      </a:r>
+                      <a:endParaRPr lang="de-DE"/>
+                    </a:p>
+                  </a:txBody>
+                  <a:tcPr/>
+                </a:tc>
+                <a:tc>
+                  <a:txBody>
+                    <a:bodyPr/>
+                    <a:lstStyle/>
+                    <a:p>
+                      <a:r>
+                        <a:rPr lang="de-DE" smtClean="0"/>
+                        <a:t>B</a:t>
+                      </a:r>
+                      <a:endParaRPr lang="de-DE"/>
+                    </a:p>
+                  </a:txBody>
+                  <a:tcPr/>
+                </a:tc>
+                <a:tc>
+                  <a:txBody>
+                    <a:bodyPr/>
+                    <a:lstStyle/>
+                    <a:p>
+                      <a:r>
+                        <a:rPr lang="de-DE" smtClean="0"/>
+                        <a:t>C</a:t>
+                      </a:r>
+                      <a:endParaRPr lang="de-DE"/>
+                    </a:p>
+                  </a:txBody>
+                  <a:tcPr/>
+                </a:tc>
+                <a:tc>
+                  <a:txBody>
+                    <a:bodyPr/>
+                    <a:lstStyle/>
+                    <a:p>
+                      <a:r>
+                        <a:rPr lang="de-DE" smtClean="0"/>
+                        <a:t>D</a:t>
+                      </a:r>
+                      <a:endParaRPr lang="de-DE"/>
+                    </a:p>
+                  </a:txBody>
+                  <a:tcPr/>
+                </a:tc>
+                <a:tc>
+                  <a:txBody>
+                    <a:bodyPr/>
+                    <a:lstStyle/>
+                    <a:p>
+                      <a:r>
+                        <a:rPr lang="de-DE" smtClean="0"/>
+                        <a:t>E</a:t>
+                      </a:r>
+                      <a:endParaRPr lang="de-DE"/>
+                    </a:p>
+                  </a:txBody>
+                  <a:tcPr/>
+                </a:tc>
+                <a:tc>
+                  <a:txBody>
+                    <a:bodyPr/>
+                    <a:lstStyle/>
+                    <a:p>
+                      <a:r>
+                        <a:rPr lang="de-DE" smtClean="0">
+                          <a:solidFill>
+                            <a:srgbClr val="FF0000"/>
+                          </a:solidFill>
+                        </a:rPr>
+                        <a:t>F</a:t>
+                      </a:r>
+                      <a:endParaRPr lang="de-DE">
+                        <a:solidFill>
+                          <a:srgbClr val="FF0000"/>
+                        </a:solidFill>
+                      </a:endParaRPr>
+                    </a:p>
+                  </a:txBody>
+                  <a:tcPr/>
+                </a:tc>
+                <a:tc>
+                  <a:txBody>
+                    <a:bodyPr/>
+                    <a:lstStyle/>
+                    <a:p>
+                      <a:r>
+                        <a:rPr lang="de-DE" smtClean="0">
+                          <a:solidFill>
+                            <a:srgbClr val="FF0000"/>
+                          </a:solidFill>
+                        </a:rPr>
+                        <a:t>G</a:t>
+                      </a:r>
+                      <a:endParaRPr lang="de-DE">
+                        <a:solidFill>
+                          <a:srgbClr val="FF0000"/>
+                        </a:solidFill>
+                      </a:endParaRPr>
+                    </a:p>
+                  </a:txBody>
+                  <a:tcPr/>
+                </a:tc>
+              </a:tr>
+              <a:tr h="370840">
+                <a:tc>
+                  <a:txBody>
+                    <a:bodyPr/>
+                    <a:lstStyle/>
+                    <a:p>
+                      <a:r>
+                        <a:rPr lang="de-DE" smtClean="0"/>
+                        <a:t>A</a:t>
+                      </a:r>
+                      <a:endParaRPr lang="de-DE"/>
+                    </a:p>
+                  </a:txBody>
+                  <a:tcPr/>
+                </a:tc>
+                <a:tc>
+                  <a:txBody>
+                    <a:bodyPr/>
+                    <a:lstStyle/>
+                    <a:p>
+                      <a:r>
+                        <a:rPr lang="de-DE" smtClean="0"/>
+                        <a:t>A</a:t>
+                      </a:r>
+                      <a:endParaRPr lang="de-DE"/>
+                    </a:p>
+                  </a:txBody>
+                  <a:tcPr/>
+                </a:tc>
+                <a:tc>
+                  <a:txBody>
+                    <a:bodyPr/>
+                    <a:lstStyle/>
+                    <a:p>
+                      <a:r>
+                        <a:rPr lang="de-DE" smtClean="0"/>
+                        <a:t>R</a:t>
+                      </a:r>
+                      <a:endParaRPr lang="de-DE"/>
+                    </a:p>
+                  </a:txBody>
+                  <a:tcPr/>
+                </a:tc>
+                <a:tc>
+                  <a:txBody>
+                    <a:bodyPr/>
+                    <a:lstStyle/>
+                    <a:p>
+                      <a:r>
+                        <a:rPr lang="de-DE" smtClean="0"/>
+                        <a:t>R</a:t>
+                      </a:r>
+                      <a:endParaRPr lang="de-DE"/>
+                    </a:p>
+                  </a:txBody>
+                  <a:tcPr/>
+                </a:tc>
+                <a:tc>
+                  <a:txBody>
+                    <a:bodyPr/>
+                    <a:lstStyle/>
+                    <a:p>
+                      <a:r>
+                        <a:rPr lang="de-DE" smtClean="0"/>
+                        <a:t>R</a:t>
+                      </a:r>
+                      <a:endParaRPr lang="de-DE"/>
+                    </a:p>
+                  </a:txBody>
+                  <a:tcPr/>
+                </a:tc>
+                <a:tc>
+                  <a:txBody>
+                    <a:bodyPr/>
+                    <a:lstStyle/>
+                    <a:p>
+                      <a:endParaRPr lang="de-DE"/>
+                    </a:p>
+                  </a:txBody>
+                  <a:tcPr/>
+                </a:tc>
+                <a:tc>
+                  <a:txBody>
+                    <a:bodyPr/>
+                    <a:lstStyle/>
+                    <a:p>
+                      <a:endParaRPr lang="de-DE"/>
+                    </a:p>
+                  </a:txBody>
+                  <a:tcPr/>
+                </a:tc>
+              </a:tr>
+            </a:tbl>
+          </a:graphicData>
+        </a:graphic>
+      </p:graphicFrame>
+      <p:sp>
+        <p:nvSpPr>
+          <p:cNvPr id="8" name="Textfeld 7"/>
+          <p:cNvSpPr txBox="1"/>
+          <p:nvPr/>
+        </p:nvSpPr>
+        <p:spPr>
+          <a:xfrm>
+            <a:off x="902423" y="1408419"/>
+            <a:ext cx="3528392" cy="1631216"/>
+          </a:xfrm>
+          <a:prstGeom prst="rect">
+            <a:avLst/>
+          </a:prstGeom>
+          <a:noFill/>
+        </p:spPr>
+        <p:txBody>
+          <a:bodyPr wrap="square" rtlCol="0">
+            <a:spAutoFit/>
+          </a:bodyPr>
+          <a:lstStyle/>
+          <a:p>
+            <a:r>
+              <a:rPr lang="de-DE" sz="2000" smtClean="0"/>
+              <a:t>A: Attack</a:t>
+            </a:r>
+          </a:p>
+          <a:p>
+            <a:r>
+              <a:rPr lang="de-DE" sz="2000" smtClean="0"/>
+              <a:t>B: Attack</a:t>
+            </a:r>
+          </a:p>
+          <a:p>
+            <a:r>
+              <a:rPr lang="de-DE" sz="2000" smtClean="0"/>
+              <a:t>C: Retreat</a:t>
+            </a:r>
+          </a:p>
+          <a:p>
+            <a:r>
+              <a:rPr lang="de-DE" sz="2000" smtClean="0"/>
+              <a:t>D: Retreat</a:t>
+            </a:r>
+          </a:p>
+          <a:p>
+            <a:r>
+              <a:rPr lang="de-DE" sz="2000" smtClean="0"/>
+              <a:t>E: Retreat</a:t>
+            </a:r>
+            <a:endParaRPr lang="de-DE" sz="2000"/>
+          </a:p>
+        </p:txBody>
+      </p:sp>
+      <p:graphicFrame>
+        <p:nvGraphicFramePr>
+          <p:cNvPr id="9" name="Tabelle 8"/>
+          <p:cNvGraphicFramePr>
+            <a:graphicFrameLocks noGrp="1"/>
+          </p:cNvGraphicFramePr>
+          <p:nvPr>
+            <p:extLst>
+              <p:ext uri="{D42A27DB-BD31-4B8C-83A1-F6EECF244321}">
+                <p14:modId xmlns:p14="http://schemas.microsoft.com/office/powerpoint/2010/main" val="2943160534"/>
+              </p:ext>
+            </p:extLst>
+          </p:nvPr>
+        </p:nvGraphicFramePr>
+        <p:xfrm>
+          <a:off x="1403648" y="4103297"/>
+          <a:ext cx="4536000" cy="741680"/>
+        </p:xfrm>
+        <a:graphic>
+          <a:graphicData uri="http://schemas.openxmlformats.org/drawingml/2006/table">
+            <a:tbl>
+              <a:tblPr firstRow="1" bandRow="1">
+                <a:tableStyleId>{5C22544A-7EE6-4342-B048-85BDC9FD1C3A}</a:tableStyleId>
+              </a:tblPr>
+              <a:tblGrid>
+                <a:gridCol w="648000"/>
+                <a:gridCol w="648000"/>
+                <a:gridCol w="648000"/>
+                <a:gridCol w="648000"/>
+                <a:gridCol w="648000"/>
+                <a:gridCol w="648000"/>
+                <a:gridCol w="648000"/>
+              </a:tblGrid>
+              <a:tr h="370840">
+                <a:tc>
+                  <a:txBody>
+                    <a:bodyPr/>
+                    <a:lstStyle/>
+                    <a:p>
+                      <a:r>
+                        <a:rPr lang="de-DE" smtClean="0"/>
+                        <a:t>A</a:t>
+                      </a:r>
+                      <a:endParaRPr lang="de-DE"/>
+                    </a:p>
+                  </a:txBody>
+                  <a:tcPr/>
+                </a:tc>
+                <a:tc>
+                  <a:txBody>
+                    <a:bodyPr/>
+                    <a:lstStyle/>
+                    <a:p>
+                      <a:r>
+                        <a:rPr lang="de-DE" smtClean="0"/>
+                        <a:t>B</a:t>
+                      </a:r>
+                      <a:endParaRPr lang="de-DE"/>
+                    </a:p>
+                  </a:txBody>
+                  <a:tcPr/>
+                </a:tc>
+                <a:tc>
+                  <a:txBody>
+                    <a:bodyPr/>
+                    <a:lstStyle/>
+                    <a:p>
+                      <a:r>
+                        <a:rPr lang="de-DE" smtClean="0"/>
+                        <a:t>C</a:t>
+                      </a:r>
+                      <a:endParaRPr lang="de-DE"/>
+                    </a:p>
+                  </a:txBody>
+                  <a:tcPr/>
+                </a:tc>
+                <a:tc>
+                  <a:txBody>
+                    <a:bodyPr/>
+                    <a:lstStyle/>
+                    <a:p>
+                      <a:r>
+                        <a:rPr lang="de-DE" smtClean="0"/>
+                        <a:t>D</a:t>
+                      </a:r>
+                      <a:endParaRPr lang="de-DE"/>
+                    </a:p>
+                  </a:txBody>
+                  <a:tcPr/>
+                </a:tc>
+                <a:tc>
+                  <a:txBody>
+                    <a:bodyPr/>
+                    <a:lstStyle/>
+                    <a:p>
+                      <a:r>
+                        <a:rPr lang="de-DE" smtClean="0"/>
+                        <a:t>E</a:t>
+                      </a:r>
+                      <a:endParaRPr lang="de-DE"/>
+                    </a:p>
+                  </a:txBody>
+                  <a:tcPr/>
+                </a:tc>
+                <a:tc>
+                  <a:txBody>
+                    <a:bodyPr/>
+                    <a:lstStyle/>
+                    <a:p>
+                      <a:r>
+                        <a:rPr lang="de-DE" smtClean="0">
+                          <a:solidFill>
+                            <a:srgbClr val="FF0000"/>
+                          </a:solidFill>
+                        </a:rPr>
+                        <a:t>F</a:t>
+                      </a:r>
+                      <a:endParaRPr lang="de-DE">
+                        <a:solidFill>
+                          <a:srgbClr val="FF0000"/>
+                        </a:solidFill>
+                      </a:endParaRPr>
+                    </a:p>
+                  </a:txBody>
+                  <a:tcPr/>
+                </a:tc>
+                <a:tc>
+                  <a:txBody>
+                    <a:bodyPr/>
+                    <a:lstStyle/>
+                    <a:p>
+                      <a:r>
+                        <a:rPr lang="de-DE" smtClean="0">
+                          <a:solidFill>
+                            <a:srgbClr val="FF0000"/>
+                          </a:solidFill>
+                        </a:rPr>
+                        <a:t>G</a:t>
+                      </a:r>
+                      <a:endParaRPr lang="de-DE">
+                        <a:solidFill>
+                          <a:srgbClr val="FF0000"/>
+                        </a:solidFill>
+                      </a:endParaRPr>
+                    </a:p>
+                  </a:txBody>
+                  <a:tcPr/>
+                </a:tc>
+              </a:tr>
+              <a:tr h="370840">
+                <a:tc>
+                  <a:txBody>
+                    <a:bodyPr/>
+                    <a:lstStyle/>
+                    <a:p>
+                      <a:r>
+                        <a:rPr lang="de-DE" smtClean="0"/>
+                        <a:t>A</a:t>
+                      </a:r>
+                      <a:endParaRPr lang="de-DE"/>
+                    </a:p>
+                  </a:txBody>
+                  <a:tcPr/>
+                </a:tc>
+                <a:tc>
+                  <a:txBody>
+                    <a:bodyPr/>
+                    <a:lstStyle/>
+                    <a:p>
+                      <a:r>
+                        <a:rPr lang="de-DE" smtClean="0"/>
+                        <a:t>A</a:t>
+                      </a:r>
+                      <a:endParaRPr lang="de-DE"/>
+                    </a:p>
+                  </a:txBody>
+                  <a:tcPr/>
+                </a:tc>
+                <a:tc>
+                  <a:txBody>
+                    <a:bodyPr/>
+                    <a:lstStyle/>
+                    <a:p>
+                      <a:r>
+                        <a:rPr lang="de-DE" smtClean="0"/>
+                        <a:t>R</a:t>
+                      </a:r>
+                      <a:endParaRPr lang="de-DE"/>
+                    </a:p>
+                  </a:txBody>
+                  <a:tcPr/>
+                </a:tc>
+                <a:tc>
+                  <a:txBody>
+                    <a:bodyPr/>
+                    <a:lstStyle/>
+                    <a:p>
+                      <a:r>
+                        <a:rPr lang="de-DE" smtClean="0"/>
+                        <a:t>R</a:t>
+                      </a:r>
+                      <a:endParaRPr lang="de-DE"/>
+                    </a:p>
+                  </a:txBody>
+                  <a:tcPr/>
+                </a:tc>
+                <a:tc>
+                  <a:txBody>
+                    <a:bodyPr/>
+                    <a:lstStyle/>
+                    <a:p>
+                      <a:r>
+                        <a:rPr lang="de-DE" smtClean="0"/>
+                        <a:t>R</a:t>
+                      </a:r>
+                      <a:endParaRPr lang="de-DE"/>
+                    </a:p>
+                  </a:txBody>
+                  <a:tcPr/>
+                </a:tc>
+                <a:tc>
+                  <a:txBody>
+                    <a:bodyPr/>
+                    <a:lstStyle/>
+                    <a:p>
+                      <a:endParaRPr lang="de-DE"/>
+                    </a:p>
+                  </a:txBody>
+                  <a:tcPr/>
+                </a:tc>
+                <a:tc>
+                  <a:txBody>
+                    <a:bodyPr/>
+                    <a:lstStyle/>
+                    <a:p>
+                      <a:endParaRPr lang="de-DE"/>
+                    </a:p>
+                  </a:txBody>
+                  <a:tcPr/>
+                </a:tc>
+              </a:tr>
+            </a:tbl>
+          </a:graphicData>
+        </a:graphic>
+      </p:graphicFrame>
+      <p:sp>
+        <p:nvSpPr>
+          <p:cNvPr id="10" name="Textfeld 9"/>
+          <p:cNvSpPr txBox="1"/>
+          <p:nvPr/>
+        </p:nvSpPr>
+        <p:spPr>
+          <a:xfrm>
+            <a:off x="926147" y="3139317"/>
+            <a:ext cx="360040" cy="369332"/>
+          </a:xfrm>
+          <a:prstGeom prst="rect">
+            <a:avLst/>
+          </a:prstGeom>
+          <a:noFill/>
+        </p:spPr>
+        <p:txBody>
+          <a:bodyPr wrap="square" rtlCol="0">
+            <a:spAutoFit/>
+          </a:bodyPr>
+          <a:lstStyle/>
+          <a:p>
+            <a:r>
+              <a:rPr lang="de-DE" smtClean="0">
+                <a:solidFill>
+                  <a:srgbClr val="FF0000"/>
+                </a:solidFill>
+              </a:rPr>
+              <a:t>F</a:t>
+            </a:r>
+            <a:r>
+              <a:rPr lang="de-DE" smtClean="0"/>
+              <a:t>:</a:t>
+            </a:r>
+            <a:endParaRPr lang="de-DE"/>
+          </a:p>
+        </p:txBody>
+      </p:sp>
+      <p:sp>
+        <p:nvSpPr>
+          <p:cNvPr id="11" name="Textfeld 10"/>
+          <p:cNvSpPr txBox="1"/>
+          <p:nvPr/>
+        </p:nvSpPr>
+        <p:spPr>
+          <a:xfrm>
+            <a:off x="899592" y="4103297"/>
+            <a:ext cx="432048" cy="369332"/>
+          </a:xfrm>
+          <a:prstGeom prst="rect">
+            <a:avLst/>
+          </a:prstGeom>
+          <a:noFill/>
+        </p:spPr>
+        <p:txBody>
+          <a:bodyPr wrap="square" rtlCol="0">
+            <a:spAutoFit/>
+          </a:bodyPr>
+          <a:lstStyle/>
+          <a:p>
+            <a:r>
+              <a:rPr lang="de-DE" smtClean="0">
+                <a:solidFill>
+                  <a:srgbClr val="FF0000"/>
+                </a:solidFill>
+              </a:rPr>
+              <a:t>G</a:t>
+            </a:r>
+            <a:r>
+              <a:rPr lang="de-DE" smtClean="0"/>
+              <a:t>:</a:t>
+            </a:r>
+            <a:endParaRPr lang="de-DE"/>
+          </a:p>
+        </p:txBody>
+      </p:sp>
+      <p:sp>
+        <p:nvSpPr>
+          <p:cNvPr id="12" name="Textfeld 11"/>
+          <p:cNvSpPr txBox="1"/>
+          <p:nvPr/>
+        </p:nvSpPr>
+        <p:spPr>
+          <a:xfrm>
+            <a:off x="731852" y="260648"/>
+            <a:ext cx="7080508" cy="830997"/>
+          </a:xfrm>
+          <a:prstGeom prst="rect">
+            <a:avLst/>
+          </a:prstGeom>
+          <a:noFill/>
+        </p:spPr>
+        <p:txBody>
+          <a:bodyPr wrap="square" rtlCol="0">
+            <a:spAutoFit/>
+          </a:bodyPr>
+          <a:lstStyle/>
+          <a:p>
+            <a:pPr algn="ctr"/>
+            <a:r>
+              <a:rPr lang="de-DE" sz="2400" smtClean="0"/>
+              <a:t>Round 1</a:t>
+            </a:r>
+          </a:p>
+          <a:p>
+            <a:pPr algn="ctr"/>
+            <a:r>
+              <a:rPr lang="de-DE" sz="2400" smtClean="0"/>
+              <a:t>k = 2: 5 honest, 2 byzantine generals</a:t>
+            </a:r>
+            <a:endParaRPr lang="de-DE" sz="2400"/>
+          </a:p>
+        </p:txBody>
+      </p:sp>
+    </p:spTree>
+    <p:extLst>
+      <p:ext uri="{BB962C8B-B14F-4D97-AF65-F5344CB8AC3E}">
+        <p14:creationId xmlns:p14="http://schemas.microsoft.com/office/powerpoint/2010/main" val="1360350189"/>
+      </p:ext>
+    </p:extLst>
+  </p:cSld>
+  <p:clrMapOvr>
+    <a:masterClrMapping/>
+  </p:clrMapOvr>
+</p:sld>
+</file>
+
+<file path=ppt/slides/slide5.xml><?xml version="1.0" encoding="utf-8"?>
+<p:sld xmlns:a="http://schemas.openxmlformats.org/drawingml/2006/main" xmlns:r="http://schemas.openxmlformats.org/officeDocument/2006/relationships" xmlns:p="http://schemas.openxmlformats.org/presentationml/2006/main">
+  <p:cSld>
+    <p:spTree>
+      <p:nvGrpSpPr>
+        <p:cNvPr id="1" name=""/>
+        <p:cNvGrpSpPr/>
+        <p:nvPr/>
+      </p:nvGrpSpPr>
+      <p:grpSpPr>
+        <a:xfrm>
+          <a:off x="0" y="0"/>
+          <a:ext cx="0" cy="0"/>
+          <a:chOff x="0" y="0"/>
+          <a:chExt cx="0" cy="0"/>
+        </a:xfrm>
+      </p:grpSpPr>
+      <p:graphicFrame>
+        <p:nvGraphicFramePr>
+          <p:cNvPr id="4" name="Tabelle 3"/>
+          <p:cNvGraphicFramePr>
+            <a:graphicFrameLocks noGrp="1"/>
+          </p:cNvGraphicFramePr>
+          <p:nvPr>
+            <p:extLst>
+              <p:ext uri="{D42A27DB-BD31-4B8C-83A1-F6EECF244321}">
+                <p14:modId xmlns:p14="http://schemas.microsoft.com/office/powerpoint/2010/main" val="598471324"/>
+              </p:ext>
+            </p:extLst>
+          </p:nvPr>
+        </p:nvGraphicFramePr>
+        <p:xfrm>
+          <a:off x="576064" y="798746"/>
+          <a:ext cx="3927979" cy="2926080"/>
+        </p:xfrm>
+        <a:graphic>
+          <a:graphicData uri="http://schemas.openxmlformats.org/drawingml/2006/table">
+            <a:tbl>
+              <a:tblPr firstRow="1" bandRow="1">
+                <a:tableStyleId>{5C22544A-7EE6-4342-B048-85BDC9FD1C3A}</a:tableStyleId>
+              </a:tblPr>
+              <a:tblGrid>
+                <a:gridCol w="540000"/>
+                <a:gridCol w="483997"/>
+                <a:gridCol w="483997"/>
+                <a:gridCol w="483997"/>
+                <a:gridCol w="483997"/>
+                <a:gridCol w="483997"/>
+                <a:gridCol w="483997"/>
+                <a:gridCol w="483997"/>
+              </a:tblGrid>
+              <a:tr h="360000">
+                <a:tc>
+                  <a:txBody>
+                    <a:bodyPr/>
+                    <a:lstStyle/>
+                    <a:p>
+                      <a:r>
+                        <a:rPr lang="de-DE" smtClean="0"/>
+                        <a:t>A,B</a:t>
+                      </a:r>
+                      <a:endParaRPr lang="de-DE"/>
+                    </a:p>
+                  </a:txBody>
+                  <a:tcPr>
+                    <a:solidFill>
+                      <a:schemeClr val="tx1"/>
+                    </a:solidFill>
+                  </a:tcPr>
+                </a:tc>
+                <a:tc>
+                  <a:txBody>
+                    <a:bodyPr/>
+                    <a:lstStyle/>
+                    <a:p>
+                      <a:r>
+                        <a:rPr lang="de-DE" smtClean="0"/>
+                        <a:t>A</a:t>
+                      </a:r>
+                      <a:endParaRPr lang="de-DE"/>
+                    </a:p>
+                  </a:txBody>
+                  <a:tcPr/>
+                </a:tc>
+                <a:tc>
+                  <a:txBody>
+                    <a:bodyPr/>
+                    <a:lstStyle/>
+                    <a:p>
+                      <a:r>
+                        <a:rPr lang="de-DE" smtClean="0"/>
+                        <a:t>B</a:t>
+                      </a:r>
+                      <a:endParaRPr lang="de-DE"/>
+                    </a:p>
+                  </a:txBody>
+                  <a:tcPr/>
+                </a:tc>
+                <a:tc>
+                  <a:txBody>
+                    <a:bodyPr/>
+                    <a:lstStyle/>
+                    <a:p>
+                      <a:r>
+                        <a:rPr lang="de-DE" smtClean="0"/>
+                        <a:t>C</a:t>
+                      </a:r>
+                      <a:endParaRPr lang="de-DE"/>
+                    </a:p>
+                  </a:txBody>
+                  <a:tcPr/>
+                </a:tc>
+                <a:tc>
+                  <a:txBody>
+                    <a:bodyPr/>
+                    <a:lstStyle/>
+                    <a:p>
+                      <a:r>
+                        <a:rPr lang="de-DE" smtClean="0"/>
+                        <a:t>D</a:t>
+                      </a:r>
+                      <a:endParaRPr lang="de-DE"/>
+                    </a:p>
+                  </a:txBody>
+                  <a:tcPr/>
+                </a:tc>
+                <a:tc>
+                  <a:txBody>
+                    <a:bodyPr/>
+                    <a:lstStyle/>
+                    <a:p>
+                      <a:r>
+                        <a:rPr lang="de-DE" smtClean="0"/>
+                        <a:t>E</a:t>
+                      </a:r>
+                      <a:endParaRPr lang="de-DE"/>
+                    </a:p>
+                  </a:txBody>
+                  <a:tcPr/>
+                </a:tc>
+                <a:tc>
+                  <a:txBody>
+                    <a:bodyPr/>
+                    <a:lstStyle/>
+                    <a:p>
+                      <a:r>
+                        <a:rPr lang="de-DE" smtClean="0">
+                          <a:solidFill>
+                            <a:srgbClr val="FF0000"/>
+                          </a:solidFill>
+                        </a:rPr>
+                        <a:t>F</a:t>
+                      </a:r>
+                      <a:endParaRPr lang="de-DE">
+                        <a:solidFill>
+                          <a:srgbClr val="FF0000"/>
+                        </a:solidFill>
+                      </a:endParaRPr>
+                    </a:p>
+                  </a:txBody>
+                  <a:tcPr/>
+                </a:tc>
+                <a:tc>
+                  <a:txBody>
+                    <a:bodyPr/>
+                    <a:lstStyle/>
+                    <a:p>
+                      <a:r>
+                        <a:rPr lang="de-DE" smtClean="0">
+                          <a:solidFill>
+                            <a:srgbClr val="FF0000"/>
+                          </a:solidFill>
+                        </a:rPr>
+                        <a:t>G</a:t>
+                      </a:r>
+                      <a:endParaRPr lang="de-DE">
+                        <a:solidFill>
+                          <a:srgbClr val="FF0000"/>
+                        </a:solidFill>
+                      </a:endParaRPr>
+                    </a:p>
+                  </a:txBody>
+                  <a:tcPr>
+                    <a:lnR w="76200" cap="flat" cmpd="sng" algn="ctr">
+                      <a:solidFill>
+                        <a:schemeClr val="bg1"/>
+                      </a:solidFill>
+                      <a:prstDash val="solid"/>
+                      <a:round/>
+                      <a:headEnd type="none" w="med" len="med"/>
+                      <a:tailEnd type="none" w="med" len="med"/>
+                    </a:lnR>
+                  </a:tcPr>
+                </a:tc>
+              </a:tr>
+              <a:tr h="360000">
+                <a:tc>
+                  <a:txBody>
+                    <a:bodyPr/>
+                    <a:lstStyle/>
+                    <a:p>
+                      <a:r>
+                        <a:rPr lang="de-DE" b="1" smtClean="0">
+                          <a:solidFill>
+                            <a:schemeClr val="bg1"/>
+                          </a:solidFill>
+                        </a:rPr>
+                        <a:t>A</a:t>
+                      </a:r>
+                      <a:endParaRPr lang="de-DE" b="1">
+                        <a:solidFill>
+                          <a:schemeClr val="bg1"/>
+                        </a:solidFill>
+                      </a:endParaRPr>
+                    </a:p>
+                  </a:txBody>
+                  <a:tcPr>
+                    <a:solidFill>
+                      <a:schemeClr val="accent1"/>
+                    </a:solidFill>
+                  </a:tcPr>
+                </a:tc>
+                <a:tc>
+                  <a:txBody>
+                    <a:bodyPr/>
+                    <a:lstStyle/>
+                    <a:p>
+                      <a:r>
+                        <a:rPr lang="de-DE" smtClean="0"/>
+                        <a:t>A</a:t>
+                      </a:r>
+                      <a:endParaRPr lang="de-DE"/>
+                    </a:p>
+                  </a:txBody>
+                  <a:tcPr/>
+                </a:tc>
+                <a:tc>
+                  <a:txBody>
+                    <a:bodyPr/>
+                    <a:lstStyle/>
+                    <a:p>
+                      <a:r>
+                        <a:rPr lang="de-DE" smtClean="0"/>
+                        <a:t>A</a:t>
+                      </a:r>
+                      <a:endParaRPr lang="de-DE"/>
+                    </a:p>
+                  </a:txBody>
+                  <a:tcPr/>
+                </a:tc>
+                <a:tc>
+                  <a:txBody>
+                    <a:bodyPr/>
+                    <a:lstStyle/>
+                    <a:p>
+                      <a:r>
+                        <a:rPr lang="de-DE" smtClean="0"/>
+                        <a:t>A</a:t>
+                      </a:r>
+                      <a:endParaRPr lang="de-DE"/>
+                    </a:p>
+                  </a:txBody>
+                  <a:tcPr/>
+                </a:tc>
+                <a:tc>
+                  <a:txBody>
+                    <a:bodyPr/>
+                    <a:lstStyle/>
+                    <a:p>
+                      <a:r>
+                        <a:rPr lang="de-DE" smtClean="0"/>
+                        <a:t>A</a:t>
+                      </a:r>
+                      <a:endParaRPr lang="de-DE"/>
+                    </a:p>
+                  </a:txBody>
+                  <a:tcPr/>
+                </a:tc>
+                <a:tc>
+                  <a:txBody>
+                    <a:bodyPr/>
+                    <a:lstStyle/>
+                    <a:p>
+                      <a:r>
+                        <a:rPr lang="de-DE" smtClean="0"/>
+                        <a:t>A</a:t>
+                      </a:r>
+                      <a:endParaRPr lang="de-DE"/>
+                    </a:p>
+                  </a:txBody>
+                  <a:tcPr/>
+                </a:tc>
+                <a:tc>
+                  <a:txBody>
+                    <a:bodyPr/>
+                    <a:lstStyle/>
+                    <a:p>
+                      <a:r>
+                        <a:rPr lang="de-DE" smtClean="0"/>
+                        <a:t>A</a:t>
+                      </a:r>
+                      <a:endParaRPr lang="de-DE"/>
+                    </a:p>
+                  </a:txBody>
+                  <a:tcPr/>
+                </a:tc>
+                <a:tc>
+                  <a:txBody>
+                    <a:bodyPr/>
+                    <a:lstStyle/>
+                    <a:p>
+                      <a:r>
+                        <a:rPr lang="de-DE" smtClean="0">
+                          <a:ln>
+                            <a:noFill/>
+                          </a:ln>
+                          <a:solidFill>
+                            <a:sysClr val="windowText" lastClr="000000"/>
+                          </a:solidFill>
+                        </a:rPr>
+                        <a:t>A</a:t>
+                      </a:r>
+                      <a:endParaRPr lang="de-DE">
+                        <a:ln>
+                          <a:noFill/>
+                        </a:ln>
+                        <a:solidFill>
+                          <a:sysClr val="windowText" lastClr="000000"/>
+                        </a:solidFill>
+                      </a:endParaRPr>
+                    </a:p>
+                  </a:txBody>
+                  <a:tcPr>
+                    <a:lnR w="76200" cap="flat" cmpd="sng" algn="ctr">
+                      <a:solidFill>
+                        <a:schemeClr val="bg1"/>
+                      </a:solidFill>
+                      <a:prstDash val="solid"/>
+                      <a:round/>
+                      <a:headEnd type="none" w="med" len="med"/>
+                      <a:tailEnd type="none" w="med" len="med"/>
+                    </a:lnR>
+                  </a:tcPr>
+                </a:tc>
+              </a:tr>
+              <a:tr h="360000">
+                <a:tc>
+                  <a:txBody>
+                    <a:bodyPr/>
+                    <a:lstStyle/>
+                    <a:p>
+                      <a:r>
+                        <a:rPr lang="de-DE" b="1" smtClean="0">
+                          <a:solidFill>
+                            <a:schemeClr val="bg1"/>
+                          </a:solidFill>
+                        </a:rPr>
+                        <a:t>B</a:t>
+                      </a:r>
+                      <a:endParaRPr lang="de-DE" b="1">
+                        <a:solidFill>
+                          <a:schemeClr val="bg1"/>
+                        </a:solidFill>
+                      </a:endParaRPr>
+                    </a:p>
+                  </a:txBody>
+                  <a:tcPr>
+                    <a:solidFill>
+                      <a:schemeClr val="accent1"/>
+                    </a:solidFill>
+                  </a:tcPr>
+                </a:tc>
+                <a:tc>
+                  <a:txBody>
+                    <a:bodyPr/>
+                    <a:lstStyle/>
+                    <a:p>
+                      <a:r>
+                        <a:rPr lang="de-DE" smtClean="0"/>
+                        <a:t>A</a:t>
+                      </a:r>
+                      <a:endParaRPr lang="de-DE"/>
+                    </a:p>
+                  </a:txBody>
+                  <a:tcPr/>
+                </a:tc>
+                <a:tc>
+                  <a:txBody>
+                    <a:bodyPr/>
+                    <a:lstStyle/>
+                    <a:p>
+                      <a:r>
+                        <a:rPr lang="de-DE" smtClean="0"/>
+                        <a:t>A</a:t>
+                      </a:r>
+                      <a:endParaRPr lang="de-DE"/>
+                    </a:p>
+                  </a:txBody>
+                  <a:tcPr/>
+                </a:tc>
+                <a:tc>
+                  <a:txBody>
+                    <a:bodyPr/>
+                    <a:lstStyle/>
+                    <a:p>
+                      <a:r>
+                        <a:rPr lang="de-DE" smtClean="0"/>
+                        <a:t>A</a:t>
+                      </a:r>
+                      <a:endParaRPr lang="de-DE"/>
+                    </a:p>
+                  </a:txBody>
+                  <a:tcPr/>
+                </a:tc>
+                <a:tc>
+                  <a:txBody>
+                    <a:bodyPr/>
+                    <a:lstStyle/>
+                    <a:p>
+                      <a:r>
+                        <a:rPr lang="de-DE" smtClean="0"/>
+                        <a:t>A</a:t>
+                      </a:r>
+                      <a:endParaRPr lang="de-DE"/>
+                    </a:p>
+                  </a:txBody>
+                  <a:tcPr/>
+                </a:tc>
+                <a:tc>
+                  <a:txBody>
+                    <a:bodyPr/>
+                    <a:lstStyle/>
+                    <a:p>
+                      <a:r>
+                        <a:rPr lang="de-DE" smtClean="0"/>
+                        <a:t>A</a:t>
+                      </a:r>
+                      <a:endParaRPr lang="de-DE"/>
+                    </a:p>
+                  </a:txBody>
+                  <a:tcPr/>
+                </a:tc>
+                <a:tc>
+                  <a:txBody>
+                    <a:bodyPr/>
+                    <a:lstStyle/>
+                    <a:p>
+                      <a:r>
+                        <a:rPr lang="de-DE" smtClean="0"/>
+                        <a:t>A</a:t>
+                      </a:r>
+                      <a:endParaRPr lang="de-DE"/>
+                    </a:p>
+                  </a:txBody>
+                  <a:tcPr/>
+                </a:tc>
+                <a:tc>
+                  <a:txBody>
+                    <a:bodyPr/>
+                    <a:lstStyle/>
+                    <a:p>
+                      <a:r>
+                        <a:rPr lang="de-DE" smtClean="0"/>
+                        <a:t>A</a:t>
+                      </a:r>
+                      <a:endParaRPr lang="de-DE"/>
+                    </a:p>
+                  </a:txBody>
+                  <a:tcPr>
+                    <a:lnR w="76200" cap="flat" cmpd="sng" algn="ctr">
+                      <a:solidFill>
+                        <a:schemeClr val="bg1"/>
+                      </a:solidFill>
+                      <a:prstDash val="solid"/>
+                      <a:round/>
+                      <a:headEnd type="none" w="med" len="med"/>
+                      <a:tailEnd type="none" w="med" len="med"/>
+                    </a:lnR>
+                  </a:tcPr>
+                </a:tc>
+              </a:tr>
+              <a:tr h="360000">
+                <a:tc>
+                  <a:txBody>
+                    <a:bodyPr/>
+                    <a:lstStyle/>
+                    <a:p>
+                      <a:r>
+                        <a:rPr lang="de-DE" b="1" smtClean="0">
+                          <a:solidFill>
+                            <a:schemeClr val="bg1"/>
+                          </a:solidFill>
+                        </a:rPr>
+                        <a:t>C</a:t>
+                      </a:r>
+                      <a:endParaRPr lang="de-DE" b="1">
+                        <a:solidFill>
+                          <a:schemeClr val="bg1"/>
+                        </a:solidFill>
+                      </a:endParaRPr>
+                    </a:p>
+                  </a:txBody>
+                  <a:tcPr>
+                    <a:solidFill>
+                      <a:schemeClr val="accent1"/>
+                    </a:solidFill>
+                  </a:tcPr>
+                </a:tc>
+                <a:tc>
+                  <a:txBody>
+                    <a:bodyPr/>
+                    <a:lstStyle/>
+                    <a:p>
+                      <a:r>
+                        <a:rPr lang="de-DE" smtClean="0"/>
+                        <a:t>R</a:t>
+                      </a:r>
+                      <a:endParaRPr lang="de-DE"/>
+                    </a:p>
+                  </a:txBody>
+                  <a:tcPr/>
+                </a:tc>
+                <a:tc>
+                  <a:txBody>
+                    <a:bodyPr/>
+                    <a:lstStyle/>
+                    <a:p>
+                      <a:r>
+                        <a:rPr lang="de-DE" smtClean="0"/>
+                        <a:t>R</a:t>
+                      </a:r>
+                      <a:endParaRPr lang="de-DE"/>
+                    </a:p>
+                  </a:txBody>
+                  <a:tcPr/>
+                </a:tc>
+                <a:tc>
+                  <a:txBody>
+                    <a:bodyPr/>
+                    <a:lstStyle/>
+                    <a:p>
+                      <a:r>
+                        <a:rPr lang="de-DE" smtClean="0"/>
+                        <a:t>R</a:t>
+                      </a:r>
+                      <a:endParaRPr lang="de-DE"/>
+                    </a:p>
+                  </a:txBody>
+                  <a:tcPr/>
+                </a:tc>
+                <a:tc>
+                  <a:txBody>
+                    <a:bodyPr/>
+                    <a:lstStyle/>
+                    <a:p>
+                      <a:r>
+                        <a:rPr lang="de-DE" smtClean="0"/>
+                        <a:t>R</a:t>
+                      </a:r>
+                      <a:endParaRPr lang="de-DE"/>
+                    </a:p>
+                  </a:txBody>
+                  <a:tcPr/>
+                </a:tc>
+                <a:tc>
+                  <a:txBody>
+                    <a:bodyPr/>
+                    <a:lstStyle/>
+                    <a:p>
+                      <a:r>
+                        <a:rPr lang="de-DE" smtClean="0"/>
+                        <a:t>R</a:t>
+                      </a:r>
+                      <a:endParaRPr lang="de-DE"/>
+                    </a:p>
+                  </a:txBody>
+                  <a:tcPr/>
+                </a:tc>
+                <a:tc>
+                  <a:txBody>
+                    <a:bodyPr/>
+                    <a:lstStyle/>
+                    <a:p>
+                      <a:r>
+                        <a:rPr lang="de-DE" smtClean="0"/>
+                        <a:t>A</a:t>
+                      </a:r>
+                      <a:endParaRPr lang="de-DE"/>
+                    </a:p>
+                  </a:txBody>
+                  <a:tcPr/>
+                </a:tc>
+                <a:tc>
+                  <a:txBody>
+                    <a:bodyPr/>
+                    <a:lstStyle/>
+                    <a:p>
+                      <a:r>
+                        <a:rPr lang="de-DE" smtClean="0"/>
+                        <a:t>A</a:t>
+                      </a:r>
+                      <a:endParaRPr lang="de-DE"/>
+                    </a:p>
+                  </a:txBody>
+                  <a:tcPr>
+                    <a:lnR w="76200" cap="flat" cmpd="sng" algn="ctr">
+                      <a:solidFill>
+                        <a:schemeClr val="bg1"/>
+                      </a:solidFill>
+                      <a:prstDash val="solid"/>
+                      <a:round/>
+                      <a:headEnd type="none" w="med" len="med"/>
+                      <a:tailEnd type="none" w="med" len="med"/>
+                    </a:lnR>
+                  </a:tcPr>
+                </a:tc>
+              </a:tr>
+              <a:tr h="360000">
+                <a:tc>
+                  <a:txBody>
+                    <a:bodyPr/>
+                    <a:lstStyle/>
+                    <a:p>
+                      <a:r>
+                        <a:rPr lang="de-DE" b="1" smtClean="0">
+                          <a:solidFill>
+                            <a:schemeClr val="bg1"/>
+                          </a:solidFill>
+                        </a:rPr>
+                        <a:t>D</a:t>
+                      </a:r>
+                      <a:endParaRPr lang="de-DE" b="1">
+                        <a:solidFill>
+                          <a:schemeClr val="bg1"/>
+                        </a:solidFill>
+                      </a:endParaRPr>
+                    </a:p>
+                  </a:txBody>
+                  <a:tcPr>
+                    <a:solidFill>
+                      <a:schemeClr val="accent1"/>
+                    </a:solidFill>
+                  </a:tcPr>
+                </a:tc>
+                <a:tc>
+                  <a:txBody>
+                    <a:bodyPr/>
+                    <a:lstStyle/>
+                    <a:p>
+                      <a:r>
+                        <a:rPr lang="de-DE" smtClean="0"/>
+                        <a:t>R</a:t>
+                      </a:r>
+                      <a:endParaRPr lang="de-DE"/>
+                    </a:p>
+                  </a:txBody>
+                  <a:tcPr/>
+                </a:tc>
+                <a:tc>
+                  <a:txBody>
+                    <a:bodyPr/>
+                    <a:lstStyle/>
+                    <a:p>
+                      <a:r>
+                        <a:rPr lang="de-DE" smtClean="0"/>
+                        <a:t>R</a:t>
+                      </a:r>
+                      <a:endParaRPr lang="de-DE"/>
+                    </a:p>
+                  </a:txBody>
+                  <a:tcPr/>
+                </a:tc>
+                <a:tc>
+                  <a:txBody>
+                    <a:bodyPr/>
+                    <a:lstStyle/>
+                    <a:p>
+                      <a:r>
+                        <a:rPr lang="de-DE" smtClean="0"/>
+                        <a:t>R</a:t>
+                      </a:r>
+                      <a:endParaRPr lang="de-DE"/>
+                    </a:p>
+                  </a:txBody>
+                  <a:tcPr/>
+                </a:tc>
+                <a:tc>
+                  <a:txBody>
+                    <a:bodyPr/>
+                    <a:lstStyle/>
+                    <a:p>
+                      <a:r>
+                        <a:rPr lang="de-DE" smtClean="0"/>
+                        <a:t>R</a:t>
+                      </a:r>
+                      <a:endParaRPr lang="de-DE"/>
+                    </a:p>
+                  </a:txBody>
+                  <a:tcPr/>
+                </a:tc>
+                <a:tc>
+                  <a:txBody>
+                    <a:bodyPr/>
+                    <a:lstStyle/>
+                    <a:p>
+                      <a:r>
+                        <a:rPr lang="de-DE" smtClean="0"/>
+                        <a:t>R</a:t>
+                      </a:r>
+                      <a:endParaRPr lang="de-DE"/>
+                    </a:p>
+                  </a:txBody>
+                  <a:tcPr/>
+                </a:tc>
+                <a:tc>
+                  <a:txBody>
+                    <a:bodyPr/>
+                    <a:lstStyle/>
+                    <a:p>
+                      <a:r>
+                        <a:rPr lang="de-DE" smtClean="0"/>
+                        <a:t>A</a:t>
+                      </a:r>
+                      <a:endParaRPr lang="de-DE"/>
+                    </a:p>
+                  </a:txBody>
+                  <a:tcPr/>
+                </a:tc>
+                <a:tc>
+                  <a:txBody>
+                    <a:bodyPr/>
+                    <a:lstStyle/>
+                    <a:p>
+                      <a:r>
+                        <a:rPr lang="de-DE" smtClean="0"/>
+                        <a:t>A</a:t>
+                      </a:r>
+                      <a:endParaRPr lang="de-DE"/>
+                    </a:p>
+                  </a:txBody>
+                  <a:tcPr>
+                    <a:lnR w="76200" cap="flat" cmpd="sng" algn="ctr">
+                      <a:solidFill>
+                        <a:schemeClr val="bg1"/>
+                      </a:solidFill>
+                      <a:prstDash val="solid"/>
+                      <a:round/>
+                      <a:headEnd type="none" w="med" len="med"/>
+                      <a:tailEnd type="none" w="med" len="med"/>
+                    </a:lnR>
+                  </a:tcPr>
+                </a:tc>
+              </a:tr>
+              <a:tr h="360000">
+                <a:tc>
+                  <a:txBody>
+                    <a:bodyPr/>
+                    <a:lstStyle/>
+                    <a:p>
+                      <a:r>
+                        <a:rPr lang="de-DE" b="1" smtClean="0">
+                          <a:solidFill>
+                            <a:schemeClr val="bg1"/>
+                          </a:solidFill>
+                        </a:rPr>
+                        <a:t>E</a:t>
+                      </a:r>
+                      <a:endParaRPr lang="de-DE" b="1">
+                        <a:solidFill>
+                          <a:schemeClr val="bg1"/>
+                        </a:solidFill>
+                      </a:endParaRPr>
+                    </a:p>
+                  </a:txBody>
+                  <a:tcPr>
+                    <a:solidFill>
+                      <a:schemeClr val="accent1"/>
+                    </a:solidFill>
+                  </a:tcPr>
+                </a:tc>
+                <a:tc>
+                  <a:txBody>
+                    <a:bodyPr/>
+                    <a:lstStyle/>
+                    <a:p>
+                      <a:r>
+                        <a:rPr lang="de-DE"/>
+                        <a:t>R</a:t>
+                      </a:r>
+                      <a:endParaRPr lang="de-DE" smtClean="0"/>
+                    </a:p>
+                  </a:txBody>
+                  <a:tcPr/>
+                </a:tc>
+                <a:tc>
+                  <a:txBody>
+                    <a:bodyPr/>
+                    <a:lstStyle/>
+                    <a:p>
+                      <a:r>
+                        <a:rPr lang="de-DE"/>
+                        <a:t>R</a:t>
+                      </a:r>
+                      <a:endParaRPr lang="de-DE" smtClean="0"/>
+                    </a:p>
+                  </a:txBody>
+                  <a:tcPr/>
+                </a:tc>
+                <a:tc>
+                  <a:txBody>
+                    <a:bodyPr/>
+                    <a:lstStyle/>
+                    <a:p>
+                      <a:r>
+                        <a:rPr lang="de-DE"/>
+                        <a:t>R</a:t>
+                      </a:r>
+                      <a:endParaRPr lang="de-DE" smtClean="0"/>
+                    </a:p>
+                  </a:txBody>
+                  <a:tcPr/>
+                </a:tc>
+                <a:tc>
+                  <a:txBody>
+                    <a:bodyPr/>
+                    <a:lstStyle/>
+                    <a:p>
+                      <a:r>
+                        <a:rPr lang="de-DE"/>
+                        <a:t>R</a:t>
+                      </a:r>
+                      <a:endParaRPr lang="de-DE" smtClean="0"/>
+                    </a:p>
+                  </a:txBody>
+                  <a:tcPr/>
+                </a:tc>
+                <a:tc>
+                  <a:txBody>
+                    <a:bodyPr/>
+                    <a:lstStyle/>
+                    <a:p>
+                      <a:r>
+                        <a:rPr lang="de-DE"/>
+                        <a:t>R</a:t>
+                      </a:r>
+                      <a:endParaRPr lang="de-DE" smtClean="0"/>
+                    </a:p>
+                  </a:txBody>
+                  <a:tcPr/>
+                </a:tc>
+                <a:tc>
+                  <a:txBody>
+                    <a:bodyPr/>
+                    <a:lstStyle/>
+                    <a:p>
+                      <a:r>
+                        <a:rPr lang="de-DE" smtClean="0"/>
+                        <a:t>A</a:t>
+                      </a:r>
+                      <a:endParaRPr lang="de-DE"/>
+                    </a:p>
+                  </a:txBody>
+                  <a:tcPr/>
+                </a:tc>
+                <a:tc>
+                  <a:txBody>
+                    <a:bodyPr/>
+                    <a:lstStyle/>
+                    <a:p>
+                      <a:r>
+                        <a:rPr lang="de-DE" smtClean="0"/>
+                        <a:t>A</a:t>
+                      </a:r>
+                      <a:endParaRPr lang="de-DE"/>
+                    </a:p>
+                  </a:txBody>
+                  <a:tcPr>
+                    <a:lnR w="76200" cap="flat" cmpd="sng" algn="ctr">
+                      <a:solidFill>
+                        <a:schemeClr val="bg1"/>
+                      </a:solidFill>
+                      <a:prstDash val="solid"/>
+                      <a:round/>
+                      <a:headEnd type="none" w="med" len="med"/>
+                      <a:tailEnd type="none" w="med" len="med"/>
+                    </a:lnR>
+                  </a:tcPr>
+                </a:tc>
+              </a:tr>
+              <a:tr h="360000">
+                <a:tc>
+                  <a:txBody>
+                    <a:bodyPr/>
+                    <a:lstStyle/>
+                    <a:p>
+                      <a:r>
+                        <a:rPr lang="de-DE" b="1" smtClean="0">
+                          <a:solidFill>
+                            <a:srgbClr val="FF0000"/>
+                          </a:solidFill>
+                        </a:rPr>
+                        <a:t>F</a:t>
+                      </a:r>
+                      <a:endParaRPr lang="de-DE" b="1">
+                        <a:solidFill>
+                          <a:srgbClr val="FF0000"/>
+                        </a:solidFill>
+                      </a:endParaRPr>
+                    </a:p>
+                  </a:txBody>
+                  <a:tcPr>
+                    <a:solidFill>
+                      <a:schemeClr val="accent1"/>
+                    </a:solidFill>
+                  </a:tcPr>
+                </a:tc>
+                <a:tc>
+                  <a:txBody>
+                    <a:bodyPr/>
+                    <a:lstStyle/>
+                    <a:p>
+                      <a:r>
+                        <a:rPr lang="de-DE" smtClean="0"/>
+                        <a:t>A</a:t>
+                      </a:r>
+                      <a:endParaRPr lang="de-DE"/>
+                    </a:p>
+                  </a:txBody>
+                  <a:tcPr/>
+                </a:tc>
+                <a:tc>
+                  <a:txBody>
+                    <a:bodyPr/>
+                    <a:lstStyle/>
+                    <a:p>
+                      <a:r>
+                        <a:rPr lang="de-DE" smtClean="0"/>
+                        <a:t>A</a:t>
+                      </a:r>
+                      <a:endParaRPr lang="de-DE"/>
+                    </a:p>
+                  </a:txBody>
+                  <a:tcPr/>
+                </a:tc>
+                <a:tc>
+                  <a:txBody>
+                    <a:bodyPr/>
+                    <a:lstStyle/>
+                    <a:p>
+                      <a:r>
+                        <a:rPr lang="de-DE" smtClean="0"/>
+                        <a:t>R</a:t>
+                      </a:r>
+                      <a:endParaRPr lang="de-DE"/>
+                    </a:p>
+                  </a:txBody>
+                  <a:tcPr/>
+                </a:tc>
+                <a:tc>
+                  <a:txBody>
+                    <a:bodyPr/>
+                    <a:lstStyle/>
+                    <a:p>
+                      <a:r>
+                        <a:rPr lang="de-DE" smtClean="0"/>
+                        <a:t>R</a:t>
+                      </a:r>
+                      <a:endParaRPr lang="de-DE"/>
+                    </a:p>
+                  </a:txBody>
+                  <a:tcPr/>
+                </a:tc>
+                <a:tc>
+                  <a:txBody>
+                    <a:bodyPr/>
+                    <a:lstStyle/>
+                    <a:p>
+                      <a:r>
+                        <a:rPr lang="de-DE" smtClean="0"/>
+                        <a:t>R</a:t>
+                      </a:r>
+                      <a:endParaRPr lang="de-DE"/>
+                    </a:p>
+                  </a:txBody>
+                  <a:tcPr/>
+                </a:tc>
+                <a:tc>
+                  <a:txBody>
+                    <a:bodyPr/>
+                    <a:lstStyle/>
+                    <a:p>
+                      <a:r>
+                        <a:rPr lang="de-DE" smtClean="0"/>
+                        <a:t>A</a:t>
+                      </a:r>
+                      <a:endParaRPr lang="de-DE"/>
+                    </a:p>
+                  </a:txBody>
+                  <a:tcPr/>
+                </a:tc>
+                <a:tc>
+                  <a:txBody>
+                    <a:bodyPr/>
+                    <a:lstStyle/>
+                    <a:p>
+                      <a:r>
+                        <a:rPr lang="de-DE" smtClean="0"/>
+                        <a:t>A</a:t>
+                      </a:r>
+                      <a:endParaRPr lang="de-DE"/>
+                    </a:p>
+                  </a:txBody>
+                  <a:tcPr>
+                    <a:lnR w="76200" cap="flat" cmpd="sng" algn="ctr">
+                      <a:solidFill>
+                        <a:schemeClr val="bg1"/>
+                      </a:solidFill>
+                      <a:prstDash val="solid"/>
+                      <a:round/>
+                      <a:headEnd type="none" w="med" len="med"/>
+                      <a:tailEnd type="none" w="med" len="med"/>
+                    </a:lnR>
+                  </a:tcPr>
+                </a:tc>
+              </a:tr>
+              <a:tr h="360000">
+                <a:tc>
+                  <a:txBody>
+                    <a:bodyPr/>
+                    <a:lstStyle/>
+                    <a:p>
+                      <a:r>
+                        <a:rPr lang="de-DE" b="1" smtClean="0">
+                          <a:solidFill>
+                            <a:srgbClr val="FF0000"/>
+                          </a:solidFill>
+                        </a:rPr>
+                        <a:t>G</a:t>
+                      </a:r>
+                      <a:endParaRPr lang="de-DE" b="1">
+                        <a:solidFill>
+                          <a:srgbClr val="FF0000"/>
+                        </a:solidFill>
+                      </a:endParaRPr>
+                    </a:p>
+                  </a:txBody>
+                  <a:tcPr>
+                    <a:solidFill>
+                      <a:schemeClr val="accent1"/>
+                    </a:solidFill>
+                  </a:tcPr>
+                </a:tc>
+                <a:tc>
+                  <a:txBody>
+                    <a:bodyPr/>
+                    <a:lstStyle/>
+                    <a:p>
+                      <a:r>
+                        <a:rPr lang="de-DE" smtClean="0"/>
+                        <a:t>A</a:t>
+                      </a:r>
+                      <a:endParaRPr lang="de-DE"/>
+                    </a:p>
+                  </a:txBody>
+                  <a:tcPr/>
+                </a:tc>
+                <a:tc>
+                  <a:txBody>
+                    <a:bodyPr/>
+                    <a:lstStyle/>
+                    <a:p>
+                      <a:r>
+                        <a:rPr lang="de-DE" smtClean="0"/>
+                        <a:t>A</a:t>
+                      </a:r>
+                      <a:endParaRPr lang="de-DE"/>
+                    </a:p>
+                  </a:txBody>
+                  <a:tcPr/>
+                </a:tc>
+                <a:tc>
+                  <a:txBody>
+                    <a:bodyPr/>
+                    <a:lstStyle/>
+                    <a:p>
+                      <a:r>
+                        <a:rPr lang="de-DE" smtClean="0"/>
+                        <a:t>R</a:t>
+                      </a:r>
+                      <a:endParaRPr lang="de-DE"/>
+                    </a:p>
+                  </a:txBody>
+                  <a:tcPr/>
+                </a:tc>
+                <a:tc>
+                  <a:txBody>
+                    <a:bodyPr/>
+                    <a:lstStyle/>
+                    <a:p>
+                      <a:r>
+                        <a:rPr lang="de-DE" smtClean="0"/>
+                        <a:t>R</a:t>
+                      </a:r>
+                      <a:endParaRPr lang="de-DE"/>
+                    </a:p>
+                  </a:txBody>
+                  <a:tcPr/>
+                </a:tc>
+                <a:tc>
+                  <a:txBody>
+                    <a:bodyPr/>
+                    <a:lstStyle/>
+                    <a:p>
+                      <a:r>
+                        <a:rPr lang="de-DE" smtClean="0"/>
+                        <a:t>R</a:t>
+                      </a:r>
+                      <a:endParaRPr lang="de-DE"/>
+                    </a:p>
+                  </a:txBody>
+                  <a:tcPr/>
+                </a:tc>
+                <a:tc>
+                  <a:txBody>
+                    <a:bodyPr/>
+                    <a:lstStyle/>
+                    <a:p>
+                      <a:r>
+                        <a:rPr lang="de-DE" smtClean="0"/>
+                        <a:t>A</a:t>
+                      </a:r>
+                      <a:endParaRPr lang="de-DE"/>
+                    </a:p>
+                  </a:txBody>
+                  <a:tcPr/>
+                </a:tc>
+                <a:tc>
+                  <a:txBody>
+                    <a:bodyPr/>
+                    <a:lstStyle/>
+                    <a:p>
+                      <a:r>
+                        <a:rPr lang="de-DE" smtClean="0"/>
+                        <a:t>A</a:t>
+                      </a:r>
+                      <a:endParaRPr lang="de-DE"/>
+                    </a:p>
+                  </a:txBody>
+                  <a:tcPr>
+                    <a:lnR w="76200" cap="flat" cmpd="sng" algn="ctr">
+                      <a:solidFill>
+                        <a:schemeClr val="bg1"/>
+                      </a:solidFill>
+                      <a:prstDash val="solid"/>
+                      <a:round/>
+                      <a:headEnd type="none" w="med" len="med"/>
+                      <a:tailEnd type="none" w="med" len="med"/>
+                    </a:lnR>
+                  </a:tcPr>
+                </a:tc>
+              </a:tr>
+            </a:tbl>
+          </a:graphicData>
+        </a:graphic>
+      </p:graphicFrame>
+      <p:graphicFrame>
+        <p:nvGraphicFramePr>
+          <p:cNvPr id="5" name="Tabelle 4"/>
+          <p:cNvGraphicFramePr>
+            <a:graphicFrameLocks noGrp="1"/>
+          </p:cNvGraphicFramePr>
+          <p:nvPr>
+            <p:extLst>
+              <p:ext uri="{D42A27DB-BD31-4B8C-83A1-F6EECF244321}">
+                <p14:modId xmlns:p14="http://schemas.microsoft.com/office/powerpoint/2010/main" val="926324395"/>
+              </p:ext>
+            </p:extLst>
+          </p:nvPr>
+        </p:nvGraphicFramePr>
+        <p:xfrm>
+          <a:off x="576064" y="3815288"/>
+          <a:ext cx="4071979" cy="2926080"/>
+        </p:xfrm>
+        <a:graphic>
+          <a:graphicData uri="http://schemas.openxmlformats.org/drawingml/2006/table">
+            <a:tbl>
+              <a:tblPr firstRow="1" bandRow="1">
+                <a:tableStyleId>{5C22544A-7EE6-4342-B048-85BDC9FD1C3A}</a:tableStyleId>
+              </a:tblPr>
+              <a:tblGrid>
+                <a:gridCol w="684000"/>
+                <a:gridCol w="483997"/>
+                <a:gridCol w="483997"/>
+                <a:gridCol w="483997"/>
+                <a:gridCol w="483997"/>
+                <a:gridCol w="483997"/>
+                <a:gridCol w="483997"/>
+                <a:gridCol w="483997"/>
+              </a:tblGrid>
+              <a:tr h="360000">
+                <a:tc>
+                  <a:txBody>
+                    <a:bodyPr/>
+                    <a:lstStyle/>
+                    <a:p>
+                      <a:r>
+                        <a:rPr lang="de-DE" smtClean="0"/>
+                        <a:t>C,D,E</a:t>
+                      </a:r>
+                      <a:endParaRPr lang="de-DE"/>
+                    </a:p>
+                  </a:txBody>
+                  <a:tcPr>
+                    <a:solidFill>
+                      <a:schemeClr val="tx1"/>
+                    </a:solidFill>
+                  </a:tcPr>
+                </a:tc>
+                <a:tc>
+                  <a:txBody>
+                    <a:bodyPr/>
+                    <a:lstStyle/>
+                    <a:p>
+                      <a:r>
+                        <a:rPr lang="de-DE" smtClean="0"/>
+                        <a:t>A</a:t>
+                      </a:r>
+                      <a:endParaRPr lang="de-DE"/>
+                    </a:p>
+                  </a:txBody>
+                  <a:tcPr/>
+                </a:tc>
+                <a:tc>
+                  <a:txBody>
+                    <a:bodyPr/>
+                    <a:lstStyle/>
+                    <a:p>
+                      <a:r>
+                        <a:rPr lang="de-DE" smtClean="0"/>
+                        <a:t>B</a:t>
+                      </a:r>
+                      <a:endParaRPr lang="de-DE"/>
+                    </a:p>
+                  </a:txBody>
+                  <a:tcPr/>
+                </a:tc>
+                <a:tc>
+                  <a:txBody>
+                    <a:bodyPr/>
+                    <a:lstStyle/>
+                    <a:p>
+                      <a:r>
+                        <a:rPr lang="de-DE" smtClean="0"/>
+                        <a:t>C</a:t>
+                      </a:r>
+                      <a:endParaRPr lang="de-DE"/>
+                    </a:p>
+                  </a:txBody>
+                  <a:tcPr/>
+                </a:tc>
+                <a:tc>
+                  <a:txBody>
+                    <a:bodyPr/>
+                    <a:lstStyle/>
+                    <a:p>
+                      <a:r>
+                        <a:rPr lang="de-DE" smtClean="0"/>
+                        <a:t>D</a:t>
+                      </a:r>
+                      <a:endParaRPr lang="de-DE"/>
+                    </a:p>
+                  </a:txBody>
+                  <a:tcPr/>
+                </a:tc>
+                <a:tc>
+                  <a:txBody>
+                    <a:bodyPr/>
+                    <a:lstStyle/>
+                    <a:p>
+                      <a:r>
+                        <a:rPr lang="de-DE" smtClean="0"/>
+                        <a:t>E</a:t>
+                      </a:r>
+                      <a:endParaRPr lang="de-DE"/>
+                    </a:p>
+                  </a:txBody>
+                  <a:tcPr/>
+                </a:tc>
+                <a:tc>
+                  <a:txBody>
+                    <a:bodyPr/>
+                    <a:lstStyle/>
+                    <a:p>
+                      <a:r>
+                        <a:rPr lang="de-DE" smtClean="0">
+                          <a:solidFill>
+                            <a:srgbClr val="FF0000"/>
+                          </a:solidFill>
+                        </a:rPr>
+                        <a:t>F</a:t>
+                      </a:r>
+                      <a:endParaRPr lang="de-DE">
+                        <a:solidFill>
+                          <a:srgbClr val="FF0000"/>
+                        </a:solidFill>
+                      </a:endParaRPr>
+                    </a:p>
+                  </a:txBody>
+                  <a:tcPr/>
+                </a:tc>
+                <a:tc>
+                  <a:txBody>
+                    <a:bodyPr/>
+                    <a:lstStyle/>
+                    <a:p>
+                      <a:r>
+                        <a:rPr lang="de-DE" smtClean="0">
+                          <a:solidFill>
+                            <a:srgbClr val="FF0000"/>
+                          </a:solidFill>
+                        </a:rPr>
+                        <a:t>G</a:t>
+                      </a:r>
+                      <a:endParaRPr lang="de-DE">
+                        <a:solidFill>
+                          <a:srgbClr val="FF0000"/>
+                        </a:solidFill>
+                      </a:endParaRPr>
+                    </a:p>
+                  </a:txBody>
+                  <a:tcPr>
+                    <a:lnR w="76200" cap="flat" cmpd="sng" algn="ctr">
+                      <a:solidFill>
+                        <a:schemeClr val="bg1"/>
+                      </a:solidFill>
+                      <a:prstDash val="solid"/>
+                      <a:round/>
+                      <a:headEnd type="none" w="med" len="med"/>
+                      <a:tailEnd type="none" w="med" len="med"/>
+                    </a:lnR>
+                  </a:tcPr>
+                </a:tc>
+              </a:tr>
+              <a:tr h="360000">
+                <a:tc>
+                  <a:txBody>
+                    <a:bodyPr/>
+                    <a:lstStyle/>
+                    <a:p>
+                      <a:r>
+                        <a:rPr lang="de-DE" b="1" smtClean="0">
+                          <a:solidFill>
+                            <a:schemeClr val="bg1"/>
+                          </a:solidFill>
+                        </a:rPr>
+                        <a:t>A</a:t>
+                      </a:r>
+                      <a:endParaRPr lang="de-DE" b="1">
+                        <a:solidFill>
+                          <a:schemeClr val="bg1"/>
+                        </a:solidFill>
+                      </a:endParaRPr>
+                    </a:p>
+                  </a:txBody>
+                  <a:tcPr>
+                    <a:solidFill>
+                      <a:schemeClr val="accent1"/>
+                    </a:solidFill>
+                  </a:tcPr>
+                </a:tc>
+                <a:tc>
+                  <a:txBody>
+                    <a:bodyPr/>
+                    <a:lstStyle/>
+                    <a:p>
+                      <a:r>
+                        <a:rPr lang="de-DE" smtClean="0"/>
+                        <a:t>A</a:t>
+                      </a:r>
+                      <a:endParaRPr lang="de-DE"/>
+                    </a:p>
+                  </a:txBody>
+                  <a:tcPr/>
+                </a:tc>
+                <a:tc>
+                  <a:txBody>
+                    <a:bodyPr/>
+                    <a:lstStyle/>
+                    <a:p>
+                      <a:r>
+                        <a:rPr lang="de-DE" smtClean="0"/>
+                        <a:t>A</a:t>
+                      </a:r>
+                      <a:endParaRPr lang="de-DE"/>
+                    </a:p>
+                  </a:txBody>
+                  <a:tcPr/>
+                </a:tc>
+                <a:tc>
+                  <a:txBody>
+                    <a:bodyPr/>
+                    <a:lstStyle/>
+                    <a:p>
+                      <a:r>
+                        <a:rPr lang="de-DE" smtClean="0"/>
+                        <a:t>A</a:t>
+                      </a:r>
+                      <a:endParaRPr lang="de-DE"/>
+                    </a:p>
+                  </a:txBody>
+                  <a:tcPr/>
+                </a:tc>
+                <a:tc>
+                  <a:txBody>
+                    <a:bodyPr/>
+                    <a:lstStyle/>
+                    <a:p>
+                      <a:r>
+                        <a:rPr lang="de-DE" smtClean="0"/>
+                        <a:t>A</a:t>
+                      </a:r>
+                      <a:endParaRPr lang="de-DE"/>
+                    </a:p>
+                  </a:txBody>
+                  <a:tcPr/>
+                </a:tc>
+                <a:tc>
+                  <a:txBody>
+                    <a:bodyPr/>
+                    <a:lstStyle/>
+                    <a:p>
+                      <a:r>
+                        <a:rPr lang="de-DE" smtClean="0"/>
+                        <a:t>A</a:t>
+                      </a:r>
+                      <a:endParaRPr lang="de-DE"/>
+                    </a:p>
+                  </a:txBody>
+                  <a:tcPr/>
+                </a:tc>
+                <a:tc>
+                  <a:txBody>
+                    <a:bodyPr/>
+                    <a:lstStyle/>
+                    <a:p>
+                      <a:r>
+                        <a:rPr lang="de-DE" smtClean="0"/>
+                        <a:t>R</a:t>
+                      </a:r>
+                      <a:endParaRPr lang="de-DE"/>
+                    </a:p>
+                  </a:txBody>
+                  <a:tcPr/>
+                </a:tc>
+                <a:tc>
+                  <a:txBody>
+                    <a:bodyPr/>
+                    <a:lstStyle/>
+                    <a:p>
+                      <a:r>
+                        <a:rPr lang="de-DE" smtClean="0"/>
+                        <a:t>R</a:t>
+                      </a:r>
+                      <a:endParaRPr lang="de-DE"/>
+                    </a:p>
+                  </a:txBody>
+                  <a:tcPr>
+                    <a:lnR w="76200" cap="flat" cmpd="sng" algn="ctr">
+                      <a:solidFill>
+                        <a:schemeClr val="bg1"/>
+                      </a:solidFill>
+                      <a:prstDash val="solid"/>
+                      <a:round/>
+                      <a:headEnd type="none" w="med" len="med"/>
+                      <a:tailEnd type="none" w="med" len="med"/>
+                    </a:lnR>
+                  </a:tcPr>
+                </a:tc>
+              </a:tr>
+              <a:tr h="360000">
+                <a:tc>
+                  <a:txBody>
+                    <a:bodyPr/>
+                    <a:lstStyle/>
+                    <a:p>
+                      <a:r>
+                        <a:rPr lang="de-DE" b="1" smtClean="0">
+                          <a:solidFill>
+                            <a:schemeClr val="bg1"/>
+                          </a:solidFill>
+                        </a:rPr>
+                        <a:t>B</a:t>
+                      </a:r>
+                      <a:endParaRPr lang="de-DE" b="1">
+                        <a:solidFill>
+                          <a:schemeClr val="bg1"/>
+                        </a:solidFill>
+                      </a:endParaRPr>
+                    </a:p>
+                  </a:txBody>
+                  <a:tcPr>
+                    <a:solidFill>
+                      <a:schemeClr val="accent1"/>
+                    </a:solidFill>
+                  </a:tcPr>
+                </a:tc>
+                <a:tc>
+                  <a:txBody>
+                    <a:bodyPr/>
+                    <a:lstStyle/>
+                    <a:p>
+                      <a:r>
+                        <a:rPr lang="de-DE" smtClean="0"/>
+                        <a:t>A</a:t>
+                      </a:r>
+                      <a:endParaRPr lang="de-DE"/>
+                    </a:p>
+                  </a:txBody>
+                  <a:tcPr/>
+                </a:tc>
+                <a:tc>
+                  <a:txBody>
+                    <a:bodyPr/>
+                    <a:lstStyle/>
+                    <a:p>
+                      <a:r>
+                        <a:rPr lang="de-DE" smtClean="0"/>
+                        <a:t>A</a:t>
+                      </a:r>
+                      <a:endParaRPr lang="de-DE"/>
+                    </a:p>
+                  </a:txBody>
+                  <a:tcPr/>
+                </a:tc>
+                <a:tc>
+                  <a:txBody>
+                    <a:bodyPr/>
+                    <a:lstStyle/>
+                    <a:p>
+                      <a:r>
+                        <a:rPr lang="de-DE" smtClean="0"/>
+                        <a:t>A</a:t>
+                      </a:r>
+                      <a:endParaRPr lang="de-DE"/>
+                    </a:p>
+                  </a:txBody>
+                  <a:tcPr/>
+                </a:tc>
+                <a:tc>
+                  <a:txBody>
+                    <a:bodyPr/>
+                    <a:lstStyle/>
+                    <a:p>
+                      <a:r>
+                        <a:rPr lang="de-DE" smtClean="0"/>
+                        <a:t>A</a:t>
+                      </a:r>
+                      <a:endParaRPr lang="de-DE"/>
+                    </a:p>
+                  </a:txBody>
+                  <a:tcPr/>
+                </a:tc>
+                <a:tc>
+                  <a:txBody>
+                    <a:bodyPr/>
+                    <a:lstStyle/>
+                    <a:p>
+                      <a:r>
+                        <a:rPr lang="de-DE" smtClean="0"/>
+                        <a:t>A</a:t>
+                      </a:r>
+                      <a:endParaRPr lang="de-DE"/>
+                    </a:p>
+                  </a:txBody>
+                  <a:tcPr/>
+                </a:tc>
+                <a:tc>
+                  <a:txBody>
+                    <a:bodyPr/>
+                    <a:lstStyle/>
+                    <a:p>
+                      <a:r>
+                        <a:rPr lang="de-DE" smtClean="0"/>
+                        <a:t>R</a:t>
+                      </a:r>
+                      <a:endParaRPr lang="de-DE"/>
+                    </a:p>
+                  </a:txBody>
+                  <a:tcPr/>
+                </a:tc>
+                <a:tc>
+                  <a:txBody>
+                    <a:bodyPr/>
+                    <a:lstStyle/>
+                    <a:p>
+                      <a:r>
+                        <a:rPr lang="de-DE" smtClean="0"/>
+                        <a:t>R</a:t>
+                      </a:r>
+                      <a:endParaRPr lang="de-DE"/>
+                    </a:p>
+                  </a:txBody>
+                  <a:tcPr>
+                    <a:lnR w="76200" cap="flat" cmpd="sng" algn="ctr">
+                      <a:solidFill>
+                        <a:schemeClr val="bg1"/>
+                      </a:solidFill>
+                      <a:prstDash val="solid"/>
+                      <a:round/>
+                      <a:headEnd type="none" w="med" len="med"/>
+                      <a:tailEnd type="none" w="med" len="med"/>
+                    </a:lnR>
+                  </a:tcPr>
+                </a:tc>
+              </a:tr>
+              <a:tr h="360000">
+                <a:tc>
+                  <a:txBody>
+                    <a:bodyPr/>
+                    <a:lstStyle/>
+                    <a:p>
+                      <a:r>
+                        <a:rPr lang="de-DE" b="1" smtClean="0">
+                          <a:solidFill>
+                            <a:schemeClr val="bg1"/>
+                          </a:solidFill>
+                        </a:rPr>
+                        <a:t>C</a:t>
+                      </a:r>
+                      <a:endParaRPr lang="de-DE" b="1">
+                        <a:solidFill>
+                          <a:schemeClr val="bg1"/>
+                        </a:solidFill>
+                      </a:endParaRPr>
+                    </a:p>
+                  </a:txBody>
+                  <a:tcPr>
+                    <a:solidFill>
+                      <a:schemeClr val="accent1"/>
+                    </a:solidFill>
+                  </a:tcPr>
+                </a:tc>
+                <a:tc>
+                  <a:txBody>
+                    <a:bodyPr/>
+                    <a:lstStyle/>
+                    <a:p>
+                      <a:r>
+                        <a:rPr lang="de-DE" smtClean="0"/>
+                        <a:t>R</a:t>
+                      </a:r>
+                      <a:endParaRPr lang="de-DE"/>
+                    </a:p>
+                  </a:txBody>
+                  <a:tcPr/>
+                </a:tc>
+                <a:tc>
+                  <a:txBody>
+                    <a:bodyPr/>
+                    <a:lstStyle/>
+                    <a:p>
+                      <a:r>
+                        <a:rPr lang="de-DE" smtClean="0"/>
+                        <a:t>R</a:t>
+                      </a:r>
+                      <a:endParaRPr lang="de-DE"/>
+                    </a:p>
+                  </a:txBody>
+                  <a:tcPr/>
+                </a:tc>
+                <a:tc>
+                  <a:txBody>
+                    <a:bodyPr/>
+                    <a:lstStyle/>
+                    <a:p>
+                      <a:r>
+                        <a:rPr lang="de-DE" smtClean="0"/>
+                        <a:t>R</a:t>
+                      </a:r>
+                      <a:endParaRPr lang="de-DE"/>
+                    </a:p>
+                  </a:txBody>
+                  <a:tcPr/>
+                </a:tc>
+                <a:tc>
+                  <a:txBody>
+                    <a:bodyPr/>
+                    <a:lstStyle/>
+                    <a:p>
+                      <a:r>
+                        <a:rPr lang="de-DE" smtClean="0"/>
+                        <a:t>R</a:t>
+                      </a:r>
+                      <a:endParaRPr lang="de-DE"/>
+                    </a:p>
+                  </a:txBody>
+                  <a:tcPr/>
+                </a:tc>
+                <a:tc>
+                  <a:txBody>
+                    <a:bodyPr/>
+                    <a:lstStyle/>
+                    <a:p>
+                      <a:r>
+                        <a:rPr lang="de-DE" smtClean="0"/>
+                        <a:t>R</a:t>
+                      </a:r>
+                      <a:endParaRPr lang="de-DE"/>
+                    </a:p>
+                  </a:txBody>
+                  <a:tcPr/>
+                </a:tc>
+                <a:tc>
+                  <a:txBody>
+                    <a:bodyPr/>
+                    <a:lstStyle/>
+                    <a:p>
+                      <a:r>
+                        <a:rPr lang="de-DE" smtClean="0"/>
+                        <a:t>R</a:t>
+                      </a:r>
+                      <a:endParaRPr lang="de-DE"/>
+                    </a:p>
+                  </a:txBody>
+                  <a:tcPr/>
+                </a:tc>
+                <a:tc>
+                  <a:txBody>
+                    <a:bodyPr/>
+                    <a:lstStyle/>
+                    <a:p>
+                      <a:r>
+                        <a:rPr lang="de-DE" smtClean="0"/>
+                        <a:t>R</a:t>
+                      </a:r>
+                      <a:endParaRPr lang="de-DE"/>
+                    </a:p>
+                  </a:txBody>
+                  <a:tcPr>
+                    <a:lnR w="76200" cap="flat" cmpd="sng" algn="ctr">
+                      <a:solidFill>
+                        <a:schemeClr val="bg1"/>
+                      </a:solidFill>
+                      <a:prstDash val="solid"/>
+                      <a:round/>
+                      <a:headEnd type="none" w="med" len="med"/>
+                      <a:tailEnd type="none" w="med" len="med"/>
+                    </a:lnR>
+                  </a:tcPr>
+                </a:tc>
+              </a:tr>
+              <a:tr h="360000">
+                <a:tc>
+                  <a:txBody>
+                    <a:bodyPr/>
+                    <a:lstStyle/>
+                    <a:p>
+                      <a:r>
+                        <a:rPr lang="de-DE" b="1" smtClean="0">
+                          <a:solidFill>
+                            <a:schemeClr val="bg1"/>
+                          </a:solidFill>
+                        </a:rPr>
+                        <a:t>D</a:t>
+                      </a:r>
+                      <a:endParaRPr lang="de-DE" b="1">
+                        <a:solidFill>
+                          <a:schemeClr val="bg1"/>
+                        </a:solidFill>
+                      </a:endParaRPr>
+                    </a:p>
+                  </a:txBody>
+                  <a:tcPr>
+                    <a:solidFill>
+                      <a:schemeClr val="accent1"/>
+                    </a:solidFill>
+                  </a:tcPr>
+                </a:tc>
+                <a:tc>
+                  <a:txBody>
+                    <a:bodyPr/>
+                    <a:lstStyle/>
+                    <a:p>
+                      <a:r>
+                        <a:rPr lang="de-DE" smtClean="0"/>
+                        <a:t>R</a:t>
+                      </a:r>
+                      <a:endParaRPr lang="de-DE"/>
+                    </a:p>
+                  </a:txBody>
+                  <a:tcPr/>
+                </a:tc>
+                <a:tc>
+                  <a:txBody>
+                    <a:bodyPr/>
+                    <a:lstStyle/>
+                    <a:p>
+                      <a:r>
+                        <a:rPr lang="de-DE" smtClean="0"/>
+                        <a:t>R</a:t>
+                      </a:r>
+                      <a:endParaRPr lang="de-DE"/>
+                    </a:p>
+                  </a:txBody>
+                  <a:tcPr/>
+                </a:tc>
+                <a:tc>
+                  <a:txBody>
+                    <a:bodyPr/>
+                    <a:lstStyle/>
+                    <a:p>
+                      <a:r>
+                        <a:rPr lang="de-DE" smtClean="0"/>
+                        <a:t>R</a:t>
+                      </a:r>
+                      <a:endParaRPr lang="de-DE"/>
+                    </a:p>
+                  </a:txBody>
+                  <a:tcPr/>
+                </a:tc>
+                <a:tc>
+                  <a:txBody>
+                    <a:bodyPr/>
+                    <a:lstStyle/>
+                    <a:p>
+                      <a:r>
+                        <a:rPr lang="de-DE" smtClean="0"/>
+                        <a:t>R</a:t>
+                      </a:r>
+                      <a:endParaRPr lang="de-DE"/>
+                    </a:p>
+                  </a:txBody>
+                  <a:tcPr/>
+                </a:tc>
+                <a:tc>
+                  <a:txBody>
+                    <a:bodyPr/>
+                    <a:lstStyle/>
+                    <a:p>
+                      <a:r>
+                        <a:rPr lang="de-DE" smtClean="0"/>
+                        <a:t>R</a:t>
+                      </a:r>
+                      <a:endParaRPr lang="de-DE"/>
+                    </a:p>
+                  </a:txBody>
+                  <a:tcPr/>
+                </a:tc>
+                <a:tc>
+                  <a:txBody>
+                    <a:bodyPr/>
+                    <a:lstStyle/>
+                    <a:p>
+                      <a:r>
+                        <a:rPr lang="de-DE" smtClean="0"/>
+                        <a:t>R</a:t>
+                      </a:r>
+                      <a:endParaRPr lang="de-DE"/>
+                    </a:p>
+                  </a:txBody>
+                  <a:tcPr/>
+                </a:tc>
+                <a:tc>
+                  <a:txBody>
+                    <a:bodyPr/>
+                    <a:lstStyle/>
+                    <a:p>
+                      <a:r>
+                        <a:rPr lang="de-DE" smtClean="0"/>
+                        <a:t>R</a:t>
+                      </a:r>
+                      <a:endParaRPr lang="de-DE"/>
+                    </a:p>
+                  </a:txBody>
+                  <a:tcPr>
+                    <a:lnR w="76200" cap="flat" cmpd="sng" algn="ctr">
+                      <a:solidFill>
+                        <a:schemeClr val="bg1"/>
+                      </a:solidFill>
+                      <a:prstDash val="solid"/>
+                      <a:round/>
+                      <a:headEnd type="none" w="med" len="med"/>
+                      <a:tailEnd type="none" w="med" len="med"/>
+                    </a:lnR>
+                  </a:tcPr>
+                </a:tc>
+              </a:tr>
+              <a:tr h="360000">
+                <a:tc>
+                  <a:txBody>
+                    <a:bodyPr/>
+                    <a:lstStyle/>
+                    <a:p>
+                      <a:r>
+                        <a:rPr lang="de-DE" b="1" smtClean="0">
+                          <a:solidFill>
+                            <a:schemeClr val="bg1"/>
+                          </a:solidFill>
+                        </a:rPr>
+                        <a:t>E</a:t>
+                      </a:r>
+                      <a:endParaRPr lang="de-DE" b="1">
+                        <a:solidFill>
+                          <a:schemeClr val="bg1"/>
+                        </a:solidFill>
+                      </a:endParaRPr>
+                    </a:p>
+                  </a:txBody>
+                  <a:tcPr>
+                    <a:solidFill>
+                      <a:schemeClr val="accent1"/>
+                    </a:solidFill>
+                  </a:tcPr>
+                </a:tc>
+                <a:tc>
+                  <a:txBody>
+                    <a:bodyPr/>
+                    <a:lstStyle/>
+                    <a:p>
+                      <a:r>
+                        <a:rPr lang="de-DE"/>
+                        <a:t>R</a:t>
+                      </a:r>
+                      <a:endParaRPr lang="de-DE" smtClean="0"/>
+                    </a:p>
+                  </a:txBody>
+                  <a:tcPr/>
+                </a:tc>
+                <a:tc>
+                  <a:txBody>
+                    <a:bodyPr/>
+                    <a:lstStyle/>
+                    <a:p>
+                      <a:r>
+                        <a:rPr lang="de-DE"/>
+                        <a:t>R</a:t>
+                      </a:r>
+                      <a:endParaRPr lang="de-DE" smtClean="0"/>
+                    </a:p>
+                  </a:txBody>
+                  <a:tcPr/>
+                </a:tc>
+                <a:tc>
+                  <a:txBody>
+                    <a:bodyPr/>
+                    <a:lstStyle/>
+                    <a:p>
+                      <a:r>
+                        <a:rPr lang="de-DE"/>
+                        <a:t>R</a:t>
+                      </a:r>
+                      <a:endParaRPr lang="de-DE" smtClean="0"/>
+                    </a:p>
+                  </a:txBody>
+                  <a:tcPr/>
+                </a:tc>
+                <a:tc>
+                  <a:txBody>
+                    <a:bodyPr/>
+                    <a:lstStyle/>
+                    <a:p>
+                      <a:r>
+                        <a:rPr lang="de-DE"/>
+                        <a:t>R</a:t>
+                      </a:r>
+                      <a:endParaRPr lang="de-DE" smtClean="0"/>
+                    </a:p>
+                  </a:txBody>
+                  <a:tcPr/>
+                </a:tc>
+                <a:tc>
+                  <a:txBody>
+                    <a:bodyPr/>
+                    <a:lstStyle/>
+                    <a:p>
+                      <a:r>
+                        <a:rPr lang="de-DE"/>
+                        <a:t>R</a:t>
+                      </a:r>
+                      <a:endParaRPr lang="de-DE" smtClean="0"/>
+                    </a:p>
+                  </a:txBody>
+                  <a:tcPr/>
+                </a:tc>
+                <a:tc>
+                  <a:txBody>
+                    <a:bodyPr/>
+                    <a:lstStyle/>
+                    <a:p>
+                      <a:r>
+                        <a:rPr lang="de-DE" smtClean="0"/>
+                        <a:t>R</a:t>
+                      </a:r>
+                      <a:endParaRPr lang="de-DE"/>
+                    </a:p>
+                  </a:txBody>
+                  <a:tcPr/>
+                </a:tc>
+                <a:tc>
+                  <a:txBody>
+                    <a:bodyPr/>
+                    <a:lstStyle/>
+                    <a:p>
+                      <a:r>
+                        <a:rPr lang="de-DE" smtClean="0"/>
+                        <a:t>R</a:t>
+                      </a:r>
+                      <a:endParaRPr lang="de-DE"/>
+                    </a:p>
+                  </a:txBody>
+                  <a:tcPr>
+                    <a:lnR w="76200" cap="flat" cmpd="sng" algn="ctr">
+                      <a:solidFill>
+                        <a:schemeClr val="bg1"/>
+                      </a:solidFill>
+                      <a:prstDash val="solid"/>
+                      <a:round/>
+                      <a:headEnd type="none" w="med" len="med"/>
+                      <a:tailEnd type="none" w="med" len="med"/>
+                    </a:lnR>
+                  </a:tcPr>
+                </a:tc>
+              </a:tr>
+              <a:tr h="360000">
+                <a:tc>
+                  <a:txBody>
+                    <a:bodyPr/>
+                    <a:lstStyle/>
+                    <a:p>
+                      <a:r>
+                        <a:rPr lang="de-DE" b="1" smtClean="0">
+                          <a:solidFill>
+                            <a:srgbClr val="FF0000"/>
+                          </a:solidFill>
+                        </a:rPr>
+                        <a:t>F</a:t>
+                      </a:r>
+                      <a:endParaRPr lang="de-DE" b="1">
+                        <a:solidFill>
+                          <a:srgbClr val="FF0000"/>
+                        </a:solidFill>
+                      </a:endParaRPr>
+                    </a:p>
+                  </a:txBody>
+                  <a:tcPr>
+                    <a:solidFill>
+                      <a:schemeClr val="accent1"/>
+                    </a:solidFill>
+                  </a:tcPr>
+                </a:tc>
+                <a:tc>
+                  <a:txBody>
+                    <a:bodyPr/>
+                    <a:lstStyle/>
+                    <a:p>
+                      <a:r>
+                        <a:rPr lang="de-DE" smtClean="0"/>
+                        <a:t>A</a:t>
+                      </a:r>
+                      <a:endParaRPr lang="de-DE"/>
+                    </a:p>
+                  </a:txBody>
+                  <a:tcPr/>
+                </a:tc>
+                <a:tc>
+                  <a:txBody>
+                    <a:bodyPr/>
+                    <a:lstStyle/>
+                    <a:p>
+                      <a:r>
+                        <a:rPr lang="de-DE" smtClean="0"/>
+                        <a:t>A</a:t>
+                      </a:r>
+                      <a:endParaRPr lang="de-DE"/>
+                    </a:p>
+                  </a:txBody>
+                  <a:tcPr/>
+                </a:tc>
+                <a:tc>
+                  <a:txBody>
+                    <a:bodyPr/>
+                    <a:lstStyle/>
+                    <a:p>
+                      <a:r>
+                        <a:rPr lang="de-DE" smtClean="0"/>
+                        <a:t>R</a:t>
+                      </a:r>
+                      <a:endParaRPr lang="de-DE"/>
+                    </a:p>
+                  </a:txBody>
+                  <a:tcPr/>
+                </a:tc>
+                <a:tc>
+                  <a:txBody>
+                    <a:bodyPr/>
+                    <a:lstStyle/>
+                    <a:p>
+                      <a:r>
+                        <a:rPr lang="de-DE" smtClean="0"/>
+                        <a:t>R</a:t>
+                      </a:r>
+                      <a:endParaRPr lang="de-DE"/>
+                    </a:p>
+                  </a:txBody>
+                  <a:tcPr/>
+                </a:tc>
+                <a:tc>
+                  <a:txBody>
+                    <a:bodyPr/>
+                    <a:lstStyle/>
+                    <a:p>
+                      <a:r>
+                        <a:rPr lang="de-DE" smtClean="0"/>
+                        <a:t>R</a:t>
+                      </a:r>
+                      <a:endParaRPr lang="de-DE"/>
+                    </a:p>
+                  </a:txBody>
+                  <a:tcPr/>
+                </a:tc>
+                <a:tc>
+                  <a:txBody>
+                    <a:bodyPr/>
+                    <a:lstStyle/>
+                    <a:p>
+                      <a:r>
+                        <a:rPr lang="de-DE" smtClean="0"/>
+                        <a:t>R</a:t>
+                      </a:r>
+                      <a:endParaRPr lang="de-DE"/>
+                    </a:p>
+                  </a:txBody>
+                  <a:tcPr/>
+                </a:tc>
+                <a:tc>
+                  <a:txBody>
+                    <a:bodyPr/>
+                    <a:lstStyle/>
+                    <a:p>
+                      <a:r>
+                        <a:rPr lang="de-DE" smtClean="0"/>
+                        <a:t>R</a:t>
+                      </a:r>
+                      <a:endParaRPr lang="de-DE"/>
+                    </a:p>
+                  </a:txBody>
+                  <a:tcPr>
+                    <a:lnR w="76200" cap="flat" cmpd="sng" algn="ctr">
+                      <a:solidFill>
+                        <a:schemeClr val="bg1"/>
+                      </a:solidFill>
+                      <a:prstDash val="solid"/>
+                      <a:round/>
+                      <a:headEnd type="none" w="med" len="med"/>
+                      <a:tailEnd type="none" w="med" len="med"/>
+                    </a:lnR>
+                  </a:tcPr>
+                </a:tc>
+              </a:tr>
+              <a:tr h="360000">
+                <a:tc>
+                  <a:txBody>
+                    <a:bodyPr/>
+                    <a:lstStyle/>
+                    <a:p>
+                      <a:r>
+                        <a:rPr lang="de-DE" b="1" smtClean="0">
+                          <a:solidFill>
+                            <a:srgbClr val="FF0000"/>
+                          </a:solidFill>
+                        </a:rPr>
+                        <a:t>G</a:t>
+                      </a:r>
+                      <a:endParaRPr lang="de-DE" b="1">
+                        <a:solidFill>
+                          <a:srgbClr val="FF0000"/>
+                        </a:solidFill>
+                      </a:endParaRPr>
+                    </a:p>
+                  </a:txBody>
+                  <a:tcPr>
+                    <a:solidFill>
+                      <a:schemeClr val="accent1"/>
+                    </a:solidFill>
+                  </a:tcPr>
+                </a:tc>
+                <a:tc>
+                  <a:txBody>
+                    <a:bodyPr/>
+                    <a:lstStyle/>
+                    <a:p>
+                      <a:r>
+                        <a:rPr lang="de-DE" smtClean="0"/>
+                        <a:t>A</a:t>
+                      </a:r>
+                      <a:endParaRPr lang="de-DE"/>
+                    </a:p>
+                  </a:txBody>
+                  <a:tcPr/>
+                </a:tc>
+                <a:tc>
+                  <a:txBody>
+                    <a:bodyPr/>
+                    <a:lstStyle/>
+                    <a:p>
+                      <a:r>
+                        <a:rPr lang="de-DE" smtClean="0"/>
+                        <a:t>A</a:t>
+                      </a:r>
+                      <a:endParaRPr lang="de-DE"/>
+                    </a:p>
+                  </a:txBody>
+                  <a:tcPr/>
+                </a:tc>
+                <a:tc>
+                  <a:txBody>
+                    <a:bodyPr/>
+                    <a:lstStyle/>
+                    <a:p>
+                      <a:r>
+                        <a:rPr lang="de-DE" smtClean="0"/>
+                        <a:t>R</a:t>
+                      </a:r>
+                      <a:endParaRPr lang="de-DE"/>
+                    </a:p>
+                  </a:txBody>
+                  <a:tcPr/>
+                </a:tc>
+                <a:tc>
+                  <a:txBody>
+                    <a:bodyPr/>
+                    <a:lstStyle/>
+                    <a:p>
+                      <a:r>
+                        <a:rPr lang="de-DE" smtClean="0"/>
+                        <a:t>R</a:t>
+                      </a:r>
+                      <a:endParaRPr lang="de-DE"/>
+                    </a:p>
+                  </a:txBody>
+                  <a:tcPr/>
+                </a:tc>
+                <a:tc>
+                  <a:txBody>
+                    <a:bodyPr/>
+                    <a:lstStyle/>
+                    <a:p>
+                      <a:r>
+                        <a:rPr lang="de-DE" smtClean="0"/>
+                        <a:t>R</a:t>
+                      </a:r>
+                      <a:endParaRPr lang="de-DE"/>
+                    </a:p>
+                  </a:txBody>
+                  <a:tcPr/>
+                </a:tc>
+                <a:tc>
+                  <a:txBody>
+                    <a:bodyPr/>
+                    <a:lstStyle/>
+                    <a:p>
+                      <a:r>
+                        <a:rPr lang="de-DE" smtClean="0"/>
+                        <a:t>R</a:t>
+                      </a:r>
+                      <a:endParaRPr lang="de-DE"/>
+                    </a:p>
+                  </a:txBody>
+                  <a:tcPr/>
+                </a:tc>
+                <a:tc>
+                  <a:txBody>
+                    <a:bodyPr/>
+                    <a:lstStyle/>
+                    <a:p>
+                      <a:r>
+                        <a:rPr lang="de-DE" smtClean="0"/>
+                        <a:t>R</a:t>
+                      </a:r>
+                      <a:endParaRPr lang="de-DE"/>
+                    </a:p>
+                  </a:txBody>
+                  <a:tcPr>
+                    <a:lnR w="76200" cap="flat" cmpd="sng" algn="ctr">
+                      <a:solidFill>
+                        <a:schemeClr val="bg1"/>
+                      </a:solidFill>
+                      <a:prstDash val="solid"/>
+                      <a:round/>
+                      <a:headEnd type="none" w="med" len="med"/>
+                      <a:tailEnd type="none" w="med" len="med"/>
+                    </a:lnR>
+                  </a:tcPr>
+                </a:tc>
+              </a:tr>
+            </a:tbl>
+          </a:graphicData>
+        </a:graphic>
+      </p:graphicFrame>
+      <p:sp>
+        <p:nvSpPr>
+          <p:cNvPr id="2" name="Textfeld 1"/>
+          <p:cNvSpPr txBox="1"/>
+          <p:nvPr/>
+        </p:nvSpPr>
+        <p:spPr>
+          <a:xfrm>
+            <a:off x="1763688" y="44624"/>
+            <a:ext cx="5616624" cy="461665"/>
+          </a:xfrm>
+          <a:prstGeom prst="rect">
+            <a:avLst/>
+          </a:prstGeom>
+          <a:noFill/>
+        </p:spPr>
+        <p:txBody>
+          <a:bodyPr wrap="square" rtlCol="0">
+            <a:spAutoFit/>
+          </a:bodyPr>
+          <a:lstStyle/>
+          <a:p>
+            <a:pPr algn="ctr"/>
+            <a:r>
+              <a:rPr lang="de-DE" sz="2400" smtClean="0"/>
+              <a:t>Round 2</a:t>
+            </a:r>
+            <a:endParaRPr lang="de-DE" sz="2400"/>
+          </a:p>
+        </p:txBody>
+      </p:sp>
+    </p:spTree>
+    <p:extLst>
+      <p:ext uri="{BB962C8B-B14F-4D97-AF65-F5344CB8AC3E}">
+        <p14:creationId xmlns:p14="http://schemas.microsoft.com/office/powerpoint/2010/main" val="2259705178"/>
+      </p:ext>
+    </p:extLst>
+  </p:cSld>
+  <p:clrMapOvr>
+    <a:masterClrMapping/>
+  </p:clrMapOvr>
+</p:sld>
+</file>
+
+<file path=ppt/slides/slide6.xml><?xml version="1.0" encoding="utf-8"?>
+<p:sld xmlns:a="http://schemas.openxmlformats.org/drawingml/2006/main" xmlns:r="http://schemas.openxmlformats.org/officeDocument/2006/relationships" xmlns:p="http://schemas.openxmlformats.org/presentationml/2006/main">
+  <p:cSld>
+    <p:spTree>
+      <p:nvGrpSpPr>
+        <p:cNvPr id="1" name=""/>
+        <p:cNvGrpSpPr/>
+        <p:nvPr/>
+      </p:nvGrpSpPr>
+      <p:grpSpPr>
+        <a:xfrm>
+          <a:off x="0" y="0"/>
+          <a:ext cx="0" cy="0"/>
+          <a:chOff x="0" y="0"/>
+          <a:chExt cx="0" cy="0"/>
+        </a:xfrm>
+      </p:grpSpPr>
+      <p:sp>
+        <p:nvSpPr>
+          <p:cNvPr id="2" name="Textfeld 1"/>
+          <p:cNvSpPr txBox="1"/>
+          <p:nvPr/>
+        </p:nvSpPr>
+        <p:spPr>
+          <a:xfrm>
+            <a:off x="1763688" y="44623"/>
+            <a:ext cx="5616624" cy="461665"/>
+          </a:xfrm>
+          <a:prstGeom prst="rect">
+            <a:avLst/>
+          </a:prstGeom>
+          <a:noFill/>
+        </p:spPr>
+        <p:txBody>
+          <a:bodyPr wrap="square" rtlCol="0">
+            <a:spAutoFit/>
+          </a:bodyPr>
+          <a:lstStyle/>
+          <a:p>
+            <a:pPr algn="ctr"/>
+            <a:r>
+              <a:rPr lang="de-DE" sz="2400" smtClean="0"/>
+              <a:t>Round 3</a:t>
+            </a:r>
+            <a:endParaRPr lang="de-DE" sz="2400"/>
+          </a:p>
+        </p:txBody>
+      </p:sp>
+      <p:sp>
+        <p:nvSpPr>
+          <p:cNvPr id="8" name="Textfeld 7"/>
+          <p:cNvSpPr txBox="1"/>
+          <p:nvPr/>
+        </p:nvSpPr>
+        <p:spPr>
+          <a:xfrm>
+            <a:off x="611560" y="764704"/>
+            <a:ext cx="7560840" cy="1200329"/>
+          </a:xfrm>
+          <a:prstGeom prst="rect">
+            <a:avLst/>
+          </a:prstGeom>
+          <a:noFill/>
+        </p:spPr>
+        <p:txBody>
+          <a:bodyPr wrap="square" rtlCol="0">
+            <a:spAutoFit/>
+          </a:bodyPr>
+          <a:lstStyle/>
+          <a:p>
+            <a:pPr marL="285750" indent="-285750">
+              <a:buFont typeface="Arial" panose="020B0604020202020204" pitchFamily="34" charset="0"/>
+              <a:buChar char="•"/>
+            </a:pPr>
+            <a:r>
+              <a:rPr lang="de-DE" smtClean="0"/>
+              <a:t>Every general sends all received vectors to all other generals</a:t>
+            </a:r>
+          </a:p>
+          <a:p>
+            <a:pPr marL="742950" lvl="1" indent="-285750">
+              <a:buFont typeface="Arial" panose="020B0604020202020204" pitchFamily="34" charset="0"/>
+              <a:buChar char="•"/>
+            </a:pPr>
+            <a:r>
+              <a:rPr lang="de-DE" smtClean="0"/>
+              <a:t>Vectors which are the same at 2k + 1 generals are from honest generals </a:t>
+            </a:r>
+          </a:p>
+          <a:p>
+            <a:pPr marL="742950" lvl="1" indent="-285750">
+              <a:buFont typeface="Arial" panose="020B0604020202020204" pitchFamily="34" charset="0"/>
+              <a:buChar char="•"/>
+            </a:pPr>
+            <a:r>
+              <a:rPr lang="de-DE" smtClean="0"/>
+              <a:t>Vectors which are different at &gt; k generals are from byzantine generals</a:t>
+            </a:r>
+          </a:p>
+          <a:p>
+            <a:pPr marL="742950" lvl="1" indent="-285750">
+              <a:buFont typeface="Arial" panose="020B0604020202020204" pitchFamily="34" charset="0"/>
+              <a:buChar char="•"/>
+            </a:pPr>
+            <a:r>
+              <a:rPr lang="de-DE" smtClean="0"/>
+              <a:t>Vectors form byzantine generals will be ignored</a:t>
+            </a:r>
+            <a:endParaRPr lang="de-DE"/>
+          </a:p>
+        </p:txBody>
+      </p:sp>
+    </p:spTree>
+    <p:extLst>
+      <p:ext uri="{BB962C8B-B14F-4D97-AF65-F5344CB8AC3E}">
+        <p14:creationId xmlns:p14="http://schemas.microsoft.com/office/powerpoint/2010/main" val="155003676"/>
+      </p:ext>
+    </p:extLst>
+  </p:cSld>
+  <p:clrMapOvr>
+    <a:masterClrMapping/>
+  </p:clrMapOvr>
+</p:sld>
+</file>
+
+<file path=ppt/slides/slide7.xml><?xml version="1.0" encoding="utf-8"?>
+<p:sld xmlns:a="http://schemas.openxmlformats.org/drawingml/2006/main" xmlns:r="http://schemas.openxmlformats.org/officeDocument/2006/relationships" xmlns:p="http://schemas.openxmlformats.org/presentationml/2006/main">
+  <p:cSld>
+    <p:spTree>
+      <p:nvGrpSpPr>
+        <p:cNvPr id="1" name=""/>
+        <p:cNvGrpSpPr/>
+        <p:nvPr/>
+      </p:nvGrpSpPr>
+      <p:grpSpPr>
+        <a:xfrm>
+          <a:off x="0" y="0"/>
+          <a:ext cx="0" cy="0"/>
+          <a:chOff x="0" y="0"/>
+          <a:chExt cx="0" cy="0"/>
+        </a:xfrm>
+      </p:grpSpPr>
+      <p:sp>
+        <p:nvSpPr>
+          <p:cNvPr id="2" name="Titel 1"/>
+          <p:cNvSpPr>
+            <a:spLocks noGrp="1"/>
+          </p:cNvSpPr>
+          <p:nvPr>
+            <p:ph type="title"/>
+          </p:nvPr>
+        </p:nvSpPr>
+        <p:spPr>
+          <a:xfrm>
+            <a:off x="457200" y="274638"/>
+            <a:ext cx="8229600" cy="562074"/>
+          </a:xfrm>
+        </p:spPr>
+        <p:txBody>
+          <a:bodyPr>
+            <a:normAutofit/>
+          </a:bodyPr>
+          <a:lstStyle/>
+          <a:p>
+            <a:r>
+              <a:rPr lang="de-DE" sz="2400" smtClean="0"/>
+              <a:t>Round 3</a:t>
+            </a:r>
+            <a:endParaRPr lang="de-DE" sz="2400"/>
+          </a:p>
+        </p:txBody>
+      </p:sp>
+      <p:graphicFrame>
+        <p:nvGraphicFramePr>
+          <p:cNvPr id="4" name="Tabelle 3"/>
+          <p:cNvGraphicFramePr>
+            <a:graphicFrameLocks noGrp="1"/>
+          </p:cNvGraphicFramePr>
+          <p:nvPr>
+            <p:extLst>
+              <p:ext uri="{D42A27DB-BD31-4B8C-83A1-F6EECF244321}">
+                <p14:modId xmlns:p14="http://schemas.microsoft.com/office/powerpoint/2010/main" val="3965512071"/>
+              </p:ext>
+            </p:extLst>
+          </p:nvPr>
+        </p:nvGraphicFramePr>
+        <p:xfrm>
+          <a:off x="179512" y="1010689"/>
+          <a:ext cx="4109076" cy="2682240"/>
+        </p:xfrm>
+        <a:graphic>
+          <a:graphicData uri="http://schemas.openxmlformats.org/drawingml/2006/table">
+            <a:tbl>
+              <a:tblPr firstRow="1" bandRow="1">
+                <a:tableStyleId>{5C22544A-7EE6-4342-B048-85BDC9FD1C3A}</a:tableStyleId>
+              </a:tblPr>
+              <a:tblGrid>
+                <a:gridCol w="480762"/>
+                <a:gridCol w="430902"/>
+                <a:gridCol w="430902"/>
+                <a:gridCol w="430902"/>
+                <a:gridCol w="430902"/>
+                <a:gridCol w="430902"/>
+                <a:gridCol w="430902"/>
+                <a:gridCol w="430902"/>
+                <a:gridCol w="612000"/>
+              </a:tblGrid>
+              <a:tr h="324000">
+                <a:tc>
+                  <a:txBody>
+                    <a:bodyPr/>
+                    <a:lstStyle/>
+                    <a:p>
+                      <a:r>
+                        <a:rPr lang="de-DE" sz="1600" smtClean="0"/>
+                        <a:t>A,B</a:t>
+                      </a:r>
+                      <a:endParaRPr lang="de-DE" sz="1600"/>
+                    </a:p>
+                  </a:txBody>
+                  <a:tcPr>
+                    <a:solidFill>
+                      <a:schemeClr val="tx1"/>
+                    </a:solidFill>
+                  </a:tcPr>
+                </a:tc>
+                <a:tc>
+                  <a:txBody>
+                    <a:bodyPr/>
+                    <a:lstStyle/>
+                    <a:p>
+                      <a:r>
+                        <a:rPr lang="de-DE" sz="1600" smtClean="0"/>
+                        <a:t>A</a:t>
+                      </a:r>
+                      <a:endParaRPr lang="de-DE" sz="1600"/>
+                    </a:p>
+                  </a:txBody>
+                  <a:tcPr/>
+                </a:tc>
+                <a:tc>
+                  <a:txBody>
+                    <a:bodyPr/>
+                    <a:lstStyle/>
+                    <a:p>
+                      <a:r>
+                        <a:rPr lang="de-DE" sz="1600" smtClean="0"/>
+                        <a:t>B</a:t>
+                      </a:r>
+                      <a:endParaRPr lang="de-DE" sz="1600"/>
+                    </a:p>
+                  </a:txBody>
+                  <a:tcPr/>
+                </a:tc>
+                <a:tc>
+                  <a:txBody>
+                    <a:bodyPr/>
+                    <a:lstStyle/>
+                    <a:p>
+                      <a:r>
+                        <a:rPr lang="de-DE" sz="1600" smtClean="0"/>
+                        <a:t>C</a:t>
+                      </a:r>
+                      <a:endParaRPr lang="de-DE" sz="1600"/>
+                    </a:p>
+                  </a:txBody>
+                  <a:tcPr/>
+                </a:tc>
+                <a:tc>
+                  <a:txBody>
+                    <a:bodyPr/>
+                    <a:lstStyle/>
+                    <a:p>
+                      <a:r>
+                        <a:rPr lang="de-DE" sz="1600" smtClean="0"/>
+                        <a:t>D</a:t>
+                      </a:r>
+                      <a:endParaRPr lang="de-DE" sz="1600"/>
+                    </a:p>
+                  </a:txBody>
+                  <a:tcPr/>
+                </a:tc>
+                <a:tc>
+                  <a:txBody>
+                    <a:bodyPr/>
+                    <a:lstStyle/>
+                    <a:p>
+                      <a:r>
+                        <a:rPr lang="de-DE" sz="1600" smtClean="0"/>
+                        <a:t>E</a:t>
+                      </a:r>
+                      <a:endParaRPr lang="de-DE" sz="1600"/>
+                    </a:p>
+                  </a:txBody>
+                  <a:tcPr/>
+                </a:tc>
+                <a:tc>
+                  <a:txBody>
+                    <a:bodyPr/>
+                    <a:lstStyle/>
+                    <a:p>
+                      <a:r>
+                        <a:rPr lang="de-DE" sz="1600" smtClean="0">
+                          <a:solidFill>
+                            <a:srgbClr val="FF0000"/>
+                          </a:solidFill>
+                        </a:rPr>
+                        <a:t>F</a:t>
+                      </a:r>
+                      <a:endParaRPr lang="de-DE" sz="1600">
+                        <a:solidFill>
+                          <a:srgbClr val="FF0000"/>
+                        </a:solidFill>
+                      </a:endParaRPr>
+                    </a:p>
+                  </a:txBody>
+                  <a:tcPr/>
+                </a:tc>
+                <a:tc>
+                  <a:txBody>
+                    <a:bodyPr/>
+                    <a:lstStyle/>
+                    <a:p>
+                      <a:r>
+                        <a:rPr lang="de-DE" sz="1600" smtClean="0">
+                          <a:solidFill>
+                            <a:srgbClr val="FF0000"/>
+                          </a:solidFill>
+                        </a:rPr>
+                        <a:t>G</a:t>
+                      </a:r>
+                      <a:endParaRPr lang="de-DE" sz="1600">
+                        <a:solidFill>
+                          <a:srgbClr val="FF0000"/>
+                        </a:solidFill>
+                      </a:endParaRPr>
+                    </a:p>
+                  </a:txBody>
+                  <a:tcPr>
+                    <a:lnR w="76200" cap="flat" cmpd="sng" algn="ctr">
+                      <a:solidFill>
+                        <a:schemeClr val="bg1"/>
+                      </a:solidFill>
+                      <a:prstDash val="solid"/>
+                      <a:round/>
+                      <a:headEnd type="none" w="med" len="med"/>
+                      <a:tailEnd type="none" w="med" len="med"/>
+                    </a:lnR>
+                  </a:tcPr>
+                </a:tc>
+                <a:tc>
+                  <a:txBody>
+                    <a:bodyPr/>
+                    <a:lstStyle/>
+                    <a:p>
+                      <a:r>
+                        <a:rPr lang="de-DE" sz="1600" smtClean="0">
+                          <a:solidFill>
+                            <a:schemeClr val="bg1"/>
+                          </a:solidFill>
+                        </a:rPr>
+                        <a:t>Res.</a:t>
+                      </a:r>
+                      <a:endParaRPr lang="de-DE" sz="1600">
+                        <a:solidFill>
+                          <a:schemeClr val="bg1"/>
+                        </a:solidFill>
+                      </a:endParaRPr>
+                    </a:p>
+                  </a:txBody>
+                  <a:tcPr>
+                    <a:lnL w="76200" cap="flat" cmpd="sng" algn="ctr">
+                      <a:solidFill>
+                        <a:schemeClr val="bg1"/>
+                      </a:solidFill>
+                      <a:prstDash val="solid"/>
+                      <a:round/>
+                      <a:headEnd type="none" w="med" len="med"/>
+                      <a:tailEnd type="none" w="med" len="med"/>
+                    </a:lnL>
+                    <a:lnR w="76200" cap="flat" cmpd="sng" algn="ctr">
+                      <a:solidFill>
+                        <a:schemeClr val="bg1"/>
+                      </a:solidFill>
+                      <a:prstDash val="solid"/>
+                      <a:round/>
+                      <a:headEnd type="none" w="med" len="med"/>
+                      <a:tailEnd type="none" w="med" len="med"/>
+                    </a:lnR>
+                  </a:tcPr>
+                </a:tc>
+              </a:tr>
+              <a:tr h="324000">
+                <a:tc>
+                  <a:txBody>
+                    <a:bodyPr/>
+                    <a:lstStyle/>
+                    <a:p>
+                      <a:r>
+                        <a:rPr lang="de-DE" sz="1600" b="1" smtClean="0">
+                          <a:solidFill>
+                            <a:schemeClr val="bg1"/>
+                          </a:solidFill>
+                        </a:rPr>
+                        <a:t>A</a:t>
+                      </a:r>
+                      <a:endParaRPr lang="de-DE" sz="1600" b="1">
+                        <a:solidFill>
+                          <a:schemeClr val="bg1"/>
+                        </a:solidFill>
+                      </a:endParaRPr>
+                    </a:p>
+                  </a:txBody>
+                  <a:tcPr>
+                    <a:solidFill>
+                      <a:schemeClr val="accent1"/>
+                    </a:solidFill>
+                  </a:tcPr>
+                </a:tc>
+                <a:tc>
+                  <a:txBody>
+                    <a:bodyPr/>
+                    <a:lstStyle/>
+                    <a:p>
+                      <a:r>
+                        <a:rPr lang="de-DE" sz="1600" smtClean="0"/>
+                        <a:t>A</a:t>
+                      </a:r>
+                      <a:endParaRPr lang="de-DE" sz="1600"/>
+                    </a:p>
+                  </a:txBody>
+                  <a:tcPr/>
+                </a:tc>
+                <a:tc>
+                  <a:txBody>
+                    <a:bodyPr/>
+                    <a:lstStyle/>
+                    <a:p>
+                      <a:r>
+                        <a:rPr lang="de-DE" sz="1600" smtClean="0"/>
+                        <a:t>A</a:t>
+                      </a:r>
+                      <a:endParaRPr lang="de-DE" sz="1600"/>
+                    </a:p>
+                  </a:txBody>
+                  <a:tcPr/>
+                </a:tc>
+                <a:tc>
+                  <a:txBody>
+                    <a:bodyPr/>
+                    <a:lstStyle/>
+                    <a:p>
+                      <a:r>
+                        <a:rPr lang="de-DE" sz="1600" smtClean="0"/>
+                        <a:t>A</a:t>
+                      </a:r>
+                      <a:endParaRPr lang="de-DE" sz="1600"/>
+                    </a:p>
+                  </a:txBody>
+                  <a:tcPr/>
+                </a:tc>
+                <a:tc>
+                  <a:txBody>
+                    <a:bodyPr/>
+                    <a:lstStyle/>
+                    <a:p>
+                      <a:r>
+                        <a:rPr lang="de-DE" sz="1600" smtClean="0"/>
+                        <a:t>A</a:t>
+                      </a:r>
+                      <a:endParaRPr lang="de-DE" sz="1600"/>
+                    </a:p>
+                  </a:txBody>
+                  <a:tcPr/>
+                </a:tc>
+                <a:tc>
+                  <a:txBody>
+                    <a:bodyPr/>
+                    <a:lstStyle/>
+                    <a:p>
+                      <a:r>
+                        <a:rPr lang="de-DE" sz="1600" smtClean="0"/>
+                        <a:t>A</a:t>
+                      </a:r>
+                      <a:endParaRPr lang="de-DE" sz="1600"/>
+                    </a:p>
+                  </a:txBody>
+                  <a:tcPr/>
+                </a:tc>
+                <a:tc>
+                  <a:txBody>
+                    <a:bodyPr/>
+                    <a:lstStyle/>
+                    <a:p>
+                      <a:r>
+                        <a:rPr lang="de-DE" sz="1600" smtClean="0">
+                          <a:solidFill>
+                            <a:schemeClr val="bg1">
+                              <a:lumMod val="50000"/>
+                            </a:schemeClr>
+                          </a:solidFill>
+                        </a:rPr>
+                        <a:t>A</a:t>
+                      </a:r>
+                      <a:endParaRPr lang="de-DE" sz="1600">
+                        <a:solidFill>
+                          <a:schemeClr val="bg1">
+                            <a:lumMod val="50000"/>
+                          </a:schemeClr>
+                        </a:solidFill>
+                      </a:endParaRPr>
+                    </a:p>
+                  </a:txBody>
+                  <a:tcPr/>
+                </a:tc>
+                <a:tc>
+                  <a:txBody>
+                    <a:bodyPr/>
+                    <a:lstStyle/>
+                    <a:p>
+                      <a:r>
+                        <a:rPr lang="de-DE" sz="1600" smtClean="0">
+                          <a:ln>
+                            <a:noFill/>
+                          </a:ln>
+                          <a:solidFill>
+                            <a:schemeClr val="bg1">
+                              <a:lumMod val="50000"/>
+                            </a:schemeClr>
+                          </a:solidFill>
+                        </a:rPr>
+                        <a:t>A</a:t>
+                      </a:r>
+                      <a:endParaRPr lang="de-DE" sz="1600">
+                        <a:ln>
+                          <a:noFill/>
+                        </a:ln>
+                        <a:solidFill>
+                          <a:schemeClr val="bg1">
+                            <a:lumMod val="50000"/>
+                          </a:schemeClr>
+                        </a:solidFill>
+                      </a:endParaRPr>
+                    </a:p>
+                  </a:txBody>
+                  <a:tcPr>
+                    <a:lnR w="76200" cap="flat" cmpd="sng" algn="ctr">
+                      <a:solidFill>
+                        <a:schemeClr val="bg1"/>
+                      </a:solidFill>
+                      <a:prstDash val="solid"/>
+                      <a:round/>
+                      <a:headEnd type="none" w="med" len="med"/>
+                      <a:tailEnd type="none" w="med" len="med"/>
+                    </a:lnR>
+                  </a:tcPr>
+                </a:tc>
+                <a:tc>
+                  <a:txBody>
+                    <a:bodyPr/>
+                    <a:lstStyle/>
+                    <a:p>
+                      <a:r>
+                        <a:rPr lang="de-DE" sz="1600" b="1" smtClean="0">
+                          <a:ln>
+                            <a:noFill/>
+                          </a:ln>
+                          <a:solidFill>
+                            <a:sysClr val="windowText" lastClr="000000"/>
+                          </a:solidFill>
+                        </a:rPr>
+                        <a:t>A</a:t>
+                      </a:r>
+                      <a:endParaRPr lang="de-DE" sz="1600" b="1">
+                        <a:ln>
+                          <a:noFill/>
+                        </a:ln>
+                        <a:solidFill>
+                          <a:sysClr val="windowText" lastClr="000000"/>
+                        </a:solidFill>
+                      </a:endParaRPr>
+                    </a:p>
+                  </a:txBody>
+                  <a:tcPr>
+                    <a:lnL w="76200" cap="flat" cmpd="sng" algn="ctr">
+                      <a:solidFill>
+                        <a:schemeClr val="bg1"/>
+                      </a:solidFill>
+                      <a:prstDash val="solid"/>
+                      <a:round/>
+                      <a:headEnd type="none" w="med" len="med"/>
+                      <a:tailEnd type="none" w="med" len="med"/>
+                    </a:lnL>
+                    <a:lnR w="76200" cap="flat" cmpd="sng" algn="ctr">
+                      <a:solidFill>
+                        <a:schemeClr val="bg1"/>
+                      </a:solidFill>
+                      <a:prstDash val="solid"/>
+                      <a:round/>
+                      <a:headEnd type="none" w="med" len="med"/>
+                      <a:tailEnd type="none" w="med" len="med"/>
+                    </a:lnR>
+                  </a:tcPr>
+                </a:tc>
+              </a:tr>
+              <a:tr h="324000">
+                <a:tc>
+                  <a:txBody>
+                    <a:bodyPr/>
+                    <a:lstStyle/>
+                    <a:p>
+                      <a:r>
+                        <a:rPr lang="de-DE" sz="1600" b="1" smtClean="0">
+                          <a:solidFill>
+                            <a:schemeClr val="bg1"/>
+                          </a:solidFill>
+                        </a:rPr>
+                        <a:t>B</a:t>
+                      </a:r>
+                      <a:endParaRPr lang="de-DE" sz="1600" b="1">
+                        <a:solidFill>
+                          <a:schemeClr val="bg1"/>
+                        </a:solidFill>
+                      </a:endParaRPr>
+                    </a:p>
+                  </a:txBody>
+                  <a:tcPr>
+                    <a:solidFill>
+                      <a:schemeClr val="accent1"/>
+                    </a:solidFill>
+                  </a:tcPr>
+                </a:tc>
+                <a:tc>
+                  <a:txBody>
+                    <a:bodyPr/>
+                    <a:lstStyle/>
+                    <a:p>
+                      <a:r>
+                        <a:rPr lang="de-DE" sz="1600" smtClean="0"/>
+                        <a:t>A</a:t>
+                      </a:r>
+                      <a:endParaRPr lang="de-DE" sz="1600"/>
+                    </a:p>
+                  </a:txBody>
+                  <a:tcPr/>
+                </a:tc>
+                <a:tc>
+                  <a:txBody>
+                    <a:bodyPr/>
+                    <a:lstStyle/>
+                    <a:p>
+                      <a:r>
+                        <a:rPr lang="de-DE" sz="1600" smtClean="0"/>
+                        <a:t>A</a:t>
+                      </a:r>
+                      <a:endParaRPr lang="de-DE" sz="1600"/>
+                    </a:p>
+                  </a:txBody>
+                  <a:tcPr/>
+                </a:tc>
+                <a:tc>
+                  <a:txBody>
+                    <a:bodyPr/>
+                    <a:lstStyle/>
+                    <a:p>
+                      <a:r>
+                        <a:rPr lang="de-DE" sz="1600" smtClean="0"/>
+                        <a:t>A</a:t>
+                      </a:r>
+                      <a:endParaRPr lang="de-DE" sz="1600"/>
+                    </a:p>
+                  </a:txBody>
+                  <a:tcPr/>
+                </a:tc>
+                <a:tc>
+                  <a:txBody>
+                    <a:bodyPr/>
+                    <a:lstStyle/>
+                    <a:p>
+                      <a:r>
+                        <a:rPr lang="de-DE" sz="1600" smtClean="0"/>
+                        <a:t>A</a:t>
+                      </a:r>
+                      <a:endParaRPr lang="de-DE" sz="1600"/>
+                    </a:p>
+                  </a:txBody>
+                  <a:tcPr/>
+                </a:tc>
+                <a:tc>
+                  <a:txBody>
+                    <a:bodyPr/>
+                    <a:lstStyle/>
+                    <a:p>
+                      <a:r>
+                        <a:rPr lang="de-DE" sz="1600" smtClean="0"/>
+                        <a:t>A</a:t>
+                      </a:r>
+                      <a:endParaRPr lang="de-DE" sz="1600"/>
+                    </a:p>
+                  </a:txBody>
+                  <a:tcPr/>
+                </a:tc>
+                <a:tc>
+                  <a:txBody>
+                    <a:bodyPr/>
+                    <a:lstStyle/>
+                    <a:p>
+                      <a:r>
+                        <a:rPr lang="de-DE" sz="1600" smtClean="0">
+                          <a:solidFill>
+                            <a:schemeClr val="bg1">
+                              <a:lumMod val="50000"/>
+                            </a:schemeClr>
+                          </a:solidFill>
+                        </a:rPr>
+                        <a:t>A</a:t>
+                      </a:r>
+                      <a:endParaRPr lang="de-DE" sz="1600">
+                        <a:solidFill>
+                          <a:schemeClr val="bg1">
+                            <a:lumMod val="50000"/>
+                          </a:schemeClr>
+                        </a:solidFill>
+                      </a:endParaRPr>
+                    </a:p>
+                  </a:txBody>
+                  <a:tcPr/>
+                </a:tc>
+                <a:tc>
+                  <a:txBody>
+                    <a:bodyPr/>
+                    <a:lstStyle/>
+                    <a:p>
+                      <a:r>
+                        <a:rPr lang="de-DE" sz="1600" smtClean="0">
+                          <a:solidFill>
+                            <a:schemeClr val="bg1">
+                              <a:lumMod val="50000"/>
+                            </a:schemeClr>
+                          </a:solidFill>
+                        </a:rPr>
+                        <a:t>A</a:t>
+                      </a:r>
+                      <a:endParaRPr lang="de-DE" sz="1600">
+                        <a:solidFill>
+                          <a:schemeClr val="bg1">
+                            <a:lumMod val="50000"/>
+                          </a:schemeClr>
+                        </a:solidFill>
+                      </a:endParaRPr>
+                    </a:p>
+                  </a:txBody>
+                  <a:tcPr>
+                    <a:lnR w="76200" cap="flat" cmpd="sng" algn="ctr">
+                      <a:solidFill>
+                        <a:schemeClr val="bg1"/>
+                      </a:solidFill>
+                      <a:prstDash val="solid"/>
+                      <a:round/>
+                      <a:headEnd type="none" w="med" len="med"/>
+                      <a:tailEnd type="none" w="med" len="med"/>
+                    </a:lnR>
+                  </a:tcPr>
+                </a:tc>
+                <a:tc>
+                  <a:txBody>
+                    <a:bodyPr/>
+                    <a:lstStyle/>
+                    <a:p>
+                      <a:r>
+                        <a:rPr lang="de-DE" sz="1600" b="1" smtClean="0"/>
+                        <a:t>A</a:t>
+                      </a:r>
+                      <a:endParaRPr lang="de-DE" sz="1600" b="1"/>
+                    </a:p>
+                  </a:txBody>
+                  <a:tcPr>
+                    <a:lnL w="76200" cap="flat" cmpd="sng" algn="ctr">
+                      <a:solidFill>
+                        <a:schemeClr val="bg1"/>
+                      </a:solidFill>
+                      <a:prstDash val="solid"/>
+                      <a:round/>
+                      <a:headEnd type="none" w="med" len="med"/>
+                      <a:tailEnd type="none" w="med" len="med"/>
+                    </a:lnL>
+                    <a:lnR w="76200" cap="flat" cmpd="sng" algn="ctr">
+                      <a:solidFill>
+                        <a:schemeClr val="bg1"/>
+                      </a:solidFill>
+                      <a:prstDash val="solid"/>
+                      <a:round/>
+                      <a:headEnd type="none" w="med" len="med"/>
+                      <a:tailEnd type="none" w="med" len="med"/>
+                    </a:lnR>
+                  </a:tcPr>
+                </a:tc>
+              </a:tr>
+              <a:tr h="324000">
+                <a:tc>
+                  <a:txBody>
+                    <a:bodyPr/>
+                    <a:lstStyle/>
+                    <a:p>
+                      <a:r>
+                        <a:rPr lang="de-DE" sz="1600" b="1" smtClean="0">
+                          <a:solidFill>
+                            <a:schemeClr val="bg1"/>
+                          </a:solidFill>
+                        </a:rPr>
+                        <a:t>C</a:t>
+                      </a:r>
+                      <a:endParaRPr lang="de-DE" sz="1600" b="1">
+                        <a:solidFill>
+                          <a:schemeClr val="bg1"/>
+                        </a:solidFill>
+                      </a:endParaRPr>
+                    </a:p>
+                  </a:txBody>
+                  <a:tcPr>
+                    <a:solidFill>
+                      <a:schemeClr val="accent1"/>
+                    </a:solidFill>
+                  </a:tcPr>
+                </a:tc>
+                <a:tc>
+                  <a:txBody>
+                    <a:bodyPr/>
+                    <a:lstStyle/>
+                    <a:p>
+                      <a:r>
+                        <a:rPr lang="de-DE" sz="1600" smtClean="0"/>
+                        <a:t>R</a:t>
+                      </a:r>
+                      <a:endParaRPr lang="de-DE" sz="1600"/>
+                    </a:p>
+                  </a:txBody>
+                  <a:tcPr/>
+                </a:tc>
+                <a:tc>
+                  <a:txBody>
+                    <a:bodyPr/>
+                    <a:lstStyle/>
+                    <a:p>
+                      <a:r>
+                        <a:rPr lang="de-DE" sz="1600" smtClean="0"/>
+                        <a:t>R</a:t>
+                      </a:r>
+                      <a:endParaRPr lang="de-DE" sz="1600"/>
+                    </a:p>
+                  </a:txBody>
+                  <a:tcPr/>
+                </a:tc>
+                <a:tc>
+                  <a:txBody>
+                    <a:bodyPr/>
+                    <a:lstStyle/>
+                    <a:p>
+                      <a:r>
+                        <a:rPr lang="de-DE" sz="1600" smtClean="0"/>
+                        <a:t>R</a:t>
+                      </a:r>
+                      <a:endParaRPr lang="de-DE" sz="1600"/>
+                    </a:p>
+                  </a:txBody>
+                  <a:tcPr/>
+                </a:tc>
+                <a:tc>
+                  <a:txBody>
+                    <a:bodyPr/>
+                    <a:lstStyle/>
+                    <a:p>
+                      <a:r>
+                        <a:rPr lang="de-DE" sz="1600" smtClean="0"/>
+                        <a:t>R</a:t>
+                      </a:r>
+                      <a:endParaRPr lang="de-DE" sz="1600"/>
+                    </a:p>
+                  </a:txBody>
+                  <a:tcPr/>
+                </a:tc>
+                <a:tc>
+                  <a:txBody>
+                    <a:bodyPr/>
+                    <a:lstStyle/>
+                    <a:p>
+                      <a:r>
+                        <a:rPr lang="de-DE" sz="1600" smtClean="0"/>
+                        <a:t>R</a:t>
+                      </a:r>
+                      <a:endParaRPr lang="de-DE" sz="1600"/>
+                    </a:p>
+                  </a:txBody>
+                  <a:tcPr/>
+                </a:tc>
+                <a:tc>
+                  <a:txBody>
+                    <a:bodyPr/>
+                    <a:lstStyle/>
+                    <a:p>
+                      <a:r>
+                        <a:rPr lang="de-DE" sz="1600" smtClean="0">
+                          <a:solidFill>
+                            <a:schemeClr val="bg1">
+                              <a:lumMod val="50000"/>
+                            </a:schemeClr>
+                          </a:solidFill>
+                        </a:rPr>
+                        <a:t>A</a:t>
+                      </a:r>
+                      <a:endParaRPr lang="de-DE" sz="1600">
+                        <a:solidFill>
+                          <a:schemeClr val="bg1">
+                            <a:lumMod val="50000"/>
+                          </a:schemeClr>
+                        </a:solidFill>
+                      </a:endParaRPr>
+                    </a:p>
+                  </a:txBody>
+                  <a:tcPr/>
+                </a:tc>
+                <a:tc>
+                  <a:txBody>
+                    <a:bodyPr/>
+                    <a:lstStyle/>
+                    <a:p>
+                      <a:r>
+                        <a:rPr lang="de-DE" sz="1600" smtClean="0">
+                          <a:solidFill>
+                            <a:schemeClr val="bg1">
+                              <a:lumMod val="50000"/>
+                            </a:schemeClr>
+                          </a:solidFill>
+                        </a:rPr>
+                        <a:t>A</a:t>
+                      </a:r>
+                      <a:endParaRPr lang="de-DE" sz="1600">
+                        <a:solidFill>
+                          <a:schemeClr val="bg1">
+                            <a:lumMod val="50000"/>
+                          </a:schemeClr>
+                        </a:solidFill>
+                      </a:endParaRPr>
+                    </a:p>
+                  </a:txBody>
+                  <a:tcPr>
+                    <a:lnR w="76200" cap="flat" cmpd="sng" algn="ctr">
+                      <a:solidFill>
+                        <a:schemeClr val="bg1"/>
+                      </a:solidFill>
+                      <a:prstDash val="solid"/>
+                      <a:round/>
+                      <a:headEnd type="none" w="med" len="med"/>
+                      <a:tailEnd type="none" w="med" len="med"/>
+                    </a:lnR>
+                  </a:tcPr>
+                </a:tc>
+                <a:tc>
+                  <a:txBody>
+                    <a:bodyPr/>
+                    <a:lstStyle/>
+                    <a:p>
+                      <a:r>
+                        <a:rPr lang="de-DE" sz="1600" b="1" smtClean="0"/>
+                        <a:t>R</a:t>
+                      </a:r>
+                      <a:endParaRPr lang="de-DE" sz="1600" b="1"/>
+                    </a:p>
+                  </a:txBody>
+                  <a:tcPr>
+                    <a:lnL w="76200" cap="flat" cmpd="sng" algn="ctr">
+                      <a:solidFill>
+                        <a:schemeClr val="bg1"/>
+                      </a:solidFill>
+                      <a:prstDash val="solid"/>
+                      <a:round/>
+                      <a:headEnd type="none" w="med" len="med"/>
+                      <a:tailEnd type="none" w="med" len="med"/>
+                    </a:lnL>
+                    <a:lnR w="76200" cap="flat" cmpd="sng" algn="ctr">
+                      <a:solidFill>
+                        <a:schemeClr val="bg1"/>
+                      </a:solidFill>
+                      <a:prstDash val="solid"/>
+                      <a:round/>
+                      <a:headEnd type="none" w="med" len="med"/>
+                      <a:tailEnd type="none" w="med" len="med"/>
+                    </a:lnR>
+                  </a:tcPr>
+                </a:tc>
+              </a:tr>
+              <a:tr h="324000">
+                <a:tc>
+                  <a:txBody>
+                    <a:bodyPr/>
+                    <a:lstStyle/>
+                    <a:p>
+                      <a:r>
+                        <a:rPr lang="de-DE" sz="1600" b="1" smtClean="0">
+                          <a:solidFill>
+                            <a:schemeClr val="bg1"/>
+                          </a:solidFill>
+                        </a:rPr>
+                        <a:t>D</a:t>
+                      </a:r>
+                      <a:endParaRPr lang="de-DE" sz="1600" b="1">
+                        <a:solidFill>
+                          <a:schemeClr val="bg1"/>
+                        </a:solidFill>
+                      </a:endParaRPr>
+                    </a:p>
+                  </a:txBody>
+                  <a:tcPr>
+                    <a:solidFill>
+                      <a:schemeClr val="accent1"/>
+                    </a:solidFill>
+                  </a:tcPr>
+                </a:tc>
+                <a:tc>
+                  <a:txBody>
+                    <a:bodyPr/>
+                    <a:lstStyle/>
+                    <a:p>
+                      <a:r>
+                        <a:rPr lang="de-DE" sz="1600" smtClean="0"/>
+                        <a:t>R</a:t>
+                      </a:r>
+                      <a:endParaRPr lang="de-DE" sz="1600"/>
+                    </a:p>
+                  </a:txBody>
+                  <a:tcPr/>
+                </a:tc>
+                <a:tc>
+                  <a:txBody>
+                    <a:bodyPr/>
+                    <a:lstStyle/>
+                    <a:p>
+                      <a:r>
+                        <a:rPr lang="de-DE" sz="1600" smtClean="0"/>
+                        <a:t>R</a:t>
+                      </a:r>
+                      <a:endParaRPr lang="de-DE" sz="1600"/>
+                    </a:p>
+                  </a:txBody>
+                  <a:tcPr/>
+                </a:tc>
+                <a:tc>
+                  <a:txBody>
+                    <a:bodyPr/>
+                    <a:lstStyle/>
+                    <a:p>
+                      <a:r>
+                        <a:rPr lang="de-DE" sz="1600" smtClean="0"/>
+                        <a:t>R</a:t>
+                      </a:r>
+                      <a:endParaRPr lang="de-DE" sz="1600"/>
+                    </a:p>
+                  </a:txBody>
+                  <a:tcPr/>
+                </a:tc>
+                <a:tc>
+                  <a:txBody>
+                    <a:bodyPr/>
+                    <a:lstStyle/>
+                    <a:p>
+                      <a:r>
+                        <a:rPr lang="de-DE" sz="1600" smtClean="0"/>
+                        <a:t>R</a:t>
+                      </a:r>
+                      <a:endParaRPr lang="de-DE" sz="1600"/>
+                    </a:p>
+                  </a:txBody>
+                  <a:tcPr/>
+                </a:tc>
+                <a:tc>
+                  <a:txBody>
+                    <a:bodyPr/>
+                    <a:lstStyle/>
+                    <a:p>
+                      <a:r>
+                        <a:rPr lang="de-DE" sz="1600" smtClean="0"/>
+                        <a:t>R</a:t>
+                      </a:r>
+                      <a:endParaRPr lang="de-DE" sz="1600"/>
+                    </a:p>
+                  </a:txBody>
+                  <a:tcPr/>
+                </a:tc>
+                <a:tc>
+                  <a:txBody>
+                    <a:bodyPr/>
+                    <a:lstStyle/>
+                    <a:p>
+                      <a:r>
+                        <a:rPr lang="de-DE" sz="1600" smtClean="0">
+                          <a:solidFill>
+                            <a:schemeClr val="bg1">
+                              <a:lumMod val="50000"/>
+                            </a:schemeClr>
+                          </a:solidFill>
+                        </a:rPr>
+                        <a:t>A</a:t>
+                      </a:r>
+                      <a:endParaRPr lang="de-DE" sz="1600">
+                        <a:solidFill>
+                          <a:schemeClr val="bg1">
+                            <a:lumMod val="50000"/>
+                          </a:schemeClr>
+                        </a:solidFill>
+                      </a:endParaRPr>
+                    </a:p>
+                  </a:txBody>
+                  <a:tcPr/>
+                </a:tc>
+                <a:tc>
+                  <a:txBody>
+                    <a:bodyPr/>
+                    <a:lstStyle/>
+                    <a:p>
+                      <a:r>
+                        <a:rPr lang="de-DE" sz="1600" smtClean="0">
+                          <a:solidFill>
+                            <a:schemeClr val="bg1">
+                              <a:lumMod val="50000"/>
+                            </a:schemeClr>
+                          </a:solidFill>
+                        </a:rPr>
+                        <a:t>A</a:t>
+                      </a:r>
+                      <a:endParaRPr lang="de-DE" sz="1600">
+                        <a:solidFill>
+                          <a:schemeClr val="bg1">
+                            <a:lumMod val="50000"/>
+                          </a:schemeClr>
+                        </a:solidFill>
+                      </a:endParaRPr>
+                    </a:p>
+                  </a:txBody>
+                  <a:tcPr>
+                    <a:lnR w="76200" cap="flat" cmpd="sng" algn="ctr">
+                      <a:solidFill>
+                        <a:schemeClr val="bg1"/>
+                      </a:solidFill>
+                      <a:prstDash val="solid"/>
+                      <a:round/>
+                      <a:headEnd type="none" w="med" len="med"/>
+                      <a:tailEnd type="none" w="med" len="med"/>
+                    </a:lnR>
+                  </a:tcPr>
+                </a:tc>
+                <a:tc>
+                  <a:txBody>
+                    <a:bodyPr/>
+                    <a:lstStyle/>
+                    <a:p>
+                      <a:r>
+                        <a:rPr lang="de-DE" sz="1600" b="1" smtClean="0"/>
+                        <a:t>R</a:t>
+                      </a:r>
+                      <a:endParaRPr lang="de-DE" sz="1600" b="1"/>
+                    </a:p>
+                  </a:txBody>
+                  <a:tcPr>
+                    <a:lnL w="76200" cap="flat" cmpd="sng" algn="ctr">
+                      <a:solidFill>
+                        <a:schemeClr val="bg1"/>
+                      </a:solidFill>
+                      <a:prstDash val="solid"/>
+                      <a:round/>
+                      <a:headEnd type="none" w="med" len="med"/>
+                      <a:tailEnd type="none" w="med" len="med"/>
+                    </a:lnL>
+                    <a:lnR w="76200" cap="flat" cmpd="sng" algn="ctr">
+                      <a:solidFill>
+                        <a:schemeClr val="bg1"/>
+                      </a:solidFill>
+                      <a:prstDash val="solid"/>
+                      <a:round/>
+                      <a:headEnd type="none" w="med" len="med"/>
+                      <a:tailEnd type="none" w="med" len="med"/>
+                    </a:lnR>
+                  </a:tcPr>
+                </a:tc>
+              </a:tr>
+              <a:tr h="324000">
+                <a:tc>
+                  <a:txBody>
+                    <a:bodyPr/>
+                    <a:lstStyle/>
+                    <a:p>
+                      <a:r>
+                        <a:rPr lang="de-DE" sz="1600" b="1" smtClean="0">
+                          <a:solidFill>
+                            <a:schemeClr val="bg1"/>
+                          </a:solidFill>
+                        </a:rPr>
+                        <a:t>E</a:t>
+                      </a:r>
+                      <a:endParaRPr lang="de-DE" sz="1600" b="1">
+                        <a:solidFill>
+                          <a:schemeClr val="bg1"/>
+                        </a:solidFill>
+                      </a:endParaRPr>
+                    </a:p>
+                  </a:txBody>
+                  <a:tcPr>
+                    <a:solidFill>
+                      <a:schemeClr val="accent1"/>
+                    </a:solidFill>
+                  </a:tcPr>
+                </a:tc>
+                <a:tc>
+                  <a:txBody>
+                    <a:bodyPr/>
+                    <a:lstStyle/>
+                    <a:p>
+                      <a:r>
+                        <a:rPr lang="de-DE" sz="1600"/>
+                        <a:t>R</a:t>
+                      </a:r>
+                      <a:endParaRPr lang="de-DE" sz="1600" smtClean="0"/>
+                    </a:p>
+                  </a:txBody>
+                  <a:tcPr/>
+                </a:tc>
+                <a:tc>
+                  <a:txBody>
+                    <a:bodyPr/>
+                    <a:lstStyle/>
+                    <a:p>
+                      <a:r>
+                        <a:rPr lang="de-DE" sz="1600"/>
+                        <a:t>R</a:t>
+                      </a:r>
+                      <a:endParaRPr lang="de-DE" sz="1600" smtClean="0"/>
+                    </a:p>
+                  </a:txBody>
+                  <a:tcPr/>
+                </a:tc>
+                <a:tc>
+                  <a:txBody>
+                    <a:bodyPr/>
+                    <a:lstStyle/>
+                    <a:p>
+                      <a:r>
+                        <a:rPr lang="de-DE" sz="1600"/>
+                        <a:t>R</a:t>
+                      </a:r>
+                      <a:endParaRPr lang="de-DE" sz="1600" smtClean="0"/>
+                    </a:p>
+                  </a:txBody>
+                  <a:tcPr/>
+                </a:tc>
+                <a:tc>
+                  <a:txBody>
+                    <a:bodyPr/>
+                    <a:lstStyle/>
+                    <a:p>
+                      <a:r>
+                        <a:rPr lang="de-DE" sz="1600"/>
+                        <a:t>R</a:t>
+                      </a:r>
+                      <a:endParaRPr lang="de-DE" sz="1600" smtClean="0"/>
+                    </a:p>
+                  </a:txBody>
+                  <a:tcPr/>
+                </a:tc>
+                <a:tc>
+                  <a:txBody>
+                    <a:bodyPr/>
+                    <a:lstStyle/>
+                    <a:p>
+                      <a:r>
+                        <a:rPr lang="de-DE" sz="1600"/>
+                        <a:t>R</a:t>
+                      </a:r>
+                      <a:endParaRPr lang="de-DE" sz="1600" smtClean="0"/>
+                    </a:p>
+                  </a:txBody>
+                  <a:tcPr/>
+                </a:tc>
+                <a:tc>
+                  <a:txBody>
+                    <a:bodyPr/>
+                    <a:lstStyle/>
+                    <a:p>
+                      <a:r>
+                        <a:rPr lang="de-DE" sz="1600" smtClean="0">
+                          <a:solidFill>
+                            <a:schemeClr val="bg1">
+                              <a:lumMod val="50000"/>
+                            </a:schemeClr>
+                          </a:solidFill>
+                        </a:rPr>
+                        <a:t>A</a:t>
+                      </a:r>
+                      <a:endParaRPr lang="de-DE" sz="1600">
+                        <a:solidFill>
+                          <a:schemeClr val="bg1">
+                            <a:lumMod val="50000"/>
+                          </a:schemeClr>
+                        </a:solidFill>
+                      </a:endParaRPr>
+                    </a:p>
+                  </a:txBody>
+                  <a:tcPr/>
+                </a:tc>
+                <a:tc>
+                  <a:txBody>
+                    <a:bodyPr/>
+                    <a:lstStyle/>
+                    <a:p>
+                      <a:r>
+                        <a:rPr lang="de-DE" sz="1600" smtClean="0">
+                          <a:solidFill>
+                            <a:schemeClr val="bg1">
+                              <a:lumMod val="50000"/>
+                            </a:schemeClr>
+                          </a:solidFill>
+                        </a:rPr>
+                        <a:t>A</a:t>
+                      </a:r>
+                      <a:endParaRPr lang="de-DE" sz="1600">
+                        <a:solidFill>
+                          <a:schemeClr val="bg1">
+                            <a:lumMod val="50000"/>
+                          </a:schemeClr>
+                        </a:solidFill>
+                      </a:endParaRPr>
+                    </a:p>
+                  </a:txBody>
+                  <a:tcPr>
+                    <a:lnR w="76200" cap="flat" cmpd="sng" algn="ctr">
+                      <a:solidFill>
+                        <a:schemeClr val="bg1"/>
+                      </a:solidFill>
+                      <a:prstDash val="solid"/>
+                      <a:round/>
+                      <a:headEnd type="none" w="med" len="med"/>
+                      <a:tailEnd type="none" w="med" len="med"/>
+                    </a:lnR>
+                  </a:tcPr>
+                </a:tc>
+                <a:tc>
+                  <a:txBody>
+                    <a:bodyPr/>
+                    <a:lstStyle/>
+                    <a:p>
+                      <a:r>
+                        <a:rPr lang="de-DE" sz="1600" b="1" smtClean="0"/>
+                        <a:t>R</a:t>
+                      </a:r>
+                      <a:endParaRPr lang="de-DE" sz="1600" b="1"/>
+                    </a:p>
+                  </a:txBody>
+                  <a:tcPr>
+                    <a:lnL w="76200" cap="flat" cmpd="sng" algn="ctr">
+                      <a:solidFill>
+                        <a:schemeClr val="bg1"/>
+                      </a:solidFill>
+                      <a:prstDash val="solid"/>
+                      <a:round/>
+                      <a:headEnd type="none" w="med" len="med"/>
+                      <a:tailEnd type="none" w="med" len="med"/>
+                    </a:lnL>
+                    <a:lnR w="76200" cap="flat" cmpd="sng" algn="ctr">
+                      <a:solidFill>
+                        <a:schemeClr val="bg1"/>
+                      </a:solidFill>
+                      <a:prstDash val="solid"/>
+                      <a:round/>
+                      <a:headEnd type="none" w="med" len="med"/>
+                      <a:tailEnd type="none" w="med" len="med"/>
+                    </a:lnR>
+                  </a:tcPr>
+                </a:tc>
+              </a:tr>
+              <a:tr h="324000">
+                <a:tc>
+                  <a:txBody>
+                    <a:bodyPr/>
+                    <a:lstStyle/>
+                    <a:p>
+                      <a:r>
+                        <a:rPr lang="de-DE" sz="1600" b="1" smtClean="0">
+                          <a:solidFill>
+                            <a:srgbClr val="FF0000"/>
+                          </a:solidFill>
+                        </a:rPr>
+                        <a:t>F</a:t>
+                      </a:r>
+                      <a:endParaRPr lang="de-DE" sz="1600" b="1">
+                        <a:solidFill>
+                          <a:srgbClr val="FF0000"/>
+                        </a:solidFill>
+                      </a:endParaRPr>
+                    </a:p>
+                  </a:txBody>
+                  <a:tcPr>
+                    <a:solidFill>
+                      <a:schemeClr val="accent1"/>
+                    </a:solidFill>
+                  </a:tcPr>
+                </a:tc>
+                <a:tc>
+                  <a:txBody>
+                    <a:bodyPr/>
+                    <a:lstStyle/>
+                    <a:p>
+                      <a:r>
+                        <a:rPr lang="de-DE" sz="1600" smtClean="0">
+                          <a:solidFill>
+                            <a:schemeClr val="bg1">
+                              <a:lumMod val="50000"/>
+                            </a:schemeClr>
+                          </a:solidFill>
+                        </a:rPr>
+                        <a:t>A</a:t>
+                      </a:r>
+                      <a:endParaRPr lang="de-DE" sz="1600">
+                        <a:solidFill>
+                          <a:schemeClr val="bg1">
+                            <a:lumMod val="50000"/>
+                          </a:schemeClr>
+                        </a:solidFill>
+                      </a:endParaRPr>
+                    </a:p>
+                  </a:txBody>
+                  <a:tcPr/>
+                </a:tc>
+                <a:tc>
+                  <a:txBody>
+                    <a:bodyPr/>
+                    <a:lstStyle/>
+                    <a:p>
+                      <a:r>
+                        <a:rPr lang="de-DE" sz="1600" smtClean="0">
+                          <a:solidFill>
+                            <a:schemeClr val="bg1">
+                              <a:lumMod val="50000"/>
+                            </a:schemeClr>
+                          </a:solidFill>
+                        </a:rPr>
+                        <a:t>A</a:t>
+                      </a:r>
+                      <a:endParaRPr lang="de-DE" sz="1600">
+                        <a:solidFill>
+                          <a:schemeClr val="bg1">
+                            <a:lumMod val="50000"/>
+                          </a:schemeClr>
+                        </a:solidFill>
+                      </a:endParaRPr>
+                    </a:p>
+                  </a:txBody>
+                  <a:tcPr/>
+                </a:tc>
+                <a:tc>
+                  <a:txBody>
+                    <a:bodyPr/>
+                    <a:lstStyle/>
+                    <a:p>
+                      <a:r>
+                        <a:rPr lang="de-DE" sz="1600" smtClean="0">
+                          <a:solidFill>
+                            <a:schemeClr val="bg1">
+                              <a:lumMod val="50000"/>
+                            </a:schemeClr>
+                          </a:solidFill>
+                        </a:rPr>
+                        <a:t>R</a:t>
+                      </a:r>
+                      <a:endParaRPr lang="de-DE" sz="1600">
+                        <a:solidFill>
+                          <a:schemeClr val="bg1">
+                            <a:lumMod val="50000"/>
+                          </a:schemeClr>
+                        </a:solidFill>
+                      </a:endParaRPr>
+                    </a:p>
+                  </a:txBody>
+                  <a:tcPr/>
+                </a:tc>
+                <a:tc>
+                  <a:txBody>
+                    <a:bodyPr/>
+                    <a:lstStyle/>
+                    <a:p>
+                      <a:r>
+                        <a:rPr lang="de-DE" sz="1600" smtClean="0">
+                          <a:solidFill>
+                            <a:schemeClr val="bg1">
+                              <a:lumMod val="50000"/>
+                            </a:schemeClr>
+                          </a:solidFill>
+                        </a:rPr>
+                        <a:t>R</a:t>
+                      </a:r>
+                      <a:endParaRPr lang="de-DE" sz="1600">
+                        <a:solidFill>
+                          <a:schemeClr val="bg1">
+                            <a:lumMod val="50000"/>
+                          </a:schemeClr>
+                        </a:solidFill>
+                      </a:endParaRPr>
+                    </a:p>
+                  </a:txBody>
+                  <a:tcPr/>
+                </a:tc>
+                <a:tc>
+                  <a:txBody>
+                    <a:bodyPr/>
+                    <a:lstStyle/>
+                    <a:p>
+                      <a:r>
+                        <a:rPr lang="de-DE" sz="1600" smtClean="0">
+                          <a:solidFill>
+                            <a:schemeClr val="bg1">
+                              <a:lumMod val="50000"/>
+                            </a:schemeClr>
+                          </a:solidFill>
+                        </a:rPr>
+                        <a:t>R</a:t>
+                      </a:r>
+                      <a:endParaRPr lang="de-DE" sz="1600">
+                        <a:solidFill>
+                          <a:schemeClr val="bg1">
+                            <a:lumMod val="50000"/>
+                          </a:schemeClr>
+                        </a:solidFill>
+                      </a:endParaRPr>
+                    </a:p>
+                  </a:txBody>
+                  <a:tcPr/>
+                </a:tc>
+                <a:tc>
+                  <a:txBody>
+                    <a:bodyPr/>
+                    <a:lstStyle/>
+                    <a:p>
+                      <a:r>
+                        <a:rPr lang="de-DE" sz="1600" smtClean="0">
+                          <a:solidFill>
+                            <a:schemeClr val="bg1">
+                              <a:lumMod val="50000"/>
+                            </a:schemeClr>
+                          </a:solidFill>
+                        </a:rPr>
+                        <a:t>A</a:t>
+                      </a:r>
+                      <a:endParaRPr lang="de-DE" sz="1600">
+                        <a:solidFill>
+                          <a:schemeClr val="bg1">
+                            <a:lumMod val="50000"/>
+                          </a:schemeClr>
+                        </a:solidFill>
+                      </a:endParaRPr>
+                    </a:p>
+                  </a:txBody>
+                  <a:tcPr/>
+                </a:tc>
+                <a:tc>
+                  <a:txBody>
+                    <a:bodyPr/>
+                    <a:lstStyle/>
+                    <a:p>
+                      <a:r>
+                        <a:rPr lang="de-DE" sz="1600" smtClean="0">
+                          <a:solidFill>
+                            <a:schemeClr val="bg1">
+                              <a:lumMod val="50000"/>
+                            </a:schemeClr>
+                          </a:solidFill>
+                        </a:rPr>
+                        <a:t>A</a:t>
+                      </a:r>
+                      <a:endParaRPr lang="de-DE" sz="1600">
+                        <a:solidFill>
+                          <a:schemeClr val="bg1">
+                            <a:lumMod val="50000"/>
+                          </a:schemeClr>
+                        </a:solidFill>
+                      </a:endParaRPr>
+                    </a:p>
+                  </a:txBody>
+                  <a:tcPr>
+                    <a:lnR w="76200" cap="flat" cmpd="sng" algn="ctr">
+                      <a:solidFill>
+                        <a:schemeClr val="bg1"/>
+                      </a:solidFill>
+                      <a:prstDash val="solid"/>
+                      <a:round/>
+                      <a:headEnd type="none" w="med" len="med"/>
+                      <a:tailEnd type="none" w="med" len="med"/>
+                    </a:lnR>
+                  </a:tcPr>
+                </a:tc>
+                <a:tc>
+                  <a:txBody>
+                    <a:bodyPr/>
+                    <a:lstStyle/>
+                    <a:p>
+                      <a:endParaRPr lang="de-DE" sz="1600" b="1"/>
+                    </a:p>
+                  </a:txBody>
+                  <a:tcPr>
+                    <a:lnL w="76200" cap="flat" cmpd="sng" algn="ctr">
+                      <a:solidFill>
+                        <a:schemeClr val="bg1"/>
+                      </a:solidFill>
+                      <a:prstDash val="solid"/>
+                      <a:round/>
+                      <a:headEnd type="none" w="med" len="med"/>
+                      <a:tailEnd type="none" w="med" len="med"/>
+                    </a:lnL>
+                    <a:lnR w="76200" cap="flat" cmpd="sng" algn="ctr">
+                      <a:solidFill>
+                        <a:schemeClr val="bg1"/>
+                      </a:solidFill>
+                      <a:prstDash val="solid"/>
+                      <a:round/>
+                      <a:headEnd type="none" w="med" len="med"/>
+                      <a:tailEnd type="none" w="med" len="med"/>
+                    </a:lnR>
+                  </a:tcPr>
+                </a:tc>
+              </a:tr>
+              <a:tr h="324000">
+                <a:tc>
+                  <a:txBody>
+                    <a:bodyPr/>
+                    <a:lstStyle/>
+                    <a:p>
+                      <a:r>
+                        <a:rPr lang="de-DE" sz="1600" b="1" smtClean="0">
+                          <a:solidFill>
+                            <a:srgbClr val="FF0000"/>
+                          </a:solidFill>
+                        </a:rPr>
+                        <a:t>G</a:t>
+                      </a:r>
+                      <a:endParaRPr lang="de-DE" sz="1600" b="1">
+                        <a:solidFill>
+                          <a:srgbClr val="FF0000"/>
+                        </a:solidFill>
+                      </a:endParaRPr>
+                    </a:p>
+                  </a:txBody>
+                  <a:tcPr>
+                    <a:solidFill>
+                      <a:schemeClr val="accent1"/>
+                    </a:solidFill>
+                  </a:tcPr>
+                </a:tc>
+                <a:tc>
+                  <a:txBody>
+                    <a:bodyPr/>
+                    <a:lstStyle/>
+                    <a:p>
+                      <a:r>
+                        <a:rPr lang="de-DE" sz="1600" smtClean="0">
+                          <a:solidFill>
+                            <a:schemeClr val="bg1">
+                              <a:lumMod val="50000"/>
+                            </a:schemeClr>
+                          </a:solidFill>
+                        </a:rPr>
+                        <a:t>A</a:t>
+                      </a:r>
+                      <a:endParaRPr lang="de-DE" sz="1600">
+                        <a:solidFill>
+                          <a:schemeClr val="bg1">
+                            <a:lumMod val="50000"/>
+                          </a:schemeClr>
+                        </a:solidFill>
+                      </a:endParaRPr>
+                    </a:p>
+                  </a:txBody>
+                  <a:tcPr/>
+                </a:tc>
+                <a:tc>
+                  <a:txBody>
+                    <a:bodyPr/>
+                    <a:lstStyle/>
+                    <a:p>
+                      <a:r>
+                        <a:rPr lang="de-DE" sz="1600" smtClean="0">
+                          <a:solidFill>
+                            <a:schemeClr val="bg1">
+                              <a:lumMod val="50000"/>
+                            </a:schemeClr>
+                          </a:solidFill>
+                        </a:rPr>
+                        <a:t>A</a:t>
+                      </a:r>
+                      <a:endParaRPr lang="de-DE" sz="1600">
+                        <a:solidFill>
+                          <a:schemeClr val="bg1">
+                            <a:lumMod val="50000"/>
+                          </a:schemeClr>
+                        </a:solidFill>
+                      </a:endParaRPr>
+                    </a:p>
+                  </a:txBody>
+                  <a:tcPr/>
+                </a:tc>
+                <a:tc>
+                  <a:txBody>
+                    <a:bodyPr/>
+                    <a:lstStyle/>
+                    <a:p>
+                      <a:r>
+                        <a:rPr lang="de-DE" sz="1600" smtClean="0">
+                          <a:solidFill>
+                            <a:schemeClr val="bg1">
+                              <a:lumMod val="50000"/>
+                            </a:schemeClr>
+                          </a:solidFill>
+                        </a:rPr>
+                        <a:t>R</a:t>
+                      </a:r>
+                      <a:endParaRPr lang="de-DE" sz="1600">
+                        <a:solidFill>
+                          <a:schemeClr val="bg1">
+                            <a:lumMod val="50000"/>
+                          </a:schemeClr>
+                        </a:solidFill>
+                      </a:endParaRPr>
+                    </a:p>
+                  </a:txBody>
+                  <a:tcPr/>
+                </a:tc>
+                <a:tc>
+                  <a:txBody>
+                    <a:bodyPr/>
+                    <a:lstStyle/>
+                    <a:p>
+                      <a:r>
+                        <a:rPr lang="de-DE" sz="1600" smtClean="0">
+                          <a:solidFill>
+                            <a:schemeClr val="bg1">
+                              <a:lumMod val="50000"/>
+                            </a:schemeClr>
+                          </a:solidFill>
+                        </a:rPr>
+                        <a:t>R</a:t>
+                      </a:r>
+                      <a:endParaRPr lang="de-DE" sz="1600">
+                        <a:solidFill>
+                          <a:schemeClr val="bg1">
+                            <a:lumMod val="50000"/>
+                          </a:schemeClr>
+                        </a:solidFill>
+                      </a:endParaRPr>
+                    </a:p>
+                  </a:txBody>
+                  <a:tcPr/>
+                </a:tc>
+                <a:tc>
+                  <a:txBody>
+                    <a:bodyPr/>
+                    <a:lstStyle/>
+                    <a:p>
+                      <a:r>
+                        <a:rPr lang="de-DE" sz="1600" smtClean="0">
+                          <a:solidFill>
+                            <a:schemeClr val="bg1">
+                              <a:lumMod val="50000"/>
+                            </a:schemeClr>
+                          </a:solidFill>
+                        </a:rPr>
+                        <a:t>R</a:t>
+                      </a:r>
+                      <a:endParaRPr lang="de-DE" sz="1600">
+                        <a:solidFill>
+                          <a:schemeClr val="bg1">
+                            <a:lumMod val="50000"/>
+                          </a:schemeClr>
+                        </a:solidFill>
+                      </a:endParaRPr>
+                    </a:p>
+                  </a:txBody>
+                  <a:tcPr/>
+                </a:tc>
+                <a:tc>
+                  <a:txBody>
+                    <a:bodyPr/>
+                    <a:lstStyle/>
+                    <a:p>
+                      <a:r>
+                        <a:rPr lang="de-DE" sz="1600" smtClean="0">
+                          <a:solidFill>
+                            <a:schemeClr val="bg1">
+                              <a:lumMod val="50000"/>
+                            </a:schemeClr>
+                          </a:solidFill>
+                        </a:rPr>
+                        <a:t>A</a:t>
+                      </a:r>
+                      <a:endParaRPr lang="de-DE" sz="1600">
+                        <a:solidFill>
+                          <a:schemeClr val="bg1">
+                            <a:lumMod val="50000"/>
+                          </a:schemeClr>
+                        </a:solidFill>
+                      </a:endParaRPr>
+                    </a:p>
+                  </a:txBody>
+                  <a:tcPr/>
+                </a:tc>
+                <a:tc>
+                  <a:txBody>
+                    <a:bodyPr/>
+                    <a:lstStyle/>
+                    <a:p>
+                      <a:r>
+                        <a:rPr lang="de-DE" sz="1600" smtClean="0">
+                          <a:solidFill>
+                            <a:schemeClr val="bg1">
+                              <a:lumMod val="50000"/>
+                            </a:schemeClr>
+                          </a:solidFill>
+                        </a:rPr>
+                        <a:t>A</a:t>
+                      </a:r>
+                      <a:endParaRPr lang="de-DE" sz="1600">
+                        <a:solidFill>
+                          <a:schemeClr val="bg1">
+                            <a:lumMod val="50000"/>
+                          </a:schemeClr>
+                        </a:solidFill>
+                      </a:endParaRPr>
+                    </a:p>
+                  </a:txBody>
+                  <a:tcPr>
+                    <a:lnR w="76200" cap="flat" cmpd="sng" algn="ctr">
+                      <a:solidFill>
+                        <a:schemeClr val="bg1"/>
+                      </a:solidFill>
+                      <a:prstDash val="solid"/>
+                      <a:round/>
+                      <a:headEnd type="none" w="med" len="med"/>
+                      <a:tailEnd type="none" w="med" len="med"/>
+                    </a:lnR>
+                  </a:tcPr>
+                </a:tc>
+                <a:tc>
+                  <a:txBody>
+                    <a:bodyPr/>
+                    <a:lstStyle/>
+                    <a:p>
+                      <a:endParaRPr lang="de-DE" sz="1600" b="1"/>
+                    </a:p>
+                  </a:txBody>
+                  <a:tcPr>
+                    <a:lnL w="76200" cap="flat" cmpd="sng" algn="ctr">
+                      <a:solidFill>
+                        <a:schemeClr val="bg1"/>
+                      </a:solidFill>
+                      <a:prstDash val="solid"/>
+                      <a:round/>
+                      <a:headEnd type="none" w="med" len="med"/>
+                      <a:tailEnd type="none" w="med" len="med"/>
+                    </a:lnL>
+                    <a:lnR w="76200" cap="flat" cmpd="sng" algn="ctr">
+                      <a:solidFill>
+                        <a:schemeClr val="bg1"/>
+                      </a:solidFill>
+                      <a:prstDash val="solid"/>
+                      <a:round/>
+                      <a:headEnd type="none" w="med" len="med"/>
+                      <a:tailEnd type="none" w="med" len="med"/>
+                    </a:lnR>
+                  </a:tcPr>
+                </a:tc>
+              </a:tr>
+            </a:tbl>
+          </a:graphicData>
+        </a:graphic>
+      </p:graphicFrame>
+      <p:graphicFrame>
+        <p:nvGraphicFramePr>
+          <p:cNvPr id="5" name="Tabelle 4"/>
+          <p:cNvGraphicFramePr>
+            <a:graphicFrameLocks noGrp="1"/>
+          </p:cNvGraphicFramePr>
+          <p:nvPr>
+            <p:extLst>
+              <p:ext uri="{D42A27DB-BD31-4B8C-83A1-F6EECF244321}">
+                <p14:modId xmlns:p14="http://schemas.microsoft.com/office/powerpoint/2010/main" val="2887889602"/>
+              </p:ext>
+            </p:extLst>
+          </p:nvPr>
+        </p:nvGraphicFramePr>
+        <p:xfrm>
+          <a:off x="179512" y="3789040"/>
+          <a:ext cx="4324060" cy="2880000"/>
+        </p:xfrm>
+        <a:graphic>
+          <a:graphicData uri="http://schemas.openxmlformats.org/drawingml/2006/table">
+            <a:tbl>
+              <a:tblPr firstRow="1" bandRow="1">
+                <a:tableStyleId>{5C22544A-7EE6-4342-B048-85BDC9FD1C3A}</a:tableStyleId>
+              </a:tblPr>
+              <a:tblGrid>
+                <a:gridCol w="648000"/>
+                <a:gridCol w="432580"/>
+                <a:gridCol w="432580"/>
+                <a:gridCol w="432580"/>
+                <a:gridCol w="432580"/>
+                <a:gridCol w="432580"/>
+                <a:gridCol w="432580"/>
+                <a:gridCol w="432580"/>
+                <a:gridCol w="648000"/>
+              </a:tblGrid>
+              <a:tr h="360000">
+                <a:tc>
+                  <a:txBody>
+                    <a:bodyPr/>
+                    <a:lstStyle/>
+                    <a:p>
+                      <a:r>
+                        <a:rPr lang="de-DE" sz="1600" smtClean="0"/>
+                        <a:t>C,D,E</a:t>
+                      </a:r>
+                      <a:endParaRPr lang="de-DE" sz="1600"/>
+                    </a:p>
+                  </a:txBody>
+                  <a:tcPr>
+                    <a:solidFill>
+                      <a:schemeClr val="tx1"/>
+                    </a:solidFill>
+                  </a:tcPr>
+                </a:tc>
+                <a:tc>
+                  <a:txBody>
+                    <a:bodyPr/>
+                    <a:lstStyle/>
+                    <a:p>
+                      <a:r>
+                        <a:rPr lang="de-DE" sz="1600" smtClean="0"/>
+                        <a:t>A</a:t>
+                      </a:r>
+                      <a:endParaRPr lang="de-DE" sz="1600"/>
+                    </a:p>
+                  </a:txBody>
+                  <a:tcPr/>
+                </a:tc>
+                <a:tc>
+                  <a:txBody>
+                    <a:bodyPr/>
+                    <a:lstStyle/>
+                    <a:p>
+                      <a:r>
+                        <a:rPr lang="de-DE" sz="1600" smtClean="0"/>
+                        <a:t>B</a:t>
+                      </a:r>
+                      <a:endParaRPr lang="de-DE" sz="1600"/>
+                    </a:p>
+                  </a:txBody>
+                  <a:tcPr/>
+                </a:tc>
+                <a:tc>
+                  <a:txBody>
+                    <a:bodyPr/>
+                    <a:lstStyle/>
+                    <a:p>
+                      <a:r>
+                        <a:rPr lang="de-DE" sz="1600" smtClean="0"/>
+                        <a:t>C</a:t>
+                      </a:r>
+                      <a:endParaRPr lang="de-DE" sz="1600"/>
+                    </a:p>
+                  </a:txBody>
+                  <a:tcPr/>
+                </a:tc>
+                <a:tc>
+                  <a:txBody>
+                    <a:bodyPr/>
+                    <a:lstStyle/>
+                    <a:p>
+                      <a:r>
+                        <a:rPr lang="de-DE" sz="1600" smtClean="0"/>
+                        <a:t>D</a:t>
+                      </a:r>
+                      <a:endParaRPr lang="de-DE" sz="1600"/>
+                    </a:p>
+                  </a:txBody>
+                  <a:tcPr/>
+                </a:tc>
+                <a:tc>
+                  <a:txBody>
+                    <a:bodyPr/>
+                    <a:lstStyle/>
+                    <a:p>
+                      <a:r>
+                        <a:rPr lang="de-DE" sz="1600" smtClean="0"/>
+                        <a:t>E</a:t>
+                      </a:r>
+                      <a:endParaRPr lang="de-DE" sz="1600"/>
+                    </a:p>
+                  </a:txBody>
+                  <a:tcPr/>
+                </a:tc>
+                <a:tc>
+                  <a:txBody>
+                    <a:bodyPr/>
+                    <a:lstStyle/>
+                    <a:p>
+                      <a:r>
+                        <a:rPr lang="de-DE" sz="1600" smtClean="0">
+                          <a:solidFill>
+                            <a:srgbClr val="FF0000"/>
+                          </a:solidFill>
+                        </a:rPr>
+                        <a:t>F</a:t>
+                      </a:r>
+                      <a:endParaRPr lang="de-DE" sz="1600">
+                        <a:solidFill>
+                          <a:srgbClr val="FF0000"/>
+                        </a:solidFill>
+                      </a:endParaRPr>
+                    </a:p>
+                  </a:txBody>
+                  <a:tcPr/>
+                </a:tc>
+                <a:tc>
+                  <a:txBody>
+                    <a:bodyPr/>
+                    <a:lstStyle/>
+                    <a:p>
+                      <a:r>
+                        <a:rPr lang="de-DE" sz="1600" smtClean="0">
+                          <a:solidFill>
+                            <a:srgbClr val="FF0000"/>
+                          </a:solidFill>
+                        </a:rPr>
+                        <a:t>G</a:t>
+                      </a:r>
+                      <a:endParaRPr lang="de-DE" sz="1600">
+                        <a:solidFill>
+                          <a:srgbClr val="FF0000"/>
+                        </a:solidFill>
+                      </a:endParaRPr>
+                    </a:p>
+                  </a:txBody>
+                  <a:tcPr>
+                    <a:lnR w="76200" cap="flat" cmpd="sng" algn="ctr">
+                      <a:solidFill>
+                        <a:schemeClr val="bg1"/>
+                      </a:solidFill>
+                      <a:prstDash val="solid"/>
+                      <a:round/>
+                      <a:headEnd type="none" w="med" len="med"/>
+                      <a:tailEnd type="none" w="med" len="med"/>
+                    </a:lnR>
+                  </a:tcPr>
+                </a:tc>
+                <a:tc>
+                  <a:txBody>
+                    <a:bodyPr/>
+                    <a:lstStyle/>
+                    <a:p>
+                      <a:r>
+                        <a:rPr lang="de-DE" sz="1600" smtClean="0">
+                          <a:solidFill>
+                            <a:schemeClr val="bg1"/>
+                          </a:solidFill>
+                        </a:rPr>
+                        <a:t>Res.</a:t>
+                      </a:r>
+                      <a:endParaRPr lang="de-DE" sz="1600">
+                        <a:solidFill>
+                          <a:schemeClr val="bg1"/>
+                        </a:solidFill>
+                      </a:endParaRPr>
+                    </a:p>
+                  </a:txBody>
+                  <a:tcPr>
+                    <a:lnL w="76200" cap="flat" cmpd="sng" algn="ctr">
+                      <a:solidFill>
+                        <a:schemeClr val="bg1"/>
+                      </a:solidFill>
+                      <a:prstDash val="solid"/>
+                      <a:round/>
+                      <a:headEnd type="none" w="med" len="med"/>
+                      <a:tailEnd type="none" w="med" len="med"/>
+                    </a:lnL>
+                    <a:lnR w="76200" cap="flat" cmpd="sng" algn="ctr">
+                      <a:solidFill>
+                        <a:schemeClr val="bg1"/>
+                      </a:solidFill>
+                      <a:prstDash val="solid"/>
+                      <a:round/>
+                      <a:headEnd type="none" w="med" len="med"/>
+                      <a:tailEnd type="none" w="med" len="med"/>
+                    </a:lnR>
+                  </a:tcPr>
+                </a:tc>
+              </a:tr>
+              <a:tr h="360000">
+                <a:tc>
+                  <a:txBody>
+                    <a:bodyPr/>
+                    <a:lstStyle/>
+                    <a:p>
+                      <a:r>
+                        <a:rPr lang="de-DE" sz="1600" b="1" smtClean="0">
+                          <a:solidFill>
+                            <a:schemeClr val="bg1"/>
+                          </a:solidFill>
+                        </a:rPr>
+                        <a:t>A</a:t>
+                      </a:r>
+                      <a:endParaRPr lang="de-DE" sz="1600" b="1">
+                        <a:solidFill>
+                          <a:schemeClr val="bg1"/>
+                        </a:solidFill>
+                      </a:endParaRPr>
+                    </a:p>
+                  </a:txBody>
+                  <a:tcPr>
+                    <a:solidFill>
+                      <a:schemeClr val="accent1"/>
+                    </a:solidFill>
+                  </a:tcPr>
+                </a:tc>
+                <a:tc>
+                  <a:txBody>
+                    <a:bodyPr/>
+                    <a:lstStyle/>
+                    <a:p>
+                      <a:r>
+                        <a:rPr lang="de-DE" sz="1600" smtClean="0"/>
+                        <a:t>A</a:t>
+                      </a:r>
+                      <a:endParaRPr lang="de-DE" sz="1600"/>
+                    </a:p>
+                  </a:txBody>
+                  <a:tcPr/>
+                </a:tc>
+                <a:tc>
+                  <a:txBody>
+                    <a:bodyPr/>
+                    <a:lstStyle/>
+                    <a:p>
+                      <a:r>
+                        <a:rPr lang="de-DE" sz="1600" smtClean="0"/>
+                        <a:t>A</a:t>
+                      </a:r>
+                      <a:endParaRPr lang="de-DE" sz="1600"/>
+                    </a:p>
+                  </a:txBody>
+                  <a:tcPr/>
+                </a:tc>
+                <a:tc>
+                  <a:txBody>
+                    <a:bodyPr/>
+                    <a:lstStyle/>
+                    <a:p>
+                      <a:r>
+                        <a:rPr lang="de-DE" sz="1600" smtClean="0"/>
+                        <a:t>A</a:t>
+                      </a:r>
+                      <a:endParaRPr lang="de-DE" sz="1600"/>
+                    </a:p>
+                  </a:txBody>
+                  <a:tcPr/>
+                </a:tc>
+                <a:tc>
+                  <a:txBody>
+                    <a:bodyPr/>
+                    <a:lstStyle/>
+                    <a:p>
+                      <a:r>
+                        <a:rPr lang="de-DE" sz="1600" smtClean="0"/>
+                        <a:t>A</a:t>
+                      </a:r>
+                      <a:endParaRPr lang="de-DE" sz="1600"/>
+                    </a:p>
+                  </a:txBody>
+                  <a:tcPr/>
+                </a:tc>
+                <a:tc>
+                  <a:txBody>
+                    <a:bodyPr/>
+                    <a:lstStyle/>
+                    <a:p>
+                      <a:r>
+                        <a:rPr lang="de-DE" sz="1600" smtClean="0"/>
+                        <a:t>A</a:t>
+                      </a:r>
+                      <a:endParaRPr lang="de-DE" sz="1600"/>
+                    </a:p>
+                  </a:txBody>
+                  <a:tcPr/>
+                </a:tc>
+                <a:tc>
+                  <a:txBody>
+                    <a:bodyPr/>
+                    <a:lstStyle/>
+                    <a:p>
+                      <a:r>
+                        <a:rPr lang="de-DE" sz="1600" smtClean="0">
+                          <a:solidFill>
+                            <a:schemeClr val="bg1">
+                              <a:lumMod val="50000"/>
+                            </a:schemeClr>
+                          </a:solidFill>
+                        </a:rPr>
+                        <a:t>R</a:t>
+                      </a:r>
+                      <a:endParaRPr lang="de-DE" sz="1600">
+                        <a:solidFill>
+                          <a:schemeClr val="bg1">
+                            <a:lumMod val="50000"/>
+                          </a:schemeClr>
+                        </a:solidFill>
+                      </a:endParaRPr>
+                    </a:p>
+                  </a:txBody>
+                  <a:tcPr/>
+                </a:tc>
+                <a:tc>
+                  <a:txBody>
+                    <a:bodyPr/>
+                    <a:lstStyle/>
+                    <a:p>
+                      <a:r>
+                        <a:rPr lang="de-DE" sz="1600" smtClean="0">
+                          <a:solidFill>
+                            <a:schemeClr val="bg1">
+                              <a:lumMod val="50000"/>
+                            </a:schemeClr>
+                          </a:solidFill>
+                        </a:rPr>
+                        <a:t>R</a:t>
+                      </a:r>
+                      <a:endParaRPr lang="de-DE" sz="1600">
+                        <a:solidFill>
+                          <a:schemeClr val="bg1">
+                            <a:lumMod val="50000"/>
+                          </a:schemeClr>
+                        </a:solidFill>
+                      </a:endParaRPr>
+                    </a:p>
+                  </a:txBody>
+                  <a:tcPr>
+                    <a:lnR w="76200" cap="flat" cmpd="sng" algn="ctr">
+                      <a:solidFill>
+                        <a:schemeClr val="bg1"/>
+                      </a:solidFill>
+                      <a:prstDash val="solid"/>
+                      <a:round/>
+                      <a:headEnd type="none" w="med" len="med"/>
+                      <a:tailEnd type="none" w="med" len="med"/>
+                    </a:lnR>
+                  </a:tcPr>
+                </a:tc>
+                <a:tc>
+                  <a:txBody>
+                    <a:bodyPr/>
+                    <a:lstStyle/>
+                    <a:p>
+                      <a:r>
+                        <a:rPr lang="de-DE" sz="1600" smtClean="0"/>
+                        <a:t>A</a:t>
+                      </a:r>
+                      <a:endParaRPr lang="de-DE" sz="1600"/>
+                    </a:p>
+                  </a:txBody>
+                  <a:tcPr>
+                    <a:lnL w="76200" cap="flat" cmpd="sng" algn="ctr">
+                      <a:solidFill>
+                        <a:schemeClr val="bg1"/>
+                      </a:solidFill>
+                      <a:prstDash val="solid"/>
+                      <a:round/>
+                      <a:headEnd type="none" w="med" len="med"/>
+                      <a:tailEnd type="none" w="med" len="med"/>
+                    </a:lnL>
+                    <a:lnR w="76200" cap="flat" cmpd="sng" algn="ctr">
+                      <a:solidFill>
+                        <a:schemeClr val="bg1"/>
+                      </a:solidFill>
+                      <a:prstDash val="solid"/>
+                      <a:round/>
+                      <a:headEnd type="none" w="med" len="med"/>
+                      <a:tailEnd type="none" w="med" len="med"/>
+                    </a:lnR>
+                  </a:tcPr>
+                </a:tc>
+              </a:tr>
+              <a:tr h="360000">
+                <a:tc>
+                  <a:txBody>
+                    <a:bodyPr/>
+                    <a:lstStyle/>
+                    <a:p>
+                      <a:r>
+                        <a:rPr lang="de-DE" sz="1600" b="1" smtClean="0">
+                          <a:solidFill>
+                            <a:schemeClr val="bg1"/>
+                          </a:solidFill>
+                        </a:rPr>
+                        <a:t>B</a:t>
+                      </a:r>
+                      <a:endParaRPr lang="de-DE" sz="1600" b="1">
+                        <a:solidFill>
+                          <a:schemeClr val="bg1"/>
+                        </a:solidFill>
+                      </a:endParaRPr>
+                    </a:p>
+                  </a:txBody>
+                  <a:tcPr>
+                    <a:solidFill>
+                      <a:schemeClr val="accent1"/>
+                    </a:solidFill>
+                  </a:tcPr>
+                </a:tc>
+                <a:tc>
+                  <a:txBody>
+                    <a:bodyPr/>
+                    <a:lstStyle/>
+                    <a:p>
+                      <a:r>
+                        <a:rPr lang="de-DE" sz="1600" smtClean="0"/>
+                        <a:t>A</a:t>
+                      </a:r>
+                      <a:endParaRPr lang="de-DE" sz="1600"/>
+                    </a:p>
+                  </a:txBody>
+                  <a:tcPr/>
+                </a:tc>
+                <a:tc>
+                  <a:txBody>
+                    <a:bodyPr/>
+                    <a:lstStyle/>
+                    <a:p>
+                      <a:r>
+                        <a:rPr lang="de-DE" sz="1600" smtClean="0"/>
+                        <a:t>A</a:t>
+                      </a:r>
+                      <a:endParaRPr lang="de-DE" sz="1600"/>
+                    </a:p>
+                  </a:txBody>
+                  <a:tcPr/>
+                </a:tc>
+                <a:tc>
+                  <a:txBody>
+                    <a:bodyPr/>
+                    <a:lstStyle/>
+                    <a:p>
+                      <a:r>
+                        <a:rPr lang="de-DE" sz="1600" smtClean="0"/>
+                        <a:t>A</a:t>
+                      </a:r>
+                      <a:endParaRPr lang="de-DE" sz="1600"/>
+                    </a:p>
+                  </a:txBody>
+                  <a:tcPr/>
+                </a:tc>
+                <a:tc>
+                  <a:txBody>
+                    <a:bodyPr/>
+                    <a:lstStyle/>
+                    <a:p>
+                      <a:r>
+                        <a:rPr lang="de-DE" sz="1600" smtClean="0"/>
+                        <a:t>A</a:t>
+                      </a:r>
+                      <a:endParaRPr lang="de-DE" sz="1600"/>
+                    </a:p>
+                  </a:txBody>
+                  <a:tcPr/>
+                </a:tc>
+                <a:tc>
+                  <a:txBody>
+                    <a:bodyPr/>
+                    <a:lstStyle/>
+                    <a:p>
+                      <a:r>
+                        <a:rPr lang="de-DE" sz="1600" smtClean="0"/>
+                        <a:t>A</a:t>
+                      </a:r>
+                      <a:endParaRPr lang="de-DE" sz="1600"/>
+                    </a:p>
+                  </a:txBody>
+                  <a:tcPr/>
+                </a:tc>
+                <a:tc>
+                  <a:txBody>
+                    <a:bodyPr/>
+                    <a:lstStyle/>
+                    <a:p>
+                      <a:r>
+                        <a:rPr lang="de-DE" sz="1600" smtClean="0">
+                          <a:solidFill>
+                            <a:schemeClr val="bg1">
+                              <a:lumMod val="50000"/>
+                            </a:schemeClr>
+                          </a:solidFill>
+                        </a:rPr>
+                        <a:t>R</a:t>
+                      </a:r>
+                      <a:endParaRPr lang="de-DE" sz="1600">
+                        <a:solidFill>
+                          <a:schemeClr val="bg1">
+                            <a:lumMod val="50000"/>
+                          </a:schemeClr>
+                        </a:solidFill>
+                      </a:endParaRPr>
+                    </a:p>
+                  </a:txBody>
+                  <a:tcPr/>
+                </a:tc>
+                <a:tc>
+                  <a:txBody>
+                    <a:bodyPr/>
+                    <a:lstStyle/>
+                    <a:p>
+                      <a:r>
+                        <a:rPr lang="de-DE" sz="1600" smtClean="0">
+                          <a:solidFill>
+                            <a:schemeClr val="bg1">
+                              <a:lumMod val="50000"/>
+                            </a:schemeClr>
+                          </a:solidFill>
+                        </a:rPr>
+                        <a:t>R</a:t>
+                      </a:r>
+                      <a:endParaRPr lang="de-DE" sz="1600">
+                        <a:solidFill>
+                          <a:schemeClr val="bg1">
+                            <a:lumMod val="50000"/>
+                          </a:schemeClr>
+                        </a:solidFill>
+                      </a:endParaRPr>
+                    </a:p>
+                  </a:txBody>
+                  <a:tcPr>
+                    <a:lnR w="76200" cap="flat" cmpd="sng" algn="ctr">
+                      <a:solidFill>
+                        <a:schemeClr val="bg1"/>
+                      </a:solidFill>
+                      <a:prstDash val="solid"/>
+                      <a:round/>
+                      <a:headEnd type="none" w="med" len="med"/>
+                      <a:tailEnd type="none" w="med" len="med"/>
+                    </a:lnR>
+                  </a:tcPr>
+                </a:tc>
+                <a:tc>
+                  <a:txBody>
+                    <a:bodyPr/>
+                    <a:lstStyle/>
+                    <a:p>
+                      <a:r>
+                        <a:rPr lang="de-DE" sz="1600" smtClean="0"/>
+                        <a:t>A</a:t>
+                      </a:r>
+                      <a:endParaRPr lang="de-DE" sz="1600"/>
+                    </a:p>
+                  </a:txBody>
+                  <a:tcPr>
+                    <a:lnL w="76200" cap="flat" cmpd="sng" algn="ctr">
+                      <a:solidFill>
+                        <a:schemeClr val="bg1"/>
+                      </a:solidFill>
+                      <a:prstDash val="solid"/>
+                      <a:round/>
+                      <a:headEnd type="none" w="med" len="med"/>
+                      <a:tailEnd type="none" w="med" len="med"/>
+                    </a:lnL>
+                    <a:lnR w="76200" cap="flat" cmpd="sng" algn="ctr">
+                      <a:solidFill>
+                        <a:schemeClr val="bg1"/>
+                      </a:solidFill>
+                      <a:prstDash val="solid"/>
+                      <a:round/>
+                      <a:headEnd type="none" w="med" len="med"/>
+                      <a:tailEnd type="none" w="med" len="med"/>
+                    </a:lnR>
+                  </a:tcPr>
+                </a:tc>
+              </a:tr>
+              <a:tr h="360000">
+                <a:tc>
+                  <a:txBody>
+                    <a:bodyPr/>
+                    <a:lstStyle/>
+                    <a:p>
+                      <a:r>
+                        <a:rPr lang="de-DE" sz="1600" b="1" smtClean="0">
+                          <a:solidFill>
+                            <a:schemeClr val="bg1"/>
+                          </a:solidFill>
+                        </a:rPr>
+                        <a:t>C</a:t>
+                      </a:r>
+                      <a:endParaRPr lang="de-DE" sz="1600" b="1">
+                        <a:solidFill>
+                          <a:schemeClr val="bg1"/>
+                        </a:solidFill>
+                      </a:endParaRPr>
+                    </a:p>
+                  </a:txBody>
+                  <a:tcPr>
+                    <a:solidFill>
+                      <a:schemeClr val="accent1"/>
+                    </a:solidFill>
+                  </a:tcPr>
+                </a:tc>
+                <a:tc>
+                  <a:txBody>
+                    <a:bodyPr/>
+                    <a:lstStyle/>
+                    <a:p>
+                      <a:r>
+                        <a:rPr lang="de-DE" sz="1600" smtClean="0"/>
+                        <a:t>R</a:t>
+                      </a:r>
+                      <a:endParaRPr lang="de-DE" sz="1600"/>
+                    </a:p>
+                  </a:txBody>
+                  <a:tcPr/>
+                </a:tc>
+                <a:tc>
+                  <a:txBody>
+                    <a:bodyPr/>
+                    <a:lstStyle/>
+                    <a:p>
+                      <a:r>
+                        <a:rPr lang="de-DE" sz="1600" smtClean="0"/>
+                        <a:t>R</a:t>
+                      </a:r>
+                      <a:endParaRPr lang="de-DE" sz="1600"/>
+                    </a:p>
+                  </a:txBody>
+                  <a:tcPr/>
+                </a:tc>
+                <a:tc>
+                  <a:txBody>
+                    <a:bodyPr/>
+                    <a:lstStyle/>
+                    <a:p>
+                      <a:r>
+                        <a:rPr lang="de-DE" sz="1600" smtClean="0"/>
+                        <a:t>R</a:t>
+                      </a:r>
+                      <a:endParaRPr lang="de-DE" sz="1600"/>
+                    </a:p>
+                  </a:txBody>
+                  <a:tcPr/>
+                </a:tc>
+                <a:tc>
+                  <a:txBody>
+                    <a:bodyPr/>
+                    <a:lstStyle/>
+                    <a:p>
+                      <a:r>
+                        <a:rPr lang="de-DE" sz="1600" smtClean="0"/>
+                        <a:t>R</a:t>
+                      </a:r>
+                      <a:endParaRPr lang="de-DE" sz="1600"/>
+                    </a:p>
+                  </a:txBody>
+                  <a:tcPr/>
+                </a:tc>
+                <a:tc>
+                  <a:txBody>
+                    <a:bodyPr/>
+                    <a:lstStyle/>
+                    <a:p>
+                      <a:r>
+                        <a:rPr lang="de-DE" sz="1600" smtClean="0"/>
+                        <a:t>R</a:t>
+                      </a:r>
+                      <a:endParaRPr lang="de-DE" sz="1600"/>
+                    </a:p>
+                  </a:txBody>
+                  <a:tcPr/>
+                </a:tc>
+                <a:tc>
+                  <a:txBody>
+                    <a:bodyPr/>
+                    <a:lstStyle/>
+                    <a:p>
+                      <a:r>
+                        <a:rPr lang="de-DE" sz="1600" smtClean="0">
+                          <a:solidFill>
+                            <a:schemeClr val="bg1">
+                              <a:lumMod val="50000"/>
+                            </a:schemeClr>
+                          </a:solidFill>
+                        </a:rPr>
+                        <a:t>R</a:t>
+                      </a:r>
+                      <a:endParaRPr lang="de-DE" sz="1600">
+                        <a:solidFill>
+                          <a:schemeClr val="bg1">
+                            <a:lumMod val="50000"/>
+                          </a:schemeClr>
+                        </a:solidFill>
+                      </a:endParaRPr>
+                    </a:p>
+                  </a:txBody>
+                  <a:tcPr/>
+                </a:tc>
+                <a:tc>
+                  <a:txBody>
+                    <a:bodyPr/>
+                    <a:lstStyle/>
+                    <a:p>
+                      <a:r>
+                        <a:rPr lang="de-DE" sz="1600" smtClean="0">
+                          <a:solidFill>
+                            <a:schemeClr val="bg1">
+                              <a:lumMod val="50000"/>
+                            </a:schemeClr>
+                          </a:solidFill>
+                        </a:rPr>
+                        <a:t>R</a:t>
+                      </a:r>
+                      <a:endParaRPr lang="de-DE" sz="1600">
+                        <a:solidFill>
+                          <a:schemeClr val="bg1">
+                            <a:lumMod val="50000"/>
+                          </a:schemeClr>
+                        </a:solidFill>
+                      </a:endParaRPr>
+                    </a:p>
+                  </a:txBody>
+                  <a:tcPr>
+                    <a:lnR w="76200" cap="flat" cmpd="sng" algn="ctr">
+                      <a:solidFill>
+                        <a:schemeClr val="bg1"/>
+                      </a:solidFill>
+                      <a:prstDash val="solid"/>
+                      <a:round/>
+                      <a:headEnd type="none" w="med" len="med"/>
+                      <a:tailEnd type="none" w="med" len="med"/>
+                    </a:lnR>
+                  </a:tcPr>
+                </a:tc>
+                <a:tc>
+                  <a:txBody>
+                    <a:bodyPr/>
+                    <a:lstStyle/>
+                    <a:p>
+                      <a:r>
+                        <a:rPr lang="de-DE" sz="1600" b="1" smtClean="0"/>
+                        <a:t>R</a:t>
+                      </a:r>
+                      <a:endParaRPr lang="de-DE" sz="1600" b="1"/>
+                    </a:p>
+                  </a:txBody>
+                  <a:tcPr>
+                    <a:lnL w="76200" cap="flat" cmpd="sng" algn="ctr">
+                      <a:solidFill>
+                        <a:schemeClr val="bg1"/>
+                      </a:solidFill>
+                      <a:prstDash val="solid"/>
+                      <a:round/>
+                      <a:headEnd type="none" w="med" len="med"/>
+                      <a:tailEnd type="none" w="med" len="med"/>
+                    </a:lnL>
+                    <a:lnR w="76200" cap="flat" cmpd="sng" algn="ctr">
+                      <a:solidFill>
+                        <a:schemeClr val="bg1"/>
+                      </a:solidFill>
+                      <a:prstDash val="solid"/>
+                      <a:round/>
+                      <a:headEnd type="none" w="med" len="med"/>
+                      <a:tailEnd type="none" w="med" len="med"/>
+                    </a:lnR>
+                  </a:tcPr>
+                </a:tc>
+              </a:tr>
+              <a:tr h="360000">
+                <a:tc>
+                  <a:txBody>
+                    <a:bodyPr/>
+                    <a:lstStyle/>
+                    <a:p>
+                      <a:r>
+                        <a:rPr lang="de-DE" sz="1600" b="1" smtClean="0">
+                          <a:solidFill>
+                            <a:schemeClr val="bg1"/>
+                          </a:solidFill>
+                        </a:rPr>
+                        <a:t>D</a:t>
+                      </a:r>
+                      <a:endParaRPr lang="de-DE" sz="1600" b="1">
+                        <a:solidFill>
+                          <a:schemeClr val="bg1"/>
+                        </a:solidFill>
+                      </a:endParaRPr>
+                    </a:p>
+                  </a:txBody>
+                  <a:tcPr>
+                    <a:solidFill>
+                      <a:schemeClr val="accent1"/>
+                    </a:solidFill>
+                  </a:tcPr>
+                </a:tc>
+                <a:tc>
+                  <a:txBody>
+                    <a:bodyPr/>
+                    <a:lstStyle/>
+                    <a:p>
+                      <a:r>
+                        <a:rPr lang="de-DE" sz="1600" smtClean="0"/>
+                        <a:t>R</a:t>
+                      </a:r>
+                      <a:endParaRPr lang="de-DE" sz="1600"/>
+                    </a:p>
+                  </a:txBody>
+                  <a:tcPr/>
+                </a:tc>
+                <a:tc>
+                  <a:txBody>
+                    <a:bodyPr/>
+                    <a:lstStyle/>
+                    <a:p>
+                      <a:r>
+                        <a:rPr lang="de-DE" sz="1600" smtClean="0"/>
+                        <a:t>R</a:t>
+                      </a:r>
+                      <a:endParaRPr lang="de-DE" sz="1600"/>
+                    </a:p>
+                  </a:txBody>
+                  <a:tcPr/>
+                </a:tc>
+                <a:tc>
+                  <a:txBody>
+                    <a:bodyPr/>
+                    <a:lstStyle/>
+                    <a:p>
+                      <a:r>
+                        <a:rPr lang="de-DE" sz="1600" smtClean="0"/>
+                        <a:t>R</a:t>
+                      </a:r>
+                      <a:endParaRPr lang="de-DE" sz="1600"/>
+                    </a:p>
+                  </a:txBody>
+                  <a:tcPr/>
+                </a:tc>
+                <a:tc>
+                  <a:txBody>
+                    <a:bodyPr/>
+                    <a:lstStyle/>
+                    <a:p>
+                      <a:r>
+                        <a:rPr lang="de-DE" sz="1600" smtClean="0"/>
+                        <a:t>R</a:t>
+                      </a:r>
+                      <a:endParaRPr lang="de-DE" sz="1600"/>
+                    </a:p>
+                  </a:txBody>
+                  <a:tcPr/>
+                </a:tc>
+                <a:tc>
+                  <a:txBody>
+                    <a:bodyPr/>
+                    <a:lstStyle/>
+                    <a:p>
+                      <a:r>
+                        <a:rPr lang="de-DE" sz="1600" smtClean="0"/>
+                        <a:t>R</a:t>
+                      </a:r>
+                      <a:endParaRPr lang="de-DE" sz="1600"/>
+                    </a:p>
+                  </a:txBody>
+                  <a:tcPr/>
+                </a:tc>
+                <a:tc>
+                  <a:txBody>
+                    <a:bodyPr/>
+                    <a:lstStyle/>
+                    <a:p>
+                      <a:r>
+                        <a:rPr lang="de-DE" sz="1600" smtClean="0">
+                          <a:solidFill>
+                            <a:schemeClr val="bg1">
+                              <a:lumMod val="50000"/>
+                            </a:schemeClr>
+                          </a:solidFill>
+                        </a:rPr>
+                        <a:t>R</a:t>
+                      </a:r>
+                      <a:endParaRPr lang="de-DE" sz="1600">
+                        <a:solidFill>
+                          <a:schemeClr val="bg1">
+                            <a:lumMod val="50000"/>
+                          </a:schemeClr>
+                        </a:solidFill>
+                      </a:endParaRPr>
+                    </a:p>
+                  </a:txBody>
+                  <a:tcPr/>
+                </a:tc>
+                <a:tc>
+                  <a:txBody>
+                    <a:bodyPr/>
+                    <a:lstStyle/>
+                    <a:p>
+                      <a:r>
+                        <a:rPr lang="de-DE" sz="1600" smtClean="0">
+                          <a:solidFill>
+                            <a:schemeClr val="bg1">
+                              <a:lumMod val="50000"/>
+                            </a:schemeClr>
+                          </a:solidFill>
+                        </a:rPr>
+                        <a:t>R</a:t>
+                      </a:r>
+                      <a:endParaRPr lang="de-DE" sz="1600">
+                        <a:solidFill>
+                          <a:schemeClr val="bg1">
+                            <a:lumMod val="50000"/>
+                          </a:schemeClr>
+                        </a:solidFill>
+                      </a:endParaRPr>
+                    </a:p>
+                  </a:txBody>
+                  <a:tcPr>
+                    <a:lnR w="76200" cap="flat" cmpd="sng" algn="ctr">
+                      <a:solidFill>
+                        <a:schemeClr val="bg1"/>
+                      </a:solidFill>
+                      <a:prstDash val="solid"/>
+                      <a:round/>
+                      <a:headEnd type="none" w="med" len="med"/>
+                      <a:tailEnd type="none" w="med" len="med"/>
+                    </a:lnR>
+                  </a:tcPr>
+                </a:tc>
+                <a:tc>
+                  <a:txBody>
+                    <a:bodyPr/>
+                    <a:lstStyle/>
+                    <a:p>
+                      <a:r>
+                        <a:rPr lang="de-DE" sz="1600" b="1" smtClean="0"/>
+                        <a:t>R</a:t>
+                      </a:r>
+                      <a:endParaRPr lang="de-DE" sz="1600" b="1"/>
+                    </a:p>
+                  </a:txBody>
+                  <a:tcPr>
+                    <a:lnL w="76200" cap="flat" cmpd="sng" algn="ctr">
+                      <a:solidFill>
+                        <a:schemeClr val="bg1"/>
+                      </a:solidFill>
+                      <a:prstDash val="solid"/>
+                      <a:round/>
+                      <a:headEnd type="none" w="med" len="med"/>
+                      <a:tailEnd type="none" w="med" len="med"/>
+                    </a:lnL>
+                    <a:lnR w="76200" cap="flat" cmpd="sng" algn="ctr">
+                      <a:solidFill>
+                        <a:schemeClr val="bg1"/>
+                      </a:solidFill>
+                      <a:prstDash val="solid"/>
+                      <a:round/>
+                      <a:headEnd type="none" w="med" len="med"/>
+                      <a:tailEnd type="none" w="med" len="med"/>
+                    </a:lnR>
+                  </a:tcPr>
+                </a:tc>
+              </a:tr>
+              <a:tr h="360000">
+                <a:tc>
+                  <a:txBody>
+                    <a:bodyPr/>
+                    <a:lstStyle/>
+                    <a:p>
+                      <a:r>
+                        <a:rPr lang="de-DE" sz="1600" b="1" smtClean="0">
+                          <a:solidFill>
+                            <a:schemeClr val="bg1"/>
+                          </a:solidFill>
+                        </a:rPr>
+                        <a:t>E</a:t>
+                      </a:r>
+                      <a:endParaRPr lang="de-DE" sz="1600" b="1">
+                        <a:solidFill>
+                          <a:schemeClr val="bg1"/>
+                        </a:solidFill>
+                      </a:endParaRPr>
+                    </a:p>
+                  </a:txBody>
+                  <a:tcPr>
+                    <a:solidFill>
+                      <a:schemeClr val="accent1"/>
+                    </a:solidFill>
+                  </a:tcPr>
+                </a:tc>
+                <a:tc>
+                  <a:txBody>
+                    <a:bodyPr/>
+                    <a:lstStyle/>
+                    <a:p>
+                      <a:r>
+                        <a:rPr lang="de-DE" sz="1600"/>
+                        <a:t>R</a:t>
+                      </a:r>
+                      <a:endParaRPr lang="de-DE" sz="1600" smtClean="0"/>
+                    </a:p>
+                  </a:txBody>
+                  <a:tcPr/>
+                </a:tc>
+                <a:tc>
+                  <a:txBody>
+                    <a:bodyPr/>
+                    <a:lstStyle/>
+                    <a:p>
+                      <a:r>
+                        <a:rPr lang="de-DE" sz="1600"/>
+                        <a:t>R</a:t>
+                      </a:r>
+                      <a:endParaRPr lang="de-DE" sz="1600" smtClean="0"/>
+                    </a:p>
+                  </a:txBody>
+                  <a:tcPr/>
+                </a:tc>
+                <a:tc>
+                  <a:txBody>
+                    <a:bodyPr/>
+                    <a:lstStyle/>
+                    <a:p>
+                      <a:r>
+                        <a:rPr lang="de-DE" sz="1600"/>
+                        <a:t>R</a:t>
+                      </a:r>
+                      <a:endParaRPr lang="de-DE" sz="1600" smtClean="0"/>
+                    </a:p>
+                  </a:txBody>
+                  <a:tcPr/>
+                </a:tc>
+                <a:tc>
+                  <a:txBody>
+                    <a:bodyPr/>
+                    <a:lstStyle/>
+                    <a:p>
+                      <a:r>
+                        <a:rPr lang="de-DE" sz="1600"/>
+                        <a:t>R</a:t>
+                      </a:r>
+                      <a:endParaRPr lang="de-DE" sz="1600" smtClean="0"/>
+                    </a:p>
+                  </a:txBody>
+                  <a:tcPr/>
+                </a:tc>
+                <a:tc>
+                  <a:txBody>
+                    <a:bodyPr/>
+                    <a:lstStyle/>
+                    <a:p>
+                      <a:r>
+                        <a:rPr lang="de-DE" sz="1600"/>
+                        <a:t>R</a:t>
+                      </a:r>
+                      <a:endParaRPr lang="de-DE" sz="1600" smtClean="0"/>
+                    </a:p>
+                  </a:txBody>
+                  <a:tcPr/>
+                </a:tc>
+                <a:tc>
+                  <a:txBody>
+                    <a:bodyPr/>
+                    <a:lstStyle/>
+                    <a:p>
+                      <a:r>
+                        <a:rPr lang="de-DE" sz="1600" smtClean="0">
+                          <a:solidFill>
+                            <a:schemeClr val="bg1">
+                              <a:lumMod val="50000"/>
+                            </a:schemeClr>
+                          </a:solidFill>
+                        </a:rPr>
+                        <a:t>R</a:t>
+                      </a:r>
+                      <a:endParaRPr lang="de-DE" sz="1600">
+                        <a:solidFill>
+                          <a:schemeClr val="bg1">
+                            <a:lumMod val="50000"/>
+                          </a:schemeClr>
+                        </a:solidFill>
+                      </a:endParaRPr>
+                    </a:p>
+                  </a:txBody>
+                  <a:tcPr/>
+                </a:tc>
+                <a:tc>
+                  <a:txBody>
+                    <a:bodyPr/>
+                    <a:lstStyle/>
+                    <a:p>
+                      <a:r>
+                        <a:rPr lang="de-DE" sz="1600" smtClean="0">
+                          <a:solidFill>
+                            <a:schemeClr val="bg1">
+                              <a:lumMod val="50000"/>
+                            </a:schemeClr>
+                          </a:solidFill>
+                        </a:rPr>
+                        <a:t>R</a:t>
+                      </a:r>
+                      <a:endParaRPr lang="de-DE" sz="1600">
+                        <a:solidFill>
+                          <a:schemeClr val="bg1">
+                            <a:lumMod val="50000"/>
+                          </a:schemeClr>
+                        </a:solidFill>
+                      </a:endParaRPr>
+                    </a:p>
+                  </a:txBody>
+                  <a:tcPr>
+                    <a:lnR w="76200" cap="flat" cmpd="sng" algn="ctr">
+                      <a:solidFill>
+                        <a:schemeClr val="bg1"/>
+                      </a:solidFill>
+                      <a:prstDash val="solid"/>
+                      <a:round/>
+                      <a:headEnd type="none" w="med" len="med"/>
+                      <a:tailEnd type="none" w="med" len="med"/>
+                    </a:lnR>
+                  </a:tcPr>
+                </a:tc>
+                <a:tc>
+                  <a:txBody>
+                    <a:bodyPr/>
+                    <a:lstStyle/>
+                    <a:p>
+                      <a:r>
+                        <a:rPr lang="de-DE" sz="1600" b="1" smtClean="0"/>
+                        <a:t>R</a:t>
+                      </a:r>
+                      <a:endParaRPr lang="de-DE" sz="1600" b="1"/>
+                    </a:p>
+                  </a:txBody>
+                  <a:tcPr>
+                    <a:lnL w="76200" cap="flat" cmpd="sng" algn="ctr">
+                      <a:solidFill>
+                        <a:schemeClr val="bg1"/>
+                      </a:solidFill>
+                      <a:prstDash val="solid"/>
+                      <a:round/>
+                      <a:headEnd type="none" w="med" len="med"/>
+                      <a:tailEnd type="none" w="med" len="med"/>
+                    </a:lnL>
+                    <a:lnR w="76200" cap="flat" cmpd="sng" algn="ctr">
+                      <a:solidFill>
+                        <a:schemeClr val="bg1"/>
+                      </a:solidFill>
+                      <a:prstDash val="solid"/>
+                      <a:round/>
+                      <a:headEnd type="none" w="med" len="med"/>
+                      <a:tailEnd type="none" w="med" len="med"/>
+                    </a:lnR>
+                  </a:tcPr>
+                </a:tc>
+              </a:tr>
+              <a:tr h="360000">
+                <a:tc>
+                  <a:txBody>
+                    <a:bodyPr/>
+                    <a:lstStyle/>
+                    <a:p>
+                      <a:r>
+                        <a:rPr lang="de-DE" sz="1600" b="1" smtClean="0">
+                          <a:solidFill>
+                            <a:srgbClr val="FF0000"/>
+                          </a:solidFill>
+                        </a:rPr>
+                        <a:t>F</a:t>
+                      </a:r>
+                      <a:endParaRPr lang="de-DE" sz="1600" b="1">
+                        <a:solidFill>
+                          <a:srgbClr val="FF0000"/>
+                        </a:solidFill>
+                      </a:endParaRPr>
+                    </a:p>
+                  </a:txBody>
+                  <a:tcPr>
+                    <a:solidFill>
+                      <a:schemeClr val="accent1"/>
+                    </a:solidFill>
+                  </a:tcPr>
+                </a:tc>
+                <a:tc>
+                  <a:txBody>
+                    <a:bodyPr/>
+                    <a:lstStyle/>
+                    <a:p>
+                      <a:r>
+                        <a:rPr lang="de-DE" sz="1600" smtClean="0">
+                          <a:solidFill>
+                            <a:schemeClr val="bg1">
+                              <a:lumMod val="50000"/>
+                            </a:schemeClr>
+                          </a:solidFill>
+                        </a:rPr>
+                        <a:t>A</a:t>
+                      </a:r>
+                      <a:endParaRPr lang="de-DE" sz="1600">
+                        <a:solidFill>
+                          <a:schemeClr val="bg1">
+                            <a:lumMod val="50000"/>
+                          </a:schemeClr>
+                        </a:solidFill>
+                      </a:endParaRPr>
+                    </a:p>
+                  </a:txBody>
+                  <a:tcPr/>
+                </a:tc>
+                <a:tc>
+                  <a:txBody>
+                    <a:bodyPr/>
+                    <a:lstStyle/>
+                    <a:p>
+                      <a:r>
+                        <a:rPr lang="de-DE" sz="1600" smtClean="0">
+                          <a:solidFill>
+                            <a:schemeClr val="bg1">
+                              <a:lumMod val="50000"/>
+                            </a:schemeClr>
+                          </a:solidFill>
+                        </a:rPr>
+                        <a:t>A</a:t>
+                      </a:r>
+                      <a:endParaRPr lang="de-DE" sz="1600">
+                        <a:solidFill>
+                          <a:schemeClr val="bg1">
+                            <a:lumMod val="50000"/>
+                          </a:schemeClr>
+                        </a:solidFill>
+                      </a:endParaRPr>
+                    </a:p>
+                  </a:txBody>
+                  <a:tcPr/>
+                </a:tc>
+                <a:tc>
+                  <a:txBody>
+                    <a:bodyPr/>
+                    <a:lstStyle/>
+                    <a:p>
+                      <a:r>
+                        <a:rPr lang="de-DE" sz="1600" smtClean="0">
+                          <a:solidFill>
+                            <a:schemeClr val="bg1">
+                              <a:lumMod val="50000"/>
+                            </a:schemeClr>
+                          </a:solidFill>
+                        </a:rPr>
+                        <a:t>R</a:t>
+                      </a:r>
+                      <a:endParaRPr lang="de-DE" sz="1600">
+                        <a:solidFill>
+                          <a:schemeClr val="bg1">
+                            <a:lumMod val="50000"/>
+                          </a:schemeClr>
+                        </a:solidFill>
+                      </a:endParaRPr>
+                    </a:p>
+                  </a:txBody>
+                  <a:tcPr/>
+                </a:tc>
+                <a:tc>
+                  <a:txBody>
+                    <a:bodyPr/>
+                    <a:lstStyle/>
+                    <a:p>
+                      <a:r>
+                        <a:rPr lang="de-DE" sz="1600" smtClean="0">
+                          <a:solidFill>
+                            <a:schemeClr val="bg1">
+                              <a:lumMod val="50000"/>
+                            </a:schemeClr>
+                          </a:solidFill>
+                        </a:rPr>
+                        <a:t>R</a:t>
+                      </a:r>
+                      <a:endParaRPr lang="de-DE" sz="1600">
+                        <a:solidFill>
+                          <a:schemeClr val="bg1">
+                            <a:lumMod val="50000"/>
+                          </a:schemeClr>
+                        </a:solidFill>
+                      </a:endParaRPr>
+                    </a:p>
+                  </a:txBody>
+                  <a:tcPr/>
+                </a:tc>
+                <a:tc>
+                  <a:txBody>
+                    <a:bodyPr/>
+                    <a:lstStyle/>
+                    <a:p>
+                      <a:r>
+                        <a:rPr lang="de-DE" sz="1600" smtClean="0">
+                          <a:solidFill>
+                            <a:schemeClr val="bg1">
+                              <a:lumMod val="50000"/>
+                            </a:schemeClr>
+                          </a:solidFill>
+                        </a:rPr>
+                        <a:t>R</a:t>
+                      </a:r>
+                      <a:endParaRPr lang="de-DE" sz="1600">
+                        <a:solidFill>
+                          <a:schemeClr val="bg1">
+                            <a:lumMod val="50000"/>
+                          </a:schemeClr>
+                        </a:solidFill>
+                      </a:endParaRPr>
+                    </a:p>
+                  </a:txBody>
+                  <a:tcPr/>
+                </a:tc>
+                <a:tc>
+                  <a:txBody>
+                    <a:bodyPr/>
+                    <a:lstStyle/>
+                    <a:p>
+                      <a:r>
+                        <a:rPr lang="de-DE" sz="1600" smtClean="0">
+                          <a:solidFill>
+                            <a:schemeClr val="bg1">
+                              <a:lumMod val="50000"/>
+                            </a:schemeClr>
+                          </a:solidFill>
+                        </a:rPr>
+                        <a:t>R</a:t>
+                      </a:r>
+                      <a:endParaRPr lang="de-DE" sz="1600">
+                        <a:solidFill>
+                          <a:schemeClr val="bg1">
+                            <a:lumMod val="50000"/>
+                          </a:schemeClr>
+                        </a:solidFill>
+                      </a:endParaRPr>
+                    </a:p>
+                  </a:txBody>
+                  <a:tcPr/>
+                </a:tc>
+                <a:tc>
+                  <a:txBody>
+                    <a:bodyPr/>
+                    <a:lstStyle/>
+                    <a:p>
+                      <a:r>
+                        <a:rPr lang="de-DE" sz="1600" smtClean="0">
+                          <a:solidFill>
+                            <a:schemeClr val="bg1">
+                              <a:lumMod val="50000"/>
+                            </a:schemeClr>
+                          </a:solidFill>
+                        </a:rPr>
+                        <a:t>R</a:t>
+                      </a:r>
+                      <a:endParaRPr lang="de-DE" sz="1600">
+                        <a:solidFill>
+                          <a:schemeClr val="bg1">
+                            <a:lumMod val="50000"/>
+                          </a:schemeClr>
+                        </a:solidFill>
+                      </a:endParaRPr>
+                    </a:p>
+                  </a:txBody>
+                  <a:tcPr>
+                    <a:lnR w="76200" cap="flat" cmpd="sng" algn="ctr">
+                      <a:solidFill>
+                        <a:schemeClr val="bg1"/>
+                      </a:solidFill>
+                      <a:prstDash val="solid"/>
+                      <a:round/>
+                      <a:headEnd type="none" w="med" len="med"/>
+                      <a:tailEnd type="none" w="med" len="med"/>
+                    </a:lnR>
+                  </a:tcPr>
+                </a:tc>
+                <a:tc>
+                  <a:txBody>
+                    <a:bodyPr/>
+                    <a:lstStyle/>
+                    <a:p>
+                      <a:endParaRPr lang="de-DE" sz="1600"/>
+                    </a:p>
+                  </a:txBody>
+                  <a:tcPr>
+                    <a:lnL w="76200" cap="flat" cmpd="sng" algn="ctr">
+                      <a:solidFill>
+                        <a:schemeClr val="bg1"/>
+                      </a:solidFill>
+                      <a:prstDash val="solid"/>
+                      <a:round/>
+                      <a:headEnd type="none" w="med" len="med"/>
+                      <a:tailEnd type="none" w="med" len="med"/>
+                    </a:lnL>
+                    <a:lnR w="76200" cap="flat" cmpd="sng" algn="ctr">
+                      <a:solidFill>
+                        <a:schemeClr val="bg1"/>
+                      </a:solidFill>
+                      <a:prstDash val="solid"/>
+                      <a:round/>
+                      <a:headEnd type="none" w="med" len="med"/>
+                      <a:tailEnd type="none" w="med" len="med"/>
+                    </a:lnR>
+                  </a:tcPr>
+                </a:tc>
+              </a:tr>
+              <a:tr h="360000">
+                <a:tc>
+                  <a:txBody>
+                    <a:bodyPr/>
+                    <a:lstStyle/>
+                    <a:p>
+                      <a:r>
+                        <a:rPr lang="de-DE" sz="1600" b="1" smtClean="0">
+                          <a:solidFill>
+                            <a:srgbClr val="FF0000"/>
+                          </a:solidFill>
+                        </a:rPr>
+                        <a:t>G</a:t>
+                      </a:r>
+                      <a:endParaRPr lang="de-DE" sz="1600" b="1">
+                        <a:solidFill>
+                          <a:srgbClr val="FF0000"/>
+                        </a:solidFill>
+                      </a:endParaRPr>
+                    </a:p>
+                  </a:txBody>
+                  <a:tcPr>
+                    <a:solidFill>
+                      <a:schemeClr val="accent1"/>
+                    </a:solidFill>
+                  </a:tcPr>
+                </a:tc>
+                <a:tc>
+                  <a:txBody>
+                    <a:bodyPr/>
+                    <a:lstStyle/>
+                    <a:p>
+                      <a:r>
+                        <a:rPr lang="de-DE" sz="1600" smtClean="0">
+                          <a:solidFill>
+                            <a:schemeClr val="bg1">
+                              <a:lumMod val="50000"/>
+                            </a:schemeClr>
+                          </a:solidFill>
+                        </a:rPr>
+                        <a:t>A</a:t>
+                      </a:r>
+                      <a:endParaRPr lang="de-DE" sz="1600">
+                        <a:solidFill>
+                          <a:schemeClr val="bg1">
+                            <a:lumMod val="50000"/>
+                          </a:schemeClr>
+                        </a:solidFill>
+                      </a:endParaRPr>
+                    </a:p>
+                  </a:txBody>
+                  <a:tcPr/>
+                </a:tc>
+                <a:tc>
+                  <a:txBody>
+                    <a:bodyPr/>
+                    <a:lstStyle/>
+                    <a:p>
+                      <a:r>
+                        <a:rPr lang="de-DE" sz="1600" smtClean="0">
+                          <a:solidFill>
+                            <a:schemeClr val="bg1">
+                              <a:lumMod val="50000"/>
+                            </a:schemeClr>
+                          </a:solidFill>
+                        </a:rPr>
+                        <a:t>A</a:t>
+                      </a:r>
+                      <a:endParaRPr lang="de-DE" sz="1600">
+                        <a:solidFill>
+                          <a:schemeClr val="bg1">
+                            <a:lumMod val="50000"/>
+                          </a:schemeClr>
+                        </a:solidFill>
+                      </a:endParaRPr>
+                    </a:p>
+                  </a:txBody>
+                  <a:tcPr/>
+                </a:tc>
+                <a:tc>
+                  <a:txBody>
+                    <a:bodyPr/>
+                    <a:lstStyle/>
+                    <a:p>
+                      <a:r>
+                        <a:rPr lang="de-DE" sz="1600" smtClean="0">
+                          <a:solidFill>
+                            <a:schemeClr val="bg1">
+                              <a:lumMod val="50000"/>
+                            </a:schemeClr>
+                          </a:solidFill>
+                        </a:rPr>
+                        <a:t>R</a:t>
+                      </a:r>
+                      <a:endParaRPr lang="de-DE" sz="1600">
+                        <a:solidFill>
+                          <a:schemeClr val="bg1">
+                            <a:lumMod val="50000"/>
+                          </a:schemeClr>
+                        </a:solidFill>
+                      </a:endParaRPr>
+                    </a:p>
+                  </a:txBody>
+                  <a:tcPr/>
+                </a:tc>
+                <a:tc>
+                  <a:txBody>
+                    <a:bodyPr/>
+                    <a:lstStyle/>
+                    <a:p>
+                      <a:r>
+                        <a:rPr lang="de-DE" sz="1600" smtClean="0">
+                          <a:solidFill>
+                            <a:schemeClr val="bg1">
+                              <a:lumMod val="50000"/>
+                            </a:schemeClr>
+                          </a:solidFill>
+                        </a:rPr>
+                        <a:t>R</a:t>
+                      </a:r>
+                      <a:endParaRPr lang="de-DE" sz="1600">
+                        <a:solidFill>
+                          <a:schemeClr val="bg1">
+                            <a:lumMod val="50000"/>
+                          </a:schemeClr>
+                        </a:solidFill>
+                      </a:endParaRPr>
+                    </a:p>
+                  </a:txBody>
+                  <a:tcPr/>
+                </a:tc>
+                <a:tc>
+                  <a:txBody>
+                    <a:bodyPr/>
+                    <a:lstStyle/>
+                    <a:p>
+                      <a:r>
+                        <a:rPr lang="de-DE" sz="1600" smtClean="0">
+                          <a:solidFill>
+                            <a:schemeClr val="bg1">
+                              <a:lumMod val="50000"/>
+                            </a:schemeClr>
+                          </a:solidFill>
+                        </a:rPr>
+                        <a:t>R</a:t>
+                      </a:r>
+                      <a:endParaRPr lang="de-DE" sz="1600">
+                        <a:solidFill>
+                          <a:schemeClr val="bg1">
+                            <a:lumMod val="50000"/>
+                          </a:schemeClr>
+                        </a:solidFill>
+                      </a:endParaRPr>
+                    </a:p>
+                  </a:txBody>
+                  <a:tcPr/>
+                </a:tc>
+                <a:tc>
+                  <a:txBody>
+                    <a:bodyPr/>
+                    <a:lstStyle/>
+                    <a:p>
+                      <a:r>
+                        <a:rPr lang="de-DE" sz="1600" smtClean="0">
+                          <a:solidFill>
+                            <a:schemeClr val="bg1">
+                              <a:lumMod val="50000"/>
+                            </a:schemeClr>
+                          </a:solidFill>
+                        </a:rPr>
+                        <a:t>R</a:t>
+                      </a:r>
+                      <a:endParaRPr lang="de-DE" sz="1600">
+                        <a:solidFill>
+                          <a:schemeClr val="bg1">
+                            <a:lumMod val="50000"/>
+                          </a:schemeClr>
+                        </a:solidFill>
+                      </a:endParaRPr>
+                    </a:p>
+                  </a:txBody>
+                  <a:tcPr/>
+                </a:tc>
+                <a:tc>
+                  <a:txBody>
+                    <a:bodyPr/>
+                    <a:lstStyle/>
+                    <a:p>
+                      <a:r>
+                        <a:rPr lang="de-DE" sz="1600" smtClean="0">
+                          <a:solidFill>
+                            <a:schemeClr val="bg1">
+                              <a:lumMod val="50000"/>
+                            </a:schemeClr>
+                          </a:solidFill>
+                        </a:rPr>
+                        <a:t>R</a:t>
+                      </a:r>
+                      <a:endParaRPr lang="de-DE" sz="1600">
+                        <a:solidFill>
+                          <a:schemeClr val="bg1">
+                            <a:lumMod val="50000"/>
+                          </a:schemeClr>
+                        </a:solidFill>
+                      </a:endParaRPr>
+                    </a:p>
+                  </a:txBody>
+                  <a:tcPr>
+                    <a:lnR w="76200" cap="flat" cmpd="sng" algn="ctr">
+                      <a:solidFill>
+                        <a:schemeClr val="bg1"/>
+                      </a:solidFill>
+                      <a:prstDash val="solid"/>
+                      <a:round/>
+                      <a:headEnd type="none" w="med" len="med"/>
+                      <a:tailEnd type="none" w="med" len="med"/>
+                    </a:lnR>
+                  </a:tcPr>
+                </a:tc>
+                <a:tc>
+                  <a:txBody>
+                    <a:bodyPr/>
+                    <a:lstStyle/>
+                    <a:p>
+                      <a:endParaRPr lang="de-DE" sz="1600"/>
+                    </a:p>
+                  </a:txBody>
+                  <a:tcPr>
+                    <a:lnL w="76200" cap="flat" cmpd="sng" algn="ctr">
+                      <a:solidFill>
+                        <a:schemeClr val="bg1"/>
+                      </a:solidFill>
+                      <a:prstDash val="solid"/>
+                      <a:round/>
+                      <a:headEnd type="none" w="med" len="med"/>
+                      <a:tailEnd type="none" w="med" len="med"/>
+                    </a:lnL>
+                    <a:lnR w="76200" cap="flat" cmpd="sng" algn="ctr">
+                      <a:solidFill>
+                        <a:schemeClr val="bg1"/>
+                      </a:solidFill>
+                      <a:prstDash val="solid"/>
+                      <a:round/>
+                      <a:headEnd type="none" w="med" len="med"/>
+                      <a:tailEnd type="none" w="med" len="med"/>
+                    </a:lnR>
+                  </a:tcPr>
+                </a:tc>
+              </a:tr>
+            </a:tbl>
+          </a:graphicData>
+        </a:graphic>
+      </p:graphicFrame>
+      <p:sp>
+        <p:nvSpPr>
+          <p:cNvPr id="6" name="Textfeld 5"/>
+          <p:cNvSpPr txBox="1"/>
+          <p:nvPr/>
+        </p:nvSpPr>
+        <p:spPr>
+          <a:xfrm>
+            <a:off x="516685" y="628047"/>
+            <a:ext cx="6696744" cy="369332"/>
+          </a:xfrm>
+          <a:prstGeom prst="rect">
+            <a:avLst/>
+          </a:prstGeom>
+          <a:noFill/>
+        </p:spPr>
+        <p:txBody>
+          <a:bodyPr wrap="square" rtlCol="0">
+            <a:spAutoFit/>
+          </a:bodyPr>
+          <a:lstStyle/>
+          <a:p>
+            <a:r>
+              <a:rPr lang="de-DE" smtClean="0"/>
+              <a:t>Every general receives:</a:t>
+            </a:r>
+            <a:endParaRPr lang="de-DE"/>
+          </a:p>
+        </p:txBody>
+      </p:sp>
+      <p:graphicFrame>
+        <p:nvGraphicFramePr>
+          <p:cNvPr id="7" name="Tabelle 6"/>
+          <p:cNvGraphicFramePr>
+            <a:graphicFrameLocks noGrp="1"/>
+          </p:cNvGraphicFramePr>
+          <p:nvPr>
+            <p:extLst>
+              <p:ext uri="{D42A27DB-BD31-4B8C-83A1-F6EECF244321}">
+                <p14:modId xmlns:p14="http://schemas.microsoft.com/office/powerpoint/2010/main" val="1772584420"/>
+              </p:ext>
+            </p:extLst>
+          </p:nvPr>
+        </p:nvGraphicFramePr>
+        <p:xfrm>
+          <a:off x="5076056" y="2420888"/>
+          <a:ext cx="3927979" cy="2682240"/>
+        </p:xfrm>
+        <a:graphic>
+          <a:graphicData uri="http://schemas.openxmlformats.org/drawingml/2006/table">
+            <a:tbl>
+              <a:tblPr firstRow="1" bandRow="1">
+                <a:tableStyleId>{5C22544A-7EE6-4342-B048-85BDC9FD1C3A}</a:tableStyleId>
+              </a:tblPr>
+              <a:tblGrid>
+                <a:gridCol w="540000"/>
+                <a:gridCol w="483997"/>
+                <a:gridCol w="483997"/>
+                <a:gridCol w="483997"/>
+                <a:gridCol w="483997"/>
+                <a:gridCol w="483997"/>
+                <a:gridCol w="483997"/>
+                <a:gridCol w="483997"/>
+              </a:tblGrid>
+              <a:tr h="324000">
+                <a:tc>
+                  <a:txBody>
+                    <a:bodyPr/>
+                    <a:lstStyle/>
+                    <a:p>
+                      <a:r>
+                        <a:rPr lang="de-DE" sz="1600" smtClean="0"/>
+                        <a:t>F,G</a:t>
+                      </a:r>
+                      <a:endParaRPr lang="de-DE" sz="1600"/>
+                    </a:p>
+                  </a:txBody>
+                  <a:tcPr>
+                    <a:solidFill>
+                      <a:schemeClr val="tx1"/>
+                    </a:solidFill>
+                  </a:tcPr>
+                </a:tc>
+                <a:tc>
+                  <a:txBody>
+                    <a:bodyPr/>
+                    <a:lstStyle/>
+                    <a:p>
+                      <a:r>
+                        <a:rPr lang="de-DE" sz="1600" smtClean="0"/>
+                        <a:t>A</a:t>
+                      </a:r>
+                      <a:endParaRPr lang="de-DE" sz="1600"/>
+                    </a:p>
+                  </a:txBody>
+                  <a:tcPr/>
+                </a:tc>
+                <a:tc>
+                  <a:txBody>
+                    <a:bodyPr/>
+                    <a:lstStyle/>
+                    <a:p>
+                      <a:r>
+                        <a:rPr lang="de-DE" sz="1600" smtClean="0"/>
+                        <a:t>B</a:t>
+                      </a:r>
+                      <a:endParaRPr lang="de-DE" sz="1600"/>
+                    </a:p>
+                  </a:txBody>
+                  <a:tcPr/>
+                </a:tc>
+                <a:tc>
+                  <a:txBody>
+                    <a:bodyPr/>
+                    <a:lstStyle/>
+                    <a:p>
+                      <a:r>
+                        <a:rPr lang="de-DE" sz="1600" smtClean="0"/>
+                        <a:t>C</a:t>
+                      </a:r>
+                      <a:endParaRPr lang="de-DE" sz="1600"/>
+                    </a:p>
+                  </a:txBody>
+                  <a:tcPr/>
+                </a:tc>
+                <a:tc>
+                  <a:txBody>
+                    <a:bodyPr/>
+                    <a:lstStyle/>
+                    <a:p>
+                      <a:r>
+                        <a:rPr lang="de-DE" sz="1600" smtClean="0"/>
+                        <a:t>D</a:t>
+                      </a:r>
+                      <a:endParaRPr lang="de-DE" sz="1600"/>
+                    </a:p>
+                  </a:txBody>
+                  <a:tcPr/>
+                </a:tc>
+                <a:tc>
+                  <a:txBody>
+                    <a:bodyPr/>
+                    <a:lstStyle/>
+                    <a:p>
+                      <a:r>
+                        <a:rPr lang="de-DE" sz="1600" smtClean="0"/>
+                        <a:t>E</a:t>
+                      </a:r>
+                      <a:endParaRPr lang="de-DE" sz="1600"/>
+                    </a:p>
+                  </a:txBody>
+                  <a:tcPr/>
+                </a:tc>
+                <a:tc>
+                  <a:txBody>
+                    <a:bodyPr/>
+                    <a:lstStyle/>
+                    <a:p>
+                      <a:r>
+                        <a:rPr lang="de-DE" sz="1600" smtClean="0">
+                          <a:solidFill>
+                            <a:srgbClr val="FF0000"/>
+                          </a:solidFill>
+                        </a:rPr>
+                        <a:t>F</a:t>
+                      </a:r>
+                      <a:endParaRPr lang="de-DE" sz="1600">
+                        <a:solidFill>
+                          <a:srgbClr val="FF0000"/>
+                        </a:solidFill>
+                      </a:endParaRPr>
+                    </a:p>
+                  </a:txBody>
+                  <a:tcPr/>
+                </a:tc>
+                <a:tc>
+                  <a:txBody>
+                    <a:bodyPr/>
+                    <a:lstStyle/>
+                    <a:p>
+                      <a:r>
+                        <a:rPr lang="de-DE" sz="1600" smtClean="0">
+                          <a:solidFill>
+                            <a:srgbClr val="FF0000"/>
+                          </a:solidFill>
+                        </a:rPr>
+                        <a:t>G</a:t>
+                      </a:r>
+                      <a:endParaRPr lang="de-DE" sz="1600">
+                        <a:solidFill>
+                          <a:srgbClr val="FF0000"/>
+                        </a:solidFill>
+                      </a:endParaRPr>
+                    </a:p>
+                  </a:txBody>
+                  <a:tcPr>
+                    <a:lnR w="76200" cap="flat" cmpd="sng" algn="ctr">
+                      <a:solidFill>
+                        <a:schemeClr val="bg1"/>
+                      </a:solidFill>
+                      <a:prstDash val="solid"/>
+                      <a:round/>
+                      <a:headEnd type="none" w="med" len="med"/>
+                      <a:tailEnd type="none" w="med" len="med"/>
+                    </a:lnR>
+                  </a:tcPr>
+                </a:tc>
+              </a:tr>
+              <a:tr h="324000">
+                <a:tc>
+                  <a:txBody>
+                    <a:bodyPr/>
+                    <a:lstStyle/>
+                    <a:p>
+                      <a:r>
+                        <a:rPr lang="de-DE" sz="1600" b="1" smtClean="0">
+                          <a:solidFill>
+                            <a:schemeClr val="bg1"/>
+                          </a:solidFill>
+                        </a:rPr>
+                        <a:t>A</a:t>
+                      </a:r>
+                      <a:endParaRPr lang="de-DE" sz="1600" b="1">
+                        <a:solidFill>
+                          <a:schemeClr val="bg1"/>
+                        </a:solidFill>
+                      </a:endParaRPr>
+                    </a:p>
+                  </a:txBody>
+                  <a:tcPr>
+                    <a:solidFill>
+                      <a:schemeClr val="accent1"/>
+                    </a:solidFill>
+                  </a:tcPr>
+                </a:tc>
+                <a:tc>
+                  <a:txBody>
+                    <a:bodyPr/>
+                    <a:lstStyle/>
+                    <a:p>
+                      <a:r>
+                        <a:rPr lang="de-DE" sz="1600" smtClean="0"/>
+                        <a:t>x</a:t>
+                      </a:r>
+                      <a:endParaRPr lang="de-DE" sz="1600"/>
+                    </a:p>
+                  </a:txBody>
+                  <a:tcPr/>
+                </a:tc>
+                <a:tc>
+                  <a:txBody>
+                    <a:bodyPr/>
+                    <a:lstStyle/>
+                    <a:p>
+                      <a:r>
+                        <a:rPr lang="de-DE" sz="1600" smtClean="0"/>
+                        <a:t>x</a:t>
+                      </a:r>
+                      <a:endParaRPr lang="de-DE" sz="1600"/>
+                    </a:p>
+                  </a:txBody>
+                  <a:tcPr/>
+                </a:tc>
+                <a:tc>
+                  <a:txBody>
+                    <a:bodyPr/>
+                    <a:lstStyle/>
+                    <a:p>
+                      <a:r>
+                        <a:rPr lang="de-DE" sz="1600" smtClean="0"/>
+                        <a:t>x</a:t>
+                      </a:r>
+                      <a:endParaRPr lang="de-DE" sz="1600"/>
+                    </a:p>
+                  </a:txBody>
+                  <a:tcPr/>
+                </a:tc>
+                <a:tc>
+                  <a:txBody>
+                    <a:bodyPr/>
+                    <a:lstStyle/>
+                    <a:p>
+                      <a:r>
+                        <a:rPr lang="de-DE" sz="1600" smtClean="0"/>
+                        <a:t>x</a:t>
+                      </a:r>
+                      <a:endParaRPr lang="de-DE" sz="1600"/>
+                    </a:p>
+                  </a:txBody>
+                  <a:tcPr/>
+                </a:tc>
+                <a:tc>
+                  <a:txBody>
+                    <a:bodyPr/>
+                    <a:lstStyle/>
+                    <a:p>
+                      <a:r>
+                        <a:rPr lang="de-DE" sz="1600" smtClean="0"/>
+                        <a:t>x</a:t>
+                      </a:r>
+                      <a:endParaRPr lang="de-DE" sz="1600"/>
+                    </a:p>
+                  </a:txBody>
+                  <a:tcPr/>
+                </a:tc>
+                <a:tc>
+                  <a:txBody>
+                    <a:bodyPr/>
+                    <a:lstStyle/>
+                    <a:p>
+                      <a:r>
+                        <a:rPr lang="de-DE" sz="1600" smtClean="0"/>
+                        <a:t>x</a:t>
+                      </a:r>
+                      <a:endParaRPr lang="de-DE" sz="1600"/>
+                    </a:p>
+                  </a:txBody>
+                  <a:tcPr/>
+                </a:tc>
+                <a:tc>
+                  <a:txBody>
+                    <a:bodyPr/>
+                    <a:lstStyle/>
+                    <a:p>
+                      <a:r>
+                        <a:rPr lang="de-DE" sz="1600" smtClean="0"/>
+                        <a:t>x</a:t>
+                      </a:r>
+                      <a:endParaRPr lang="de-DE" sz="1600"/>
+                    </a:p>
+                  </a:txBody>
+                  <a:tcPr>
+                    <a:lnR w="76200" cap="flat" cmpd="sng" algn="ctr">
+                      <a:solidFill>
+                        <a:schemeClr val="bg1"/>
+                      </a:solidFill>
+                      <a:prstDash val="solid"/>
+                      <a:round/>
+                      <a:headEnd type="none" w="med" len="med"/>
+                      <a:tailEnd type="none" w="med" len="med"/>
+                    </a:lnR>
+                  </a:tcPr>
+                </a:tc>
+              </a:tr>
+              <a:tr h="324000">
+                <a:tc>
+                  <a:txBody>
+                    <a:bodyPr/>
+                    <a:lstStyle/>
+                    <a:p>
+                      <a:r>
+                        <a:rPr lang="de-DE" sz="1600" b="1" smtClean="0">
+                          <a:solidFill>
+                            <a:schemeClr val="bg1"/>
+                          </a:solidFill>
+                        </a:rPr>
+                        <a:t>B</a:t>
+                      </a:r>
+                      <a:endParaRPr lang="de-DE" sz="1600" b="1">
+                        <a:solidFill>
+                          <a:schemeClr val="bg1"/>
+                        </a:solidFill>
+                      </a:endParaRPr>
+                    </a:p>
+                  </a:txBody>
+                  <a:tcPr>
+                    <a:solidFill>
+                      <a:schemeClr val="accent1"/>
+                    </a:solidFill>
+                  </a:tcPr>
+                </a:tc>
+                <a:tc>
+                  <a:txBody>
+                    <a:bodyPr/>
+                    <a:lstStyle/>
+                    <a:p>
+                      <a:r>
+                        <a:rPr lang="de-DE" sz="1600" smtClean="0"/>
+                        <a:t>x</a:t>
+                      </a:r>
+                      <a:endParaRPr lang="de-DE" sz="1600"/>
+                    </a:p>
+                  </a:txBody>
+                  <a:tcPr/>
+                </a:tc>
+                <a:tc>
+                  <a:txBody>
+                    <a:bodyPr/>
+                    <a:lstStyle/>
+                    <a:p>
+                      <a:r>
+                        <a:rPr lang="de-DE" sz="1600" smtClean="0"/>
+                        <a:t>x</a:t>
+                      </a:r>
+                      <a:endParaRPr lang="de-DE" sz="1600"/>
+                    </a:p>
+                  </a:txBody>
+                  <a:tcPr/>
+                </a:tc>
+                <a:tc>
+                  <a:txBody>
+                    <a:bodyPr/>
+                    <a:lstStyle/>
+                    <a:p>
+                      <a:r>
+                        <a:rPr lang="de-DE" sz="1600" smtClean="0"/>
+                        <a:t>x</a:t>
+                      </a:r>
+                      <a:endParaRPr lang="de-DE" sz="1600"/>
+                    </a:p>
+                  </a:txBody>
+                  <a:tcPr/>
+                </a:tc>
+                <a:tc>
+                  <a:txBody>
+                    <a:bodyPr/>
+                    <a:lstStyle/>
+                    <a:p>
+                      <a:r>
+                        <a:rPr lang="de-DE" sz="1600" smtClean="0"/>
+                        <a:t>x</a:t>
+                      </a:r>
+                      <a:endParaRPr lang="de-DE" sz="1600"/>
+                    </a:p>
+                  </a:txBody>
+                  <a:tcPr/>
+                </a:tc>
+                <a:tc>
+                  <a:txBody>
+                    <a:bodyPr/>
+                    <a:lstStyle/>
+                    <a:p>
+                      <a:r>
+                        <a:rPr lang="de-DE" sz="1600" smtClean="0"/>
+                        <a:t>x</a:t>
+                      </a:r>
+                      <a:endParaRPr lang="de-DE" sz="1600"/>
+                    </a:p>
+                  </a:txBody>
+                  <a:tcPr/>
+                </a:tc>
+                <a:tc>
+                  <a:txBody>
+                    <a:bodyPr/>
+                    <a:lstStyle/>
+                    <a:p>
+                      <a:r>
+                        <a:rPr lang="de-DE" sz="1600" smtClean="0"/>
+                        <a:t>x</a:t>
+                      </a:r>
+                      <a:endParaRPr lang="de-DE" sz="1600"/>
+                    </a:p>
+                  </a:txBody>
+                  <a:tcPr/>
+                </a:tc>
+                <a:tc>
+                  <a:txBody>
+                    <a:bodyPr/>
+                    <a:lstStyle/>
+                    <a:p>
+                      <a:r>
+                        <a:rPr lang="de-DE" sz="1600" smtClean="0"/>
+                        <a:t>x</a:t>
+                      </a:r>
+                      <a:endParaRPr lang="de-DE" sz="1600"/>
+                    </a:p>
+                  </a:txBody>
+                  <a:tcPr>
+                    <a:lnR w="76200" cap="flat" cmpd="sng" algn="ctr">
+                      <a:solidFill>
+                        <a:schemeClr val="bg1"/>
+                      </a:solidFill>
+                      <a:prstDash val="solid"/>
+                      <a:round/>
+                      <a:headEnd type="none" w="med" len="med"/>
+                      <a:tailEnd type="none" w="med" len="med"/>
+                    </a:lnR>
+                  </a:tcPr>
+                </a:tc>
+              </a:tr>
+              <a:tr h="324000">
+                <a:tc>
+                  <a:txBody>
+                    <a:bodyPr/>
+                    <a:lstStyle/>
+                    <a:p>
+                      <a:r>
+                        <a:rPr lang="de-DE" sz="1600" b="1" smtClean="0">
+                          <a:solidFill>
+                            <a:schemeClr val="bg1"/>
+                          </a:solidFill>
+                        </a:rPr>
+                        <a:t>C</a:t>
+                      </a:r>
+                      <a:endParaRPr lang="de-DE" sz="1600" b="1">
+                        <a:solidFill>
+                          <a:schemeClr val="bg1"/>
+                        </a:solidFill>
+                      </a:endParaRPr>
+                    </a:p>
+                  </a:txBody>
+                  <a:tcPr>
+                    <a:solidFill>
+                      <a:schemeClr val="accent1"/>
+                    </a:solidFill>
+                  </a:tcPr>
+                </a:tc>
+                <a:tc>
+                  <a:txBody>
+                    <a:bodyPr/>
+                    <a:lstStyle/>
+                    <a:p>
+                      <a:r>
+                        <a:rPr lang="de-DE" sz="1600" smtClean="0"/>
+                        <a:t>x</a:t>
+                      </a:r>
+                      <a:endParaRPr lang="de-DE" sz="1600"/>
+                    </a:p>
+                  </a:txBody>
+                  <a:tcPr/>
+                </a:tc>
+                <a:tc>
+                  <a:txBody>
+                    <a:bodyPr/>
+                    <a:lstStyle/>
+                    <a:p>
+                      <a:r>
+                        <a:rPr lang="de-DE" sz="1600" smtClean="0"/>
+                        <a:t>x</a:t>
+                      </a:r>
+                      <a:endParaRPr lang="de-DE" sz="1600"/>
+                    </a:p>
+                  </a:txBody>
+                  <a:tcPr/>
+                </a:tc>
+                <a:tc>
+                  <a:txBody>
+                    <a:bodyPr/>
+                    <a:lstStyle/>
+                    <a:p>
+                      <a:r>
+                        <a:rPr lang="de-DE" sz="1600" smtClean="0"/>
+                        <a:t>x</a:t>
+                      </a:r>
+                      <a:endParaRPr lang="de-DE" sz="1600"/>
+                    </a:p>
+                  </a:txBody>
+                  <a:tcPr/>
+                </a:tc>
+                <a:tc>
+                  <a:txBody>
+                    <a:bodyPr/>
+                    <a:lstStyle/>
+                    <a:p>
+                      <a:r>
+                        <a:rPr lang="de-DE" sz="1600" smtClean="0"/>
+                        <a:t>x</a:t>
+                      </a:r>
+                      <a:endParaRPr lang="de-DE" sz="1600"/>
+                    </a:p>
+                  </a:txBody>
+                  <a:tcPr/>
+                </a:tc>
+                <a:tc>
+                  <a:txBody>
+                    <a:bodyPr/>
+                    <a:lstStyle/>
+                    <a:p>
+                      <a:r>
+                        <a:rPr lang="de-DE" sz="1600" smtClean="0"/>
+                        <a:t>x</a:t>
+                      </a:r>
+                      <a:endParaRPr lang="de-DE" sz="1600"/>
+                    </a:p>
+                  </a:txBody>
+                  <a:tcPr/>
+                </a:tc>
+                <a:tc>
+                  <a:txBody>
+                    <a:bodyPr/>
+                    <a:lstStyle/>
+                    <a:p>
+                      <a:r>
+                        <a:rPr lang="de-DE" sz="1600" smtClean="0"/>
+                        <a:t>x</a:t>
+                      </a:r>
+                      <a:endParaRPr lang="de-DE" sz="1600"/>
+                    </a:p>
+                  </a:txBody>
+                  <a:tcPr/>
+                </a:tc>
+                <a:tc>
+                  <a:txBody>
+                    <a:bodyPr/>
+                    <a:lstStyle/>
+                    <a:p>
+                      <a:r>
+                        <a:rPr lang="de-DE" sz="1600" smtClean="0"/>
+                        <a:t>x</a:t>
+                      </a:r>
+                      <a:endParaRPr lang="de-DE" sz="1600"/>
+                    </a:p>
+                  </a:txBody>
+                  <a:tcPr>
+                    <a:lnR w="76200" cap="flat" cmpd="sng" algn="ctr">
+                      <a:solidFill>
+                        <a:schemeClr val="bg1"/>
+                      </a:solidFill>
+                      <a:prstDash val="solid"/>
+                      <a:round/>
+                      <a:headEnd type="none" w="med" len="med"/>
+                      <a:tailEnd type="none" w="med" len="med"/>
+                    </a:lnR>
+                  </a:tcPr>
+                </a:tc>
+              </a:tr>
+              <a:tr h="324000">
+                <a:tc>
+                  <a:txBody>
+                    <a:bodyPr/>
+                    <a:lstStyle/>
+                    <a:p>
+                      <a:r>
+                        <a:rPr lang="de-DE" sz="1600" b="1" smtClean="0">
+                          <a:solidFill>
+                            <a:schemeClr val="bg1"/>
+                          </a:solidFill>
+                        </a:rPr>
+                        <a:t>D</a:t>
+                      </a:r>
+                      <a:endParaRPr lang="de-DE" sz="1600" b="1">
+                        <a:solidFill>
+                          <a:schemeClr val="bg1"/>
+                        </a:solidFill>
+                      </a:endParaRPr>
+                    </a:p>
+                  </a:txBody>
+                  <a:tcPr>
+                    <a:solidFill>
+                      <a:schemeClr val="accent1"/>
+                    </a:solidFill>
+                  </a:tcPr>
+                </a:tc>
+                <a:tc>
+                  <a:txBody>
+                    <a:bodyPr/>
+                    <a:lstStyle/>
+                    <a:p>
+                      <a:r>
+                        <a:rPr lang="de-DE" sz="1600" smtClean="0"/>
+                        <a:t>x</a:t>
+                      </a:r>
+                      <a:endParaRPr lang="de-DE" sz="1600"/>
+                    </a:p>
+                  </a:txBody>
+                  <a:tcPr/>
+                </a:tc>
+                <a:tc>
+                  <a:txBody>
+                    <a:bodyPr/>
+                    <a:lstStyle/>
+                    <a:p>
+                      <a:r>
+                        <a:rPr lang="de-DE" sz="1600" smtClean="0"/>
+                        <a:t>x</a:t>
+                      </a:r>
+                      <a:endParaRPr lang="de-DE" sz="1600"/>
+                    </a:p>
+                  </a:txBody>
+                  <a:tcPr/>
+                </a:tc>
+                <a:tc>
+                  <a:txBody>
+                    <a:bodyPr/>
+                    <a:lstStyle/>
+                    <a:p>
+                      <a:r>
+                        <a:rPr lang="de-DE" sz="1600" smtClean="0"/>
+                        <a:t>x</a:t>
+                      </a:r>
+                      <a:endParaRPr lang="de-DE" sz="1600"/>
+                    </a:p>
+                  </a:txBody>
+                  <a:tcPr/>
+                </a:tc>
+                <a:tc>
+                  <a:txBody>
+                    <a:bodyPr/>
+                    <a:lstStyle/>
+                    <a:p>
+                      <a:r>
+                        <a:rPr lang="de-DE" sz="1600" smtClean="0"/>
+                        <a:t>x</a:t>
+                      </a:r>
+                      <a:endParaRPr lang="de-DE" sz="1600"/>
+                    </a:p>
+                  </a:txBody>
+                  <a:tcPr/>
+                </a:tc>
+                <a:tc>
+                  <a:txBody>
+                    <a:bodyPr/>
+                    <a:lstStyle/>
+                    <a:p>
+                      <a:r>
+                        <a:rPr lang="de-DE" sz="1600" smtClean="0"/>
+                        <a:t>x</a:t>
+                      </a:r>
+                      <a:endParaRPr lang="de-DE" sz="1600"/>
+                    </a:p>
+                  </a:txBody>
+                  <a:tcPr/>
+                </a:tc>
+                <a:tc>
+                  <a:txBody>
+                    <a:bodyPr/>
+                    <a:lstStyle/>
+                    <a:p>
+                      <a:r>
+                        <a:rPr lang="de-DE" sz="1600" smtClean="0"/>
+                        <a:t>x</a:t>
+                      </a:r>
+                      <a:endParaRPr lang="de-DE" sz="1600"/>
+                    </a:p>
+                  </a:txBody>
+                  <a:tcPr/>
+                </a:tc>
+                <a:tc>
+                  <a:txBody>
+                    <a:bodyPr/>
+                    <a:lstStyle/>
+                    <a:p>
+                      <a:r>
+                        <a:rPr lang="de-DE" sz="1600" smtClean="0"/>
+                        <a:t>x</a:t>
+                      </a:r>
+                      <a:endParaRPr lang="de-DE" sz="1600"/>
+                    </a:p>
+                  </a:txBody>
+                  <a:tcPr>
+                    <a:lnR w="76200" cap="flat" cmpd="sng" algn="ctr">
+                      <a:solidFill>
+                        <a:schemeClr val="bg1"/>
+                      </a:solidFill>
+                      <a:prstDash val="solid"/>
+                      <a:round/>
+                      <a:headEnd type="none" w="med" len="med"/>
+                      <a:tailEnd type="none" w="med" len="med"/>
+                    </a:lnR>
+                  </a:tcPr>
+                </a:tc>
+              </a:tr>
+              <a:tr h="324000">
+                <a:tc>
+                  <a:txBody>
+                    <a:bodyPr/>
+                    <a:lstStyle/>
+                    <a:p>
+                      <a:r>
+                        <a:rPr lang="de-DE" sz="1600" b="1" smtClean="0">
+                          <a:solidFill>
+                            <a:schemeClr val="bg1"/>
+                          </a:solidFill>
+                        </a:rPr>
+                        <a:t>E</a:t>
+                      </a:r>
+                      <a:endParaRPr lang="de-DE" sz="1600" b="1">
+                        <a:solidFill>
+                          <a:schemeClr val="bg1"/>
+                        </a:solidFill>
+                      </a:endParaRPr>
+                    </a:p>
+                  </a:txBody>
+                  <a:tcPr>
+                    <a:solidFill>
+                      <a:schemeClr val="accent1"/>
+                    </a:solidFill>
+                  </a:tcPr>
+                </a:tc>
+                <a:tc>
+                  <a:txBody>
+                    <a:bodyPr/>
+                    <a:lstStyle/>
+                    <a:p>
+                      <a:r>
+                        <a:rPr lang="de-DE" sz="1600" smtClean="0"/>
+                        <a:t>x</a:t>
+                      </a:r>
+                      <a:endParaRPr lang="de-DE" sz="1600"/>
+                    </a:p>
+                  </a:txBody>
+                  <a:tcPr/>
+                </a:tc>
+                <a:tc>
+                  <a:txBody>
+                    <a:bodyPr/>
+                    <a:lstStyle/>
+                    <a:p>
+                      <a:r>
+                        <a:rPr lang="de-DE" sz="1600" smtClean="0"/>
+                        <a:t>x</a:t>
+                      </a:r>
+                      <a:endParaRPr lang="de-DE" sz="1600"/>
+                    </a:p>
+                  </a:txBody>
+                  <a:tcPr/>
+                </a:tc>
+                <a:tc>
+                  <a:txBody>
+                    <a:bodyPr/>
+                    <a:lstStyle/>
+                    <a:p>
+                      <a:r>
+                        <a:rPr lang="de-DE" sz="1600" smtClean="0"/>
+                        <a:t>x</a:t>
+                      </a:r>
+                      <a:endParaRPr lang="de-DE" sz="1600"/>
+                    </a:p>
+                  </a:txBody>
+                  <a:tcPr/>
+                </a:tc>
+                <a:tc>
+                  <a:txBody>
+                    <a:bodyPr/>
+                    <a:lstStyle/>
+                    <a:p>
+                      <a:r>
+                        <a:rPr lang="de-DE" sz="1600" smtClean="0"/>
+                        <a:t>x</a:t>
+                      </a:r>
+                      <a:endParaRPr lang="de-DE" sz="1600"/>
+                    </a:p>
+                  </a:txBody>
+                  <a:tcPr/>
+                </a:tc>
+                <a:tc>
+                  <a:txBody>
+                    <a:bodyPr/>
+                    <a:lstStyle/>
+                    <a:p>
+                      <a:r>
+                        <a:rPr lang="de-DE" sz="1600" smtClean="0"/>
+                        <a:t>x</a:t>
+                      </a:r>
+                      <a:endParaRPr lang="de-DE" sz="1600"/>
+                    </a:p>
+                  </a:txBody>
+                  <a:tcPr/>
+                </a:tc>
+                <a:tc>
+                  <a:txBody>
+                    <a:bodyPr/>
+                    <a:lstStyle/>
+                    <a:p>
+                      <a:r>
+                        <a:rPr lang="de-DE" sz="1600" smtClean="0"/>
+                        <a:t>x</a:t>
+                      </a:r>
+                      <a:endParaRPr lang="de-DE" sz="1600"/>
+                    </a:p>
+                  </a:txBody>
+                  <a:tcPr/>
+                </a:tc>
+                <a:tc>
+                  <a:txBody>
+                    <a:bodyPr/>
+                    <a:lstStyle/>
+                    <a:p>
+                      <a:r>
+                        <a:rPr lang="de-DE" sz="1600" smtClean="0"/>
+                        <a:t>x</a:t>
+                      </a:r>
+                      <a:endParaRPr lang="de-DE" sz="1600"/>
+                    </a:p>
+                  </a:txBody>
+                  <a:tcPr>
+                    <a:lnR w="76200" cap="flat" cmpd="sng" algn="ctr">
+                      <a:solidFill>
+                        <a:schemeClr val="bg1"/>
+                      </a:solidFill>
+                      <a:prstDash val="solid"/>
+                      <a:round/>
+                      <a:headEnd type="none" w="med" len="med"/>
+                      <a:tailEnd type="none" w="med" len="med"/>
+                    </a:lnR>
+                  </a:tcPr>
+                </a:tc>
+              </a:tr>
+              <a:tr h="324000">
+                <a:tc>
+                  <a:txBody>
+                    <a:bodyPr/>
+                    <a:lstStyle/>
+                    <a:p>
+                      <a:r>
+                        <a:rPr lang="de-DE" sz="1600" b="1" smtClean="0">
+                          <a:solidFill>
+                            <a:srgbClr val="FF0000"/>
+                          </a:solidFill>
+                        </a:rPr>
+                        <a:t>F</a:t>
+                      </a:r>
+                      <a:endParaRPr lang="de-DE" sz="1600" b="1">
+                        <a:solidFill>
+                          <a:srgbClr val="FF0000"/>
+                        </a:solidFill>
+                      </a:endParaRPr>
+                    </a:p>
+                  </a:txBody>
+                  <a:tcPr>
+                    <a:solidFill>
+                      <a:schemeClr val="accent1"/>
+                    </a:solidFill>
+                  </a:tcPr>
+                </a:tc>
+                <a:tc>
+                  <a:txBody>
+                    <a:bodyPr/>
+                    <a:lstStyle/>
+                    <a:p>
+                      <a:r>
+                        <a:rPr lang="de-DE" sz="1600" smtClean="0"/>
+                        <a:t>x</a:t>
+                      </a:r>
+                      <a:endParaRPr lang="de-DE" sz="1600"/>
+                    </a:p>
+                  </a:txBody>
+                  <a:tcPr/>
+                </a:tc>
+                <a:tc>
+                  <a:txBody>
+                    <a:bodyPr/>
+                    <a:lstStyle/>
+                    <a:p>
+                      <a:r>
+                        <a:rPr lang="de-DE" sz="1600" smtClean="0"/>
+                        <a:t>x</a:t>
+                      </a:r>
+                      <a:endParaRPr lang="de-DE" sz="1600"/>
+                    </a:p>
+                  </a:txBody>
+                  <a:tcPr/>
+                </a:tc>
+                <a:tc>
+                  <a:txBody>
+                    <a:bodyPr/>
+                    <a:lstStyle/>
+                    <a:p>
+                      <a:r>
+                        <a:rPr lang="de-DE" sz="1600" smtClean="0"/>
+                        <a:t>x</a:t>
+                      </a:r>
+                      <a:endParaRPr lang="de-DE" sz="1600"/>
+                    </a:p>
+                  </a:txBody>
+                  <a:tcPr/>
+                </a:tc>
+                <a:tc>
+                  <a:txBody>
+                    <a:bodyPr/>
+                    <a:lstStyle/>
+                    <a:p>
+                      <a:r>
+                        <a:rPr lang="de-DE" sz="1600" smtClean="0"/>
+                        <a:t>x</a:t>
+                      </a:r>
+                      <a:endParaRPr lang="de-DE" sz="1600"/>
+                    </a:p>
+                  </a:txBody>
+                  <a:tcPr/>
+                </a:tc>
+                <a:tc>
+                  <a:txBody>
+                    <a:bodyPr/>
+                    <a:lstStyle/>
+                    <a:p>
+                      <a:r>
+                        <a:rPr lang="de-DE" sz="1600" smtClean="0"/>
+                        <a:t>x</a:t>
+                      </a:r>
+                      <a:endParaRPr lang="de-DE" sz="1600"/>
+                    </a:p>
+                  </a:txBody>
+                  <a:tcPr/>
+                </a:tc>
+                <a:tc>
+                  <a:txBody>
+                    <a:bodyPr/>
+                    <a:lstStyle/>
+                    <a:p>
+                      <a:r>
+                        <a:rPr lang="de-DE" sz="1600" smtClean="0"/>
+                        <a:t>x</a:t>
+                      </a:r>
+                      <a:endParaRPr lang="de-DE" sz="1600"/>
+                    </a:p>
+                  </a:txBody>
+                  <a:tcPr/>
+                </a:tc>
+                <a:tc>
+                  <a:txBody>
+                    <a:bodyPr/>
+                    <a:lstStyle/>
+                    <a:p>
+                      <a:r>
+                        <a:rPr lang="de-DE" sz="1600" smtClean="0"/>
+                        <a:t>x</a:t>
+                      </a:r>
+                      <a:endParaRPr lang="de-DE" sz="1600"/>
+                    </a:p>
+                  </a:txBody>
+                  <a:tcPr>
+                    <a:lnR w="76200" cap="flat" cmpd="sng" algn="ctr">
+                      <a:solidFill>
+                        <a:schemeClr val="bg1"/>
+                      </a:solidFill>
+                      <a:prstDash val="solid"/>
+                      <a:round/>
+                      <a:headEnd type="none" w="med" len="med"/>
+                      <a:tailEnd type="none" w="med" len="med"/>
+                    </a:lnR>
+                  </a:tcPr>
+                </a:tc>
+              </a:tr>
+              <a:tr h="324000">
+                <a:tc>
+                  <a:txBody>
+                    <a:bodyPr/>
+                    <a:lstStyle/>
+                    <a:p>
+                      <a:r>
+                        <a:rPr lang="de-DE" sz="1600" b="1" smtClean="0">
+                          <a:solidFill>
+                            <a:srgbClr val="FF0000"/>
+                          </a:solidFill>
+                        </a:rPr>
+                        <a:t>G</a:t>
+                      </a:r>
+                      <a:endParaRPr lang="de-DE" sz="1600" b="1">
+                        <a:solidFill>
+                          <a:srgbClr val="FF0000"/>
+                        </a:solidFill>
+                      </a:endParaRPr>
+                    </a:p>
+                  </a:txBody>
+                  <a:tcPr>
+                    <a:solidFill>
+                      <a:schemeClr val="accent1"/>
+                    </a:solidFill>
+                  </a:tcPr>
+                </a:tc>
+                <a:tc>
+                  <a:txBody>
+                    <a:bodyPr/>
+                    <a:lstStyle/>
+                    <a:p>
+                      <a:r>
+                        <a:rPr lang="de-DE" sz="1600" smtClean="0"/>
+                        <a:t>x</a:t>
+                      </a:r>
+                      <a:endParaRPr lang="de-DE" sz="1600"/>
+                    </a:p>
+                  </a:txBody>
+                  <a:tcPr/>
+                </a:tc>
+                <a:tc>
+                  <a:txBody>
+                    <a:bodyPr/>
+                    <a:lstStyle/>
+                    <a:p>
+                      <a:r>
+                        <a:rPr lang="de-DE" sz="1600" smtClean="0"/>
+                        <a:t>x</a:t>
+                      </a:r>
+                      <a:endParaRPr lang="de-DE" sz="1600"/>
+                    </a:p>
+                  </a:txBody>
+                  <a:tcPr/>
+                </a:tc>
+                <a:tc>
+                  <a:txBody>
+                    <a:bodyPr/>
+                    <a:lstStyle/>
+                    <a:p>
+                      <a:r>
+                        <a:rPr lang="de-DE" sz="1600" smtClean="0"/>
+                        <a:t>x</a:t>
+                      </a:r>
+                      <a:endParaRPr lang="de-DE" sz="1600"/>
+                    </a:p>
+                  </a:txBody>
+                  <a:tcPr/>
+                </a:tc>
+                <a:tc>
+                  <a:txBody>
+                    <a:bodyPr/>
+                    <a:lstStyle/>
+                    <a:p>
+                      <a:r>
+                        <a:rPr lang="de-DE" sz="1600" smtClean="0"/>
+                        <a:t>x</a:t>
+                      </a:r>
+                      <a:endParaRPr lang="de-DE" sz="1600"/>
+                    </a:p>
+                  </a:txBody>
+                  <a:tcPr/>
+                </a:tc>
+                <a:tc>
+                  <a:txBody>
+                    <a:bodyPr/>
+                    <a:lstStyle/>
+                    <a:p>
+                      <a:r>
+                        <a:rPr lang="de-DE" sz="1600" smtClean="0"/>
+                        <a:t>x</a:t>
+                      </a:r>
+                      <a:endParaRPr lang="de-DE" sz="1600"/>
+                    </a:p>
+                  </a:txBody>
+                  <a:tcPr/>
+                </a:tc>
+                <a:tc>
+                  <a:txBody>
+                    <a:bodyPr/>
+                    <a:lstStyle/>
+                    <a:p>
+                      <a:r>
+                        <a:rPr lang="de-DE" sz="1600" smtClean="0"/>
+                        <a:t>x</a:t>
+                      </a:r>
+                      <a:endParaRPr lang="de-DE" sz="1600"/>
+                    </a:p>
+                  </a:txBody>
+                  <a:tcPr/>
+                </a:tc>
+                <a:tc>
+                  <a:txBody>
+                    <a:bodyPr/>
+                    <a:lstStyle/>
+                    <a:p>
+                      <a:r>
+                        <a:rPr lang="de-DE" sz="1600" smtClean="0"/>
+                        <a:t>x</a:t>
+                      </a:r>
+                      <a:endParaRPr lang="de-DE" sz="1600"/>
+                    </a:p>
+                  </a:txBody>
+                  <a:tcPr>
+                    <a:lnR w="76200" cap="flat" cmpd="sng" algn="ctr">
+                      <a:solidFill>
+                        <a:schemeClr val="bg1"/>
+                      </a:solidFill>
+                      <a:prstDash val="solid"/>
+                      <a:round/>
+                      <a:headEnd type="none" w="med" len="med"/>
+                      <a:tailEnd type="none" w="med" len="med"/>
+                    </a:lnR>
+                  </a:tcPr>
+                </a:tc>
+              </a:tr>
+            </a:tbl>
+          </a:graphicData>
+        </a:graphic>
+      </p:graphicFrame>
+    </p:spTree>
+    <p:extLst>
+      <p:ext uri="{BB962C8B-B14F-4D97-AF65-F5344CB8AC3E}">
+        <p14:creationId xmlns:p14="http://schemas.microsoft.com/office/powerpoint/2010/main" val="3882505104"/>
       </p:ext>
     </p:extLst>
   </p:cSld>

--- a/Lab4/task3.pptx
+++ b/Lab4/task3.pptx
@@ -3110,13 +3110,13 @@
           <p:nvPr>
             <p:extLst>
               <p:ext uri="{D42A27DB-BD31-4B8C-83A1-F6EECF244321}">
-                <p14:modId xmlns:p14="http://schemas.microsoft.com/office/powerpoint/2010/main" val="165712946"/>
+                <p14:modId xmlns:p14="http://schemas.microsoft.com/office/powerpoint/2010/main" val="565189672"/>
               </p:ext>
             </p:extLst>
           </p:nvPr>
         </p:nvGraphicFramePr>
         <p:xfrm>
-          <a:off x="1394199" y="3139317"/>
+          <a:off x="1417336" y="3323983"/>
           <a:ext cx="4536000" cy="741680"/>
         </p:xfrm>
         <a:graphic>
@@ -3354,7 +3354,7 @@
         </p:nvSpPr>
         <p:spPr>
           <a:xfrm>
-            <a:off x="902423" y="1408419"/>
+            <a:off x="925560" y="1593085"/>
             <a:ext cx="3528392" cy="1631216"/>
           </a:xfrm>
           <a:prstGeom prst="rect">
@@ -3409,13 +3409,13 @@
           <p:nvPr>
             <p:extLst>
               <p:ext uri="{D42A27DB-BD31-4B8C-83A1-F6EECF244321}">
-                <p14:modId xmlns:p14="http://schemas.microsoft.com/office/powerpoint/2010/main" val="3803062307"/>
+                <p14:modId xmlns:p14="http://schemas.microsoft.com/office/powerpoint/2010/main" val="1432311346"/>
               </p:ext>
             </p:extLst>
           </p:nvPr>
         </p:nvGraphicFramePr>
         <p:xfrm>
-          <a:off x="1403648" y="4103297"/>
+          <a:off x="1426785" y="4287963"/>
           <a:ext cx="4536000" cy="741680"/>
         </p:xfrm>
         <a:graphic>
@@ -3653,7 +3653,7 @@
         </p:nvSpPr>
         <p:spPr>
           <a:xfrm>
-            <a:off x="926147" y="3139317"/>
+            <a:off x="949284" y="3323983"/>
             <a:ext cx="360040" cy="369332"/>
           </a:xfrm>
           <a:prstGeom prst="rect">
@@ -3691,7 +3691,7 @@
         </p:nvSpPr>
         <p:spPr>
           <a:xfrm>
-            <a:off x="899592" y="4103297"/>
+            <a:off x="922729" y="4287963"/>
             <a:ext cx="432048" cy="369332"/>
           </a:xfrm>
           <a:prstGeom prst="rect">
@@ -3730,7 +3730,7 @@
         <p:spPr>
           <a:xfrm>
             <a:off x="731852" y="260648"/>
-            <a:ext cx="7080508" cy="830997"/>
+            <a:ext cx="7080508" cy="1200329"/>
           </a:xfrm>
           <a:prstGeom prst="rect">
             <a:avLst/>
@@ -3746,7 +3746,18 @@
             <a:pPr algn="ctr"/>
             <a:r>
               <a:rPr lang="de-DE" sz="2400" smtClean="0"/>
-              <a:t>Round 1</a:t>
+              <a:t>Is Coordination needed?</a:t>
+            </a:r>
+          </a:p>
+          <a:p>
+            <a:pPr algn="ctr"/>
+            <a:r>
+              <a:rPr lang="de-DE" sz="2400" smtClean="0"/>
+              <a:t>Round </a:t>
+            </a:r>
+            <a:r>
+              <a:rPr lang="de-DE" sz="2400" smtClean="0"/>
+              <a:t>1</a:t>
             </a:r>
           </a:p>
           <a:p>
@@ -3769,6 +3780,13 @@
   <p:clrMapOvr>
     <a:masterClrMapping/>
   </p:clrMapOvr>
+  <p:timing>
+    <p:tnLst>
+      <p:par>
+        <p:cTn id="1" dur="indefinite" restart="never" nodeType="tmRoot"/>
+      </p:par>
+    </p:tnLst>
+  </p:timing>
 </p:sld>
 </file>
 
@@ -6574,6 +6592,13 @@
   <p:clrMapOvr>
     <a:masterClrMapping/>
   </p:clrMapOvr>
+  <p:timing>
+    <p:tnLst>
+      <p:par>
+        <p:cTn id="1" dur="indefinite" restart="never" nodeType="tmRoot"/>
+      </p:par>
+    </p:tnLst>
+  </p:timing>
 </p:sld>
 </file>
 
@@ -6664,6 +6689,13 @@
   <p:clrMapOvr>
     <a:masterClrMapping/>
   </p:clrMapOvr>
+  <p:timing>
+    <p:tnLst>
+      <p:par>
+        <p:cTn id="1" dur="indefinite" restart="never" nodeType="tmRoot"/>
+      </p:par>
+    </p:tnLst>
+  </p:timing>
 </p:sld>
 </file>
 
@@ -6693,13 +6725,13 @@
           <p:nvPr>
             <p:extLst>
               <p:ext uri="{D42A27DB-BD31-4B8C-83A1-F6EECF244321}">
-                <p14:modId xmlns:p14="http://schemas.microsoft.com/office/powerpoint/2010/main" val="105582779"/>
+                <p14:modId xmlns:p14="http://schemas.microsoft.com/office/powerpoint/2010/main" val="2596210656"/>
               </p:ext>
             </p:extLst>
           </p:nvPr>
         </p:nvGraphicFramePr>
         <p:xfrm>
-          <a:off x="1394199" y="3139317"/>
+          <a:off x="1417923" y="3423665"/>
           <a:ext cx="4536000" cy="741680"/>
         </p:xfrm>
         <a:graphic>
@@ -6937,7 +6969,7 @@
         </p:nvSpPr>
         <p:spPr>
           <a:xfrm>
-            <a:off x="902423" y="1408419"/>
+            <a:off x="926147" y="1692767"/>
             <a:ext cx="3528392" cy="1631216"/>
           </a:xfrm>
           <a:prstGeom prst="rect">
@@ -6992,13 +7024,13 @@
           <p:nvPr>
             <p:extLst>
               <p:ext uri="{D42A27DB-BD31-4B8C-83A1-F6EECF244321}">
-                <p14:modId xmlns:p14="http://schemas.microsoft.com/office/powerpoint/2010/main" val="2943160534"/>
+                <p14:modId xmlns:p14="http://schemas.microsoft.com/office/powerpoint/2010/main" val="3768500425"/>
               </p:ext>
             </p:extLst>
           </p:nvPr>
         </p:nvGraphicFramePr>
         <p:xfrm>
-          <a:off x="1403648" y="4103297"/>
+          <a:off x="1427372" y="4387645"/>
           <a:ext cx="4536000" cy="741680"/>
         </p:xfrm>
         <a:graphic>
@@ -7236,7 +7268,7 @@
         </p:nvSpPr>
         <p:spPr>
           <a:xfrm>
-            <a:off x="926147" y="3139317"/>
+            <a:off x="949871" y="3423665"/>
             <a:ext cx="360040" cy="369332"/>
           </a:xfrm>
           <a:prstGeom prst="rect">
@@ -7274,7 +7306,7 @@
         </p:nvSpPr>
         <p:spPr>
           <a:xfrm>
-            <a:off x="899592" y="4103297"/>
+            <a:off x="923316" y="4387645"/>
             <a:ext cx="432048" cy="369332"/>
           </a:xfrm>
           <a:prstGeom prst="rect">
@@ -7313,7 +7345,7 @@
         <p:spPr>
           <a:xfrm>
             <a:off x="731852" y="260648"/>
-            <a:ext cx="7080508" cy="830997"/>
+            <a:ext cx="7080508" cy="1200329"/>
           </a:xfrm>
           <a:prstGeom prst="rect">
             <a:avLst/>
@@ -7329,7 +7361,18 @@
             <a:pPr algn="ctr"/>
             <a:r>
               <a:rPr lang="de-DE" sz="2400" smtClean="0"/>
-              <a:t>Round 1</a:t>
+              <a:t>Improved Algorithm:</a:t>
+            </a:r>
+          </a:p>
+          <a:p>
+            <a:pPr algn="ctr"/>
+            <a:r>
+              <a:rPr lang="de-DE" sz="2400" smtClean="0"/>
+              <a:t>Round </a:t>
+            </a:r>
+            <a:r>
+              <a:rPr lang="de-DE" sz="2400" smtClean="0"/>
+              <a:t>1</a:t>
             </a:r>
           </a:p>
           <a:p>
@@ -7352,6 +7395,13 @@
   <p:clrMapOvr>
     <a:masterClrMapping/>
   </p:clrMapOvr>
+  <p:timing>
+    <p:tnLst>
+      <p:par>
+        <p:cTn id="1" dur="indefinite" restart="never" nodeType="tmRoot"/>
+      </p:par>
+    </p:tnLst>
+  </p:timing>
 </p:sld>
 </file>
 
@@ -9695,6 +9745,13 @@
   <p:clrMapOvr>
     <a:masterClrMapping/>
   </p:clrMapOvr>
+  <p:timing>
+    <p:tnLst>
+      <p:par>
+        <p:cTn id="1" dur="indefinite" restart="never" nodeType="tmRoot"/>
+      </p:par>
+    </p:tnLst>
+  </p:timing>
 </p:sld>
 </file>
 
@@ -9804,7 +9861,15 @@
             </a:pPr>
             <a:r>
               <a:rPr lang="de-DE" smtClean="0"/>
-              <a:t>Vectors form byzantine generals will be ignored</a:t>
+              <a:t>Vectors </a:t>
+            </a:r>
+            <a:r>
+              <a:rPr lang="de-DE" smtClean="0"/>
+              <a:t>from </a:t>
+            </a:r>
+            <a:r>
+              <a:rPr lang="de-DE" smtClean="0"/>
+              <a:t>byzantine generals will be ignored</a:t>
             </a:r>
             <a:endParaRPr lang="de-DE"/>
           </a:p>
@@ -9820,6 +9885,13 @@
   <p:clrMapOvr>
     <a:masterClrMapping/>
   </p:clrMapOvr>
+  <p:timing>
+    <p:tnLst>
+      <p:par>
+        <p:cTn id="1" dur="indefinite" restart="never" nodeType="tmRoot"/>
+      </p:par>
+    </p:tnLst>
+  </p:timing>
 </p:sld>
 </file>
 
@@ -14428,6 +14500,36 @@
           </a:graphicData>
         </a:graphic>
       </p:graphicFrame>
+      <p:sp>
+        <p:nvSpPr>
+          <p:cNvPr id="3" name="Textfeld 2"/>
+          <p:cNvSpPr txBox="1"/>
+          <p:nvPr/>
+        </p:nvSpPr>
+        <p:spPr>
+          <a:xfrm>
+            <a:off x="4283968" y="1321646"/>
+            <a:ext cx="2232248" cy="369332"/>
+          </a:xfrm>
+          <a:prstGeom prst="rect">
+            <a:avLst/>
+          </a:prstGeom>
+          <a:noFill/>
+        </p:spPr>
+        <p:txBody>
+          <a:bodyPr wrap="square" rtlCol="0">
+            <a:spAutoFit/>
+          </a:bodyPr>
+          <a:lstStyle/>
+          <a:p>
+            <a:r>
+              <a:rPr lang="de-DE" smtClean="0"/>
+              <a:t>-&gt; Retreat</a:t>
+            </a:r>
+            <a:endParaRPr lang="de-DE"/>
+          </a:p>
+        </p:txBody>
+      </p:sp>
     </p:spTree>
     <p:extLst>
       <p:ext uri="{BB962C8B-B14F-4D97-AF65-F5344CB8AC3E}">
@@ -14438,6 +14540,13 @@
   <p:clrMapOvr>
     <a:masterClrMapping/>
   </p:clrMapOvr>
+  <p:timing>
+    <p:tnLst>
+      <p:par>
+        <p:cTn id="1" dur="indefinite" restart="never" nodeType="tmRoot"/>
+      </p:par>
+    </p:tnLst>
+  </p:timing>
 </p:sld>
 </file>
 

--- a/Lab4/task3.pptx
+++ b/Lab4/task3.pptx
@@ -3753,18 +3753,18 @@
             <a:pPr algn="ctr"/>
             <a:r>
               <a:rPr lang="de-DE" sz="2400" smtClean="0"/>
-              <a:t>Round </a:t>
-            </a:r>
-            <a:r>
-              <a:rPr lang="de-DE" sz="2400" smtClean="0"/>
-              <a:t>1</a:t>
+              <a:t>Round 1</a:t>
             </a:r>
           </a:p>
           <a:p>
             <a:pPr algn="ctr"/>
             <a:r>
               <a:rPr lang="de-DE" sz="2400" smtClean="0"/>
-              <a:t>k = 2: 5 honest, 2 byzantine generals</a:t>
+              <a:t>k = 2: 5 honest, 2 byzantine </a:t>
+            </a:r>
+            <a:r>
+              <a:rPr lang="de-DE" sz="2400" smtClean="0"/>
+              <a:t>generals, on tie: atack</a:t>
             </a:r>
             <a:endParaRPr lang="de-DE" sz="2400"/>
           </a:p>
@@ -7368,18 +7368,18 @@
             <a:pPr algn="ctr"/>
             <a:r>
               <a:rPr lang="de-DE" sz="2400" smtClean="0"/>
-              <a:t>Round </a:t>
-            </a:r>
-            <a:r>
-              <a:rPr lang="de-DE" sz="2400" smtClean="0"/>
-              <a:t>1</a:t>
+              <a:t>Round 1</a:t>
             </a:r>
           </a:p>
           <a:p>
             <a:pPr algn="ctr"/>
             <a:r>
               <a:rPr lang="de-DE" sz="2400" smtClean="0"/>
-              <a:t>k = 2: 5 honest, 2 byzantine generals</a:t>
+              <a:t>k = 2: 5 honest, 2 byzantine </a:t>
+            </a:r>
+            <a:r>
+              <a:rPr lang="de-DE" sz="2400" smtClean="0"/>
+              <a:t>generals, on tie: attack</a:t>
             </a:r>
             <a:endParaRPr lang="de-DE" sz="2400"/>
           </a:p>
@@ -9861,15 +9861,7 @@
             </a:pPr>
             <a:r>
               <a:rPr lang="de-DE" smtClean="0"/>
-              <a:t>Vectors </a:t>
-            </a:r>
-            <a:r>
-              <a:rPr lang="de-DE" smtClean="0"/>
-              <a:t>from </a:t>
-            </a:r>
-            <a:r>
-              <a:rPr lang="de-DE" smtClean="0"/>
-              <a:t>byzantine generals will be ignored</a:t>
+              <a:t>Vectors from byzantine generals will be ignored</a:t>
             </a:r>
             <a:endParaRPr lang="de-DE"/>
           </a:p>
